--- a/images/logo.pptx
+++ b/images/logo.pptx
@@ -12,6 +12,11 @@
     <p:sldId id="262" r:id="rId6"/>
     <p:sldId id="260" r:id="rId7"/>
     <p:sldId id="261" r:id="rId8"/>
+    <p:sldId id="267" r:id="rId9"/>
+    <p:sldId id="263" r:id="rId10"/>
+    <p:sldId id="264" r:id="rId11"/>
+    <p:sldId id="265" r:id="rId12"/>
+    <p:sldId id="266" r:id="rId13"/>
   </p:sldIdLst>
   <p:sldSz cx="12192000" cy="6858000"/>
   <p:notesSz cx="6858000" cy="9144000"/>
@@ -265,7 +270,7 @@
           <a:p>
             <a:fld id="{0817D786-0F17-2F48-AE0F-0E76108701AC}" type="datetimeFigureOut">
               <a:rPr lang="en-US" smtClean="0"/>
-              <a:t>10/20/23</a:t>
+              <a:t>11/29/23</a:t>
             </a:fld>
             <a:endParaRPr lang="en-US"/>
           </a:p>
@@ -463,7 +468,7 @@
           <a:p>
             <a:fld id="{0817D786-0F17-2F48-AE0F-0E76108701AC}" type="datetimeFigureOut">
               <a:rPr lang="en-US" smtClean="0"/>
-              <a:t>10/20/23</a:t>
+              <a:t>11/29/23</a:t>
             </a:fld>
             <a:endParaRPr lang="en-US"/>
           </a:p>
@@ -671,7 +676,7 @@
           <a:p>
             <a:fld id="{0817D786-0F17-2F48-AE0F-0E76108701AC}" type="datetimeFigureOut">
               <a:rPr lang="en-US" smtClean="0"/>
-              <a:t>10/20/23</a:t>
+              <a:t>11/29/23</a:t>
             </a:fld>
             <a:endParaRPr lang="en-US"/>
           </a:p>
@@ -869,7 +874,7 @@
           <a:p>
             <a:fld id="{0817D786-0F17-2F48-AE0F-0E76108701AC}" type="datetimeFigureOut">
               <a:rPr lang="en-US" smtClean="0"/>
-              <a:t>10/20/23</a:t>
+              <a:t>11/29/23</a:t>
             </a:fld>
             <a:endParaRPr lang="en-US"/>
           </a:p>
@@ -1144,7 +1149,7 @@
           <a:p>
             <a:fld id="{0817D786-0F17-2F48-AE0F-0E76108701AC}" type="datetimeFigureOut">
               <a:rPr lang="en-US" smtClean="0"/>
-              <a:t>10/20/23</a:t>
+              <a:t>11/29/23</a:t>
             </a:fld>
             <a:endParaRPr lang="en-US"/>
           </a:p>
@@ -1409,7 +1414,7 @@
           <a:p>
             <a:fld id="{0817D786-0F17-2F48-AE0F-0E76108701AC}" type="datetimeFigureOut">
               <a:rPr lang="en-US" smtClean="0"/>
-              <a:t>10/20/23</a:t>
+              <a:t>11/29/23</a:t>
             </a:fld>
             <a:endParaRPr lang="en-US"/>
           </a:p>
@@ -1821,7 +1826,7 @@
           <a:p>
             <a:fld id="{0817D786-0F17-2F48-AE0F-0E76108701AC}" type="datetimeFigureOut">
               <a:rPr lang="en-US" smtClean="0"/>
-              <a:t>10/20/23</a:t>
+              <a:t>11/29/23</a:t>
             </a:fld>
             <a:endParaRPr lang="en-US"/>
           </a:p>
@@ -1962,7 +1967,7 @@
           <a:p>
             <a:fld id="{0817D786-0F17-2F48-AE0F-0E76108701AC}" type="datetimeFigureOut">
               <a:rPr lang="en-US" smtClean="0"/>
-              <a:t>10/20/23</a:t>
+              <a:t>11/29/23</a:t>
             </a:fld>
             <a:endParaRPr lang="en-US"/>
           </a:p>
@@ -2075,7 +2080,7 @@
           <a:p>
             <a:fld id="{0817D786-0F17-2F48-AE0F-0E76108701AC}" type="datetimeFigureOut">
               <a:rPr lang="en-US" smtClean="0"/>
-              <a:t>10/20/23</a:t>
+              <a:t>11/29/23</a:t>
             </a:fld>
             <a:endParaRPr lang="en-US"/>
           </a:p>
@@ -2386,7 +2391,7 @@
           <a:p>
             <a:fld id="{0817D786-0F17-2F48-AE0F-0E76108701AC}" type="datetimeFigureOut">
               <a:rPr lang="en-US" smtClean="0"/>
-              <a:t>10/20/23</a:t>
+              <a:t>11/29/23</a:t>
             </a:fld>
             <a:endParaRPr lang="en-US"/>
           </a:p>
@@ -2674,7 +2679,7 @@
           <a:p>
             <a:fld id="{0817D786-0F17-2F48-AE0F-0E76108701AC}" type="datetimeFigureOut">
               <a:rPr lang="en-US" smtClean="0"/>
-              <a:t>10/20/23</a:t>
+              <a:t>11/29/23</a:t>
             </a:fld>
             <a:endParaRPr lang="en-US"/>
           </a:p>
@@ -2915,7 +2920,7 @@
           <a:p>
             <a:fld id="{0817D786-0F17-2F48-AE0F-0E76108701AC}" type="datetimeFigureOut">
               <a:rPr lang="en-US" smtClean="0"/>
-              <a:t>10/20/23</a:t>
+              <a:t>11/29/23</a:t>
             </a:fld>
             <a:endParaRPr lang="en-US"/>
           </a:p>
@@ -3386,6 +3391,1800 @@
     <p:extLst>
       <p:ext uri="{BB962C8B-B14F-4D97-AF65-F5344CB8AC3E}">
         <p14:creationId xmlns:p14="http://schemas.microsoft.com/office/powerpoint/2010/main" val="2970334954"/>
+      </p:ext>
+    </p:extLst>
+  </p:cSld>
+  <p:clrMapOvr>
+    <a:masterClrMapping/>
+  </p:clrMapOvr>
+</p:sld>
+</file>
+
+<file path=ppt/slides/slide10.xml><?xml version="1.0" encoding="utf-8"?>
+<p:sld xmlns:a="http://schemas.openxmlformats.org/drawingml/2006/main" xmlns:r="http://schemas.openxmlformats.org/officeDocument/2006/relationships" xmlns:p="http://schemas.openxmlformats.org/presentationml/2006/main">
+  <p:cSld>
+    <p:spTree>
+      <p:nvGrpSpPr>
+        <p:cNvPr id="1" name=""/>
+        <p:cNvGrpSpPr/>
+        <p:nvPr/>
+      </p:nvGrpSpPr>
+      <p:grpSpPr>
+        <a:xfrm>
+          <a:off x="0" y="0"/>
+          <a:ext cx="0" cy="0"/>
+          <a:chOff x="0" y="0"/>
+          <a:chExt cx="0" cy="0"/>
+        </a:xfrm>
+      </p:grpSpPr>
+      <p:pic>
+        <p:nvPicPr>
+          <p:cNvPr id="24" name="Picture 4" descr="Android Logo, symbol, meaning, history, PNG, brand">
+            <a:extLst>
+              <a:ext uri="{FF2B5EF4-FFF2-40B4-BE49-F238E27FC236}">
+                <a16:creationId xmlns:a16="http://schemas.microsoft.com/office/drawing/2014/main" id="{CC3E0079-7DF5-C207-3698-C23994DB5A02}"/>
+              </a:ext>
+            </a:extLst>
+          </p:cNvPr>
+          <p:cNvPicPr>
+            <a:picLocks noChangeAspect="1" noChangeArrowheads="1"/>
+          </p:cNvPicPr>
+          <p:nvPr/>
+        </p:nvPicPr>
+        <p:blipFill rotWithShape="1">
+          <a:blip r:embed="rId2">
+            <a:extLst>
+              <a:ext uri="{28A0092B-C50C-407E-A947-70E740481C1C}">
+                <a14:useLocalDpi xmlns:a14="http://schemas.microsoft.com/office/drawing/2010/main" val="0"/>
+              </a:ext>
+            </a:extLst>
+          </a:blip>
+          <a:srcRect l="26055" t="79316" r="26120"/>
+          <a:stretch/>
+        </p:blipFill>
+        <p:spPr bwMode="auto">
+          <a:xfrm>
+            <a:off x="1194298" y="5600156"/>
+            <a:ext cx="2735727" cy="665544"/>
+          </a:xfrm>
+          <a:prstGeom prst="rect">
+            <a:avLst/>
+          </a:prstGeom>
+          <a:noFill/>
+          <a:extLst>
+            <a:ext uri="{909E8E84-426E-40DD-AFC4-6F175D3DCCD1}">
+              <a14:hiddenFill xmlns:a14="http://schemas.microsoft.com/office/drawing/2010/main">
+                <a:solidFill>
+                  <a:srgbClr val="FFFFFF"/>
+                </a:solidFill>
+              </a14:hiddenFill>
+            </a:ext>
+          </a:extLst>
+        </p:spPr>
+      </p:pic>
+      <p:sp>
+        <p:nvSpPr>
+          <p:cNvPr id="14" name="Rectangle 13">
+            <a:extLst>
+              <a:ext uri="{FF2B5EF4-FFF2-40B4-BE49-F238E27FC236}">
+                <a16:creationId xmlns:a16="http://schemas.microsoft.com/office/drawing/2014/main" id="{1444833A-8A33-61D4-D3D4-819348E1EBC3}"/>
+              </a:ext>
+            </a:extLst>
+          </p:cNvPr>
+          <p:cNvSpPr/>
+          <p:nvPr/>
+        </p:nvSpPr>
+        <p:spPr>
+          <a:xfrm>
+            <a:off x="2009966" y="4035049"/>
+            <a:ext cx="1082566" cy="445007"/>
+          </a:xfrm>
+          <a:prstGeom prst="rect">
+            <a:avLst/>
+          </a:prstGeom>
+          <a:solidFill>
+            <a:srgbClr val="78C257"/>
+          </a:solidFill>
+          <a:ln>
+            <a:noFill/>
+          </a:ln>
+        </p:spPr>
+        <p:style>
+          <a:lnRef idx="2">
+            <a:schemeClr val="accent1">
+              <a:shade val="15000"/>
+            </a:schemeClr>
+          </a:lnRef>
+          <a:fillRef idx="1">
+            <a:schemeClr val="accent1"/>
+          </a:fillRef>
+          <a:effectRef idx="0">
+            <a:schemeClr val="accent1"/>
+          </a:effectRef>
+          <a:fontRef idx="minor">
+            <a:schemeClr val="lt1"/>
+          </a:fontRef>
+        </p:style>
+        <p:txBody>
+          <a:bodyPr rtlCol="0" anchor="ctr"/>
+          <a:lstStyle/>
+          <a:p>
+            <a:pPr algn="ctr"/>
+            <a:endParaRPr lang="en-US"/>
+          </a:p>
+        </p:txBody>
+      </p:sp>
+      <p:sp>
+        <p:nvSpPr>
+          <p:cNvPr id="4" name="Oval 3">
+            <a:extLst>
+              <a:ext uri="{FF2B5EF4-FFF2-40B4-BE49-F238E27FC236}">
+                <a16:creationId xmlns:a16="http://schemas.microsoft.com/office/drawing/2014/main" id="{B733FC34-2DC1-20C1-42E7-61445FDF6463}"/>
+              </a:ext>
+            </a:extLst>
+          </p:cNvPr>
+          <p:cNvSpPr/>
+          <p:nvPr/>
+        </p:nvSpPr>
+        <p:spPr>
+          <a:xfrm>
+            <a:off x="2554352" y="4167422"/>
+            <a:ext cx="914400" cy="914400"/>
+          </a:xfrm>
+          <a:prstGeom prst="ellipse">
+            <a:avLst/>
+          </a:prstGeom>
+          <a:solidFill>
+            <a:srgbClr val="78C257"/>
+          </a:solidFill>
+          <a:ln>
+            <a:noFill/>
+          </a:ln>
+        </p:spPr>
+        <p:style>
+          <a:lnRef idx="2">
+            <a:schemeClr val="accent1">
+              <a:shade val="15000"/>
+            </a:schemeClr>
+          </a:lnRef>
+          <a:fillRef idx="1">
+            <a:schemeClr val="accent1"/>
+          </a:fillRef>
+          <a:effectRef idx="0">
+            <a:schemeClr val="accent1"/>
+          </a:effectRef>
+          <a:fontRef idx="minor">
+            <a:schemeClr val="lt1"/>
+          </a:fontRef>
+        </p:style>
+        <p:txBody>
+          <a:bodyPr rtlCol="0" anchor="ctr"/>
+          <a:lstStyle/>
+          <a:p>
+            <a:pPr algn="ctr"/>
+            <a:endParaRPr lang="en-US"/>
+          </a:p>
+        </p:txBody>
+      </p:sp>
+      <p:sp>
+        <p:nvSpPr>
+          <p:cNvPr id="6" name="Oval 5">
+            <a:extLst>
+              <a:ext uri="{FF2B5EF4-FFF2-40B4-BE49-F238E27FC236}">
+                <a16:creationId xmlns:a16="http://schemas.microsoft.com/office/drawing/2014/main" id="{031739F0-B107-D3B3-DF1F-8E8F538CF3FD}"/>
+              </a:ext>
+            </a:extLst>
+          </p:cNvPr>
+          <p:cNvSpPr/>
+          <p:nvPr/>
+        </p:nvSpPr>
+        <p:spPr>
+          <a:xfrm>
+            <a:off x="2023580" y="4167422"/>
+            <a:ext cx="914400" cy="914400"/>
+          </a:xfrm>
+          <a:prstGeom prst="ellipse">
+            <a:avLst/>
+          </a:prstGeom>
+          <a:solidFill>
+            <a:srgbClr val="78C257"/>
+          </a:solidFill>
+          <a:ln>
+            <a:noFill/>
+          </a:ln>
+        </p:spPr>
+        <p:style>
+          <a:lnRef idx="2">
+            <a:schemeClr val="accent1">
+              <a:shade val="15000"/>
+            </a:schemeClr>
+          </a:lnRef>
+          <a:fillRef idx="1">
+            <a:schemeClr val="accent1"/>
+          </a:fillRef>
+          <a:effectRef idx="0">
+            <a:schemeClr val="accent1"/>
+          </a:effectRef>
+          <a:fontRef idx="minor">
+            <a:schemeClr val="lt1"/>
+          </a:fontRef>
+        </p:style>
+        <p:txBody>
+          <a:bodyPr rtlCol="0" anchor="ctr"/>
+          <a:lstStyle/>
+          <a:p>
+            <a:pPr algn="ctr"/>
+            <a:endParaRPr lang="en-US"/>
+          </a:p>
+        </p:txBody>
+      </p:sp>
+      <p:sp>
+        <p:nvSpPr>
+          <p:cNvPr id="7" name="Oval 6">
+            <a:extLst>
+              <a:ext uri="{FF2B5EF4-FFF2-40B4-BE49-F238E27FC236}">
+                <a16:creationId xmlns:a16="http://schemas.microsoft.com/office/drawing/2014/main" id="{BDCA6110-DE64-EA77-8B5B-7AC6EBA25A3C}"/>
+              </a:ext>
+            </a:extLst>
+          </p:cNvPr>
+          <p:cNvSpPr/>
+          <p:nvPr/>
+        </p:nvSpPr>
+        <p:spPr>
+          <a:xfrm>
+            <a:off x="1639952" y="4167422"/>
+            <a:ext cx="914400" cy="914400"/>
+          </a:xfrm>
+          <a:prstGeom prst="ellipse">
+            <a:avLst/>
+          </a:prstGeom>
+          <a:solidFill>
+            <a:srgbClr val="78C257"/>
+          </a:solidFill>
+          <a:ln>
+            <a:noFill/>
+          </a:ln>
+        </p:spPr>
+        <p:style>
+          <a:lnRef idx="2">
+            <a:schemeClr val="accent1">
+              <a:shade val="15000"/>
+            </a:schemeClr>
+          </a:lnRef>
+          <a:fillRef idx="1">
+            <a:schemeClr val="accent1"/>
+          </a:fillRef>
+          <a:effectRef idx="0">
+            <a:schemeClr val="accent1"/>
+          </a:effectRef>
+          <a:fontRef idx="minor">
+            <a:schemeClr val="lt1"/>
+          </a:fontRef>
+        </p:style>
+        <p:txBody>
+          <a:bodyPr rtlCol="0" anchor="ctr"/>
+          <a:lstStyle/>
+          <a:p>
+            <a:pPr algn="ctr"/>
+            <a:endParaRPr lang="en-US"/>
+          </a:p>
+        </p:txBody>
+      </p:sp>
+      <p:sp>
+        <p:nvSpPr>
+          <p:cNvPr id="8" name="Oval 7">
+            <a:extLst>
+              <a:ext uri="{FF2B5EF4-FFF2-40B4-BE49-F238E27FC236}">
+                <a16:creationId xmlns:a16="http://schemas.microsoft.com/office/drawing/2014/main" id="{4C7D770D-A90D-07DE-BFA8-B51B42B12035}"/>
+              </a:ext>
+            </a:extLst>
+          </p:cNvPr>
+          <p:cNvSpPr/>
+          <p:nvPr/>
+        </p:nvSpPr>
+        <p:spPr>
+          <a:xfrm>
+            <a:off x="1585111" y="4511707"/>
+            <a:ext cx="914400" cy="914400"/>
+          </a:xfrm>
+          <a:prstGeom prst="ellipse">
+            <a:avLst/>
+          </a:prstGeom>
+          <a:solidFill>
+            <a:srgbClr val="78C257"/>
+          </a:solidFill>
+          <a:ln>
+            <a:noFill/>
+          </a:ln>
+        </p:spPr>
+        <p:style>
+          <a:lnRef idx="2">
+            <a:schemeClr val="accent1">
+              <a:shade val="15000"/>
+            </a:schemeClr>
+          </a:lnRef>
+          <a:fillRef idx="1">
+            <a:schemeClr val="accent1"/>
+          </a:fillRef>
+          <a:effectRef idx="0">
+            <a:schemeClr val="accent1"/>
+          </a:effectRef>
+          <a:fontRef idx="minor">
+            <a:schemeClr val="lt1"/>
+          </a:fontRef>
+        </p:style>
+        <p:txBody>
+          <a:bodyPr rtlCol="0" anchor="ctr"/>
+          <a:lstStyle/>
+          <a:p>
+            <a:pPr algn="ctr"/>
+            <a:endParaRPr lang="en-US"/>
+          </a:p>
+        </p:txBody>
+      </p:sp>
+      <p:sp>
+        <p:nvSpPr>
+          <p:cNvPr id="9" name="Oval 8">
+            <a:extLst>
+              <a:ext uri="{FF2B5EF4-FFF2-40B4-BE49-F238E27FC236}">
+                <a16:creationId xmlns:a16="http://schemas.microsoft.com/office/drawing/2014/main" id="{2EB6AA31-DD3D-23AE-2485-3815E684A484}"/>
+              </a:ext>
+            </a:extLst>
+          </p:cNvPr>
+          <p:cNvSpPr/>
+          <p:nvPr/>
+        </p:nvSpPr>
+        <p:spPr>
+          <a:xfrm>
+            <a:off x="1831766" y="4648341"/>
+            <a:ext cx="914400" cy="914400"/>
+          </a:xfrm>
+          <a:prstGeom prst="ellipse">
+            <a:avLst/>
+          </a:prstGeom>
+          <a:solidFill>
+            <a:srgbClr val="78C257"/>
+          </a:solidFill>
+          <a:ln>
+            <a:noFill/>
+          </a:ln>
+        </p:spPr>
+        <p:style>
+          <a:lnRef idx="2">
+            <a:schemeClr val="accent1">
+              <a:shade val="15000"/>
+            </a:schemeClr>
+          </a:lnRef>
+          <a:fillRef idx="1">
+            <a:schemeClr val="accent1"/>
+          </a:fillRef>
+          <a:effectRef idx="0">
+            <a:schemeClr val="accent1"/>
+          </a:effectRef>
+          <a:fontRef idx="minor">
+            <a:schemeClr val="lt1"/>
+          </a:fontRef>
+        </p:style>
+        <p:txBody>
+          <a:bodyPr rtlCol="0" anchor="ctr"/>
+          <a:lstStyle/>
+          <a:p>
+            <a:pPr algn="ctr"/>
+            <a:endParaRPr lang="en-US"/>
+          </a:p>
+        </p:txBody>
+      </p:sp>
+      <p:sp>
+        <p:nvSpPr>
+          <p:cNvPr id="10" name="Oval 9">
+            <a:extLst>
+              <a:ext uri="{FF2B5EF4-FFF2-40B4-BE49-F238E27FC236}">
+                <a16:creationId xmlns:a16="http://schemas.microsoft.com/office/drawing/2014/main" id="{9BC32DD7-1810-8E9F-C6B8-2E2DABAF3A91}"/>
+              </a:ext>
+            </a:extLst>
+          </p:cNvPr>
+          <p:cNvSpPr/>
+          <p:nvPr/>
+        </p:nvSpPr>
+        <p:spPr>
+          <a:xfrm>
+            <a:off x="2044939" y="4670278"/>
+            <a:ext cx="914400" cy="914400"/>
+          </a:xfrm>
+          <a:prstGeom prst="ellipse">
+            <a:avLst/>
+          </a:prstGeom>
+          <a:solidFill>
+            <a:srgbClr val="78C257"/>
+          </a:solidFill>
+          <a:ln>
+            <a:noFill/>
+          </a:ln>
+        </p:spPr>
+        <p:style>
+          <a:lnRef idx="2">
+            <a:schemeClr val="accent1">
+              <a:shade val="15000"/>
+            </a:schemeClr>
+          </a:lnRef>
+          <a:fillRef idx="1">
+            <a:schemeClr val="accent1"/>
+          </a:fillRef>
+          <a:effectRef idx="0">
+            <a:schemeClr val="accent1"/>
+          </a:effectRef>
+          <a:fontRef idx="minor">
+            <a:schemeClr val="lt1"/>
+          </a:fontRef>
+        </p:style>
+        <p:txBody>
+          <a:bodyPr rtlCol="0" anchor="ctr"/>
+          <a:lstStyle/>
+          <a:p>
+            <a:pPr algn="ctr"/>
+            <a:endParaRPr lang="en-US"/>
+          </a:p>
+        </p:txBody>
+      </p:sp>
+      <p:sp>
+        <p:nvSpPr>
+          <p:cNvPr id="11" name="Oval 10">
+            <a:extLst>
+              <a:ext uri="{FF2B5EF4-FFF2-40B4-BE49-F238E27FC236}">
+                <a16:creationId xmlns:a16="http://schemas.microsoft.com/office/drawing/2014/main" id="{7152F5E1-C181-143E-4EFB-C8BD72FF2A06}"/>
+              </a:ext>
+            </a:extLst>
+          </p:cNvPr>
+          <p:cNvSpPr/>
+          <p:nvPr/>
+        </p:nvSpPr>
+        <p:spPr>
+          <a:xfrm>
+            <a:off x="2609850" y="4450380"/>
+            <a:ext cx="914400" cy="914400"/>
+          </a:xfrm>
+          <a:prstGeom prst="ellipse">
+            <a:avLst/>
+          </a:prstGeom>
+          <a:solidFill>
+            <a:srgbClr val="78C257"/>
+          </a:solidFill>
+          <a:ln>
+            <a:noFill/>
+          </a:ln>
+        </p:spPr>
+        <p:style>
+          <a:lnRef idx="2">
+            <a:schemeClr val="accent1">
+              <a:shade val="15000"/>
+            </a:schemeClr>
+          </a:lnRef>
+          <a:fillRef idx="1">
+            <a:schemeClr val="accent1"/>
+          </a:fillRef>
+          <a:effectRef idx="0">
+            <a:schemeClr val="accent1"/>
+          </a:effectRef>
+          <a:fontRef idx="minor">
+            <a:schemeClr val="lt1"/>
+          </a:fontRef>
+        </p:style>
+        <p:txBody>
+          <a:bodyPr rtlCol="0" anchor="ctr"/>
+          <a:lstStyle/>
+          <a:p>
+            <a:pPr algn="ctr"/>
+            <a:endParaRPr lang="en-US"/>
+          </a:p>
+        </p:txBody>
+      </p:sp>
+      <p:sp>
+        <p:nvSpPr>
+          <p:cNvPr id="12" name="Oval 11">
+            <a:extLst>
+              <a:ext uri="{FF2B5EF4-FFF2-40B4-BE49-F238E27FC236}">
+                <a16:creationId xmlns:a16="http://schemas.microsoft.com/office/drawing/2014/main" id="{D384020A-95C6-8F4E-3860-1E2807688779}"/>
+              </a:ext>
+            </a:extLst>
+          </p:cNvPr>
+          <p:cNvSpPr/>
+          <p:nvPr/>
+        </p:nvSpPr>
+        <p:spPr>
+          <a:xfrm>
+            <a:off x="2498854" y="4618665"/>
+            <a:ext cx="914400" cy="914400"/>
+          </a:xfrm>
+          <a:prstGeom prst="ellipse">
+            <a:avLst/>
+          </a:prstGeom>
+          <a:solidFill>
+            <a:srgbClr val="78C257"/>
+          </a:solidFill>
+          <a:ln>
+            <a:noFill/>
+          </a:ln>
+        </p:spPr>
+        <p:style>
+          <a:lnRef idx="2">
+            <a:schemeClr val="accent1">
+              <a:shade val="15000"/>
+            </a:schemeClr>
+          </a:lnRef>
+          <a:fillRef idx="1">
+            <a:schemeClr val="accent1"/>
+          </a:fillRef>
+          <a:effectRef idx="0">
+            <a:schemeClr val="accent1"/>
+          </a:effectRef>
+          <a:fontRef idx="minor">
+            <a:schemeClr val="lt1"/>
+          </a:fontRef>
+        </p:style>
+        <p:txBody>
+          <a:bodyPr rtlCol="0" anchor="ctr"/>
+          <a:lstStyle/>
+          <a:p>
+            <a:pPr algn="ctr"/>
+            <a:endParaRPr lang="en-US"/>
+          </a:p>
+        </p:txBody>
+      </p:sp>
+      <p:sp>
+        <p:nvSpPr>
+          <p:cNvPr id="13" name="Oval 12">
+            <a:extLst>
+              <a:ext uri="{FF2B5EF4-FFF2-40B4-BE49-F238E27FC236}">
+                <a16:creationId xmlns:a16="http://schemas.microsoft.com/office/drawing/2014/main" id="{9CB3A08C-E001-C461-5E09-1B602EA0E0C3}"/>
+              </a:ext>
+            </a:extLst>
+          </p:cNvPr>
+          <p:cNvSpPr/>
+          <p:nvPr/>
+        </p:nvSpPr>
+        <p:spPr>
+          <a:xfrm>
+            <a:off x="2261217" y="4678017"/>
+            <a:ext cx="914400" cy="914400"/>
+          </a:xfrm>
+          <a:prstGeom prst="ellipse">
+            <a:avLst/>
+          </a:prstGeom>
+          <a:solidFill>
+            <a:srgbClr val="78C257"/>
+          </a:solidFill>
+          <a:ln>
+            <a:noFill/>
+          </a:ln>
+        </p:spPr>
+        <p:style>
+          <a:lnRef idx="2">
+            <a:schemeClr val="accent1">
+              <a:shade val="15000"/>
+            </a:schemeClr>
+          </a:lnRef>
+          <a:fillRef idx="1">
+            <a:schemeClr val="accent1"/>
+          </a:fillRef>
+          <a:effectRef idx="0">
+            <a:schemeClr val="accent1"/>
+          </a:effectRef>
+          <a:fontRef idx="minor">
+            <a:schemeClr val="lt1"/>
+          </a:fontRef>
+        </p:style>
+        <p:txBody>
+          <a:bodyPr rtlCol="0" anchor="ctr"/>
+          <a:lstStyle/>
+          <a:p>
+            <a:pPr algn="ctr"/>
+            <a:endParaRPr lang="en-US"/>
+          </a:p>
+        </p:txBody>
+      </p:sp>
+      <p:sp>
+        <p:nvSpPr>
+          <p:cNvPr id="21" name="TextBox 20">
+            <a:extLst>
+              <a:ext uri="{FF2B5EF4-FFF2-40B4-BE49-F238E27FC236}">
+                <a16:creationId xmlns:a16="http://schemas.microsoft.com/office/drawing/2014/main" id="{AB2CA7B1-EFB1-FC4C-8EB2-160D1928B20D}"/>
+              </a:ext>
+            </a:extLst>
+          </p:cNvPr>
+          <p:cNvSpPr txBox="1"/>
+          <p:nvPr/>
+        </p:nvSpPr>
+        <p:spPr>
+          <a:xfrm>
+            <a:off x="4267202" y="5682183"/>
+            <a:ext cx="3124201" cy="965792"/>
+          </a:xfrm>
+          <a:prstGeom prst="rect">
+            <a:avLst/>
+          </a:prstGeom>
+          <a:noFill/>
+        </p:spPr>
+        <p:txBody>
+          <a:bodyPr wrap="square" lIns="0" tIns="0" rIns="0" bIns="0" rtlCol="0">
+            <a:noAutofit/>
+          </a:bodyPr>
+          <a:lstStyle/>
+          <a:p>
+            <a:r>
+              <a:rPr lang="en-US" sz="8000" dirty="0">
+                <a:latin typeface="Times New Roman" panose="02020603050405020304" pitchFamily="18" charset="0"/>
+                <a:cs typeface="Times New Roman" panose="02020603050405020304" pitchFamily="18" charset="0"/>
+              </a:rPr>
+              <a:t>V</a:t>
+            </a:r>
+            <a:r>
+              <a:rPr lang="en-US" sz="6000" dirty="0">
+                <a:latin typeface="Times New Roman" panose="02020603050405020304" pitchFamily="18" charset="0"/>
+                <a:cs typeface="Times New Roman" panose="02020603050405020304" pitchFamily="18" charset="0"/>
+              </a:rPr>
+              <a:t>IA</a:t>
+            </a:r>
+            <a:r>
+              <a:rPr lang="en-US" sz="8000" dirty="0">
+                <a:latin typeface="Times New Roman" panose="02020603050405020304" pitchFamily="18" charset="0"/>
+                <a:cs typeface="Times New Roman" panose="02020603050405020304" pitchFamily="18" charset="0"/>
+              </a:rPr>
+              <a:t>L</a:t>
+            </a:r>
+            <a:r>
+              <a:rPr lang="en-US" sz="6000" dirty="0">
+                <a:latin typeface="Times New Roman" panose="02020603050405020304" pitchFamily="18" charset="0"/>
+                <a:cs typeface="Times New Roman" panose="02020603050405020304" pitchFamily="18" charset="0"/>
+              </a:rPr>
+              <a:t>IN</a:t>
+            </a:r>
+          </a:p>
+        </p:txBody>
+      </p:sp>
+      <p:sp>
+        <p:nvSpPr>
+          <p:cNvPr id="28" name="TextBox 27">
+            <a:extLst>
+              <a:ext uri="{FF2B5EF4-FFF2-40B4-BE49-F238E27FC236}">
+                <a16:creationId xmlns:a16="http://schemas.microsoft.com/office/drawing/2014/main" id="{55A1DBC5-F33B-938B-5F8A-B25C95BE1EC5}"/>
+              </a:ext>
+            </a:extLst>
+          </p:cNvPr>
+          <p:cNvSpPr txBox="1"/>
+          <p:nvPr/>
+        </p:nvSpPr>
+        <p:spPr>
+          <a:xfrm>
+            <a:off x="9101836" y="3682208"/>
+            <a:ext cx="2160335" cy="646331"/>
+          </a:xfrm>
+          <a:prstGeom prst="rect">
+            <a:avLst/>
+          </a:prstGeom>
+          <a:noFill/>
+        </p:spPr>
+        <p:txBody>
+          <a:bodyPr wrap="none" rtlCol="0">
+            <a:spAutoFit/>
+          </a:bodyPr>
+          <a:lstStyle/>
+          <a:p>
+            <a:r>
+              <a:rPr lang="en-US" dirty="0"/>
+              <a:t>[make it same green]</a:t>
+            </a:r>
+          </a:p>
+          <a:p>
+            <a:r>
+              <a:rPr lang="en-US" dirty="0"/>
+              <a:t>[change the pins]</a:t>
+            </a:r>
+          </a:p>
+        </p:txBody>
+      </p:sp>
+      <p:pic>
+        <p:nvPicPr>
+          <p:cNvPr id="2" name="Picture 4" descr="Android Logo, symbol, meaning, history, PNG, brand">
+            <a:extLst>
+              <a:ext uri="{FF2B5EF4-FFF2-40B4-BE49-F238E27FC236}">
+                <a16:creationId xmlns:a16="http://schemas.microsoft.com/office/drawing/2014/main" id="{78DD4D0A-AEC1-2E88-FF9B-BE4AB1955DA9}"/>
+              </a:ext>
+            </a:extLst>
+          </p:cNvPr>
+          <p:cNvPicPr>
+            <a:picLocks noChangeAspect="1" noChangeArrowheads="1"/>
+          </p:cNvPicPr>
+          <p:nvPr/>
+        </p:nvPicPr>
+        <p:blipFill rotWithShape="1">
+          <a:blip r:embed="rId2">
+            <a:extLst>
+              <a:ext uri="{28A0092B-C50C-407E-A947-70E740481C1C}">
+                <a14:useLocalDpi xmlns:a14="http://schemas.microsoft.com/office/drawing/2010/main" val="0"/>
+              </a:ext>
+            </a:extLst>
+          </a:blip>
+          <a:srcRect l="26055" t="30910" r="65547" b="29190"/>
+          <a:stretch/>
+        </p:blipFill>
+        <p:spPr bwMode="auto">
+          <a:xfrm>
+            <a:off x="3403405" y="2850070"/>
+            <a:ext cx="484025" cy="1293633"/>
+          </a:xfrm>
+          <a:prstGeom prst="rect">
+            <a:avLst/>
+          </a:prstGeom>
+          <a:noFill/>
+          <a:extLst>
+            <a:ext uri="{909E8E84-426E-40DD-AFC4-6F175D3DCCD1}">
+              <a14:hiddenFill xmlns:a14="http://schemas.microsoft.com/office/drawing/2010/main">
+                <a:solidFill>
+                  <a:srgbClr val="FFFFFF"/>
+                </a:solidFill>
+              </a14:hiddenFill>
+            </a:ext>
+          </a:extLst>
+        </p:spPr>
+      </p:pic>
+      <p:pic>
+        <p:nvPicPr>
+          <p:cNvPr id="1028" name="Picture 4" descr="Android Logo, symbol, meaning, history, PNG, brand">
+            <a:extLst>
+              <a:ext uri="{FF2B5EF4-FFF2-40B4-BE49-F238E27FC236}">
+                <a16:creationId xmlns:a16="http://schemas.microsoft.com/office/drawing/2014/main" id="{BE638C0D-5E86-8C85-7EFB-458421BB735B}"/>
+              </a:ext>
+            </a:extLst>
+          </p:cNvPr>
+          <p:cNvPicPr>
+            <a:picLocks noChangeAspect="1" noChangeArrowheads="1"/>
+          </p:cNvPicPr>
+          <p:nvPr/>
+        </p:nvPicPr>
+        <p:blipFill rotWithShape="1">
+          <a:blip r:embed="rId2">
+            <a:extLst>
+              <a:ext uri="{28A0092B-C50C-407E-A947-70E740481C1C}">
+                <a14:useLocalDpi xmlns:a14="http://schemas.microsoft.com/office/drawing/2010/main" val="0"/>
+              </a:ext>
+            </a:extLst>
+          </a:blip>
+          <a:srcRect l="26055" t="30910" r="65547" b="29190"/>
+          <a:stretch/>
+        </p:blipFill>
+        <p:spPr bwMode="auto">
+          <a:xfrm>
+            <a:off x="1141459" y="2850070"/>
+            <a:ext cx="484025" cy="1293634"/>
+          </a:xfrm>
+          <a:prstGeom prst="rect">
+            <a:avLst/>
+          </a:prstGeom>
+          <a:noFill/>
+          <a:extLst>
+            <a:ext uri="{909E8E84-426E-40DD-AFC4-6F175D3DCCD1}">
+              <a14:hiddenFill xmlns:a14="http://schemas.microsoft.com/office/drawing/2010/main">
+                <a:solidFill>
+                  <a:srgbClr val="FFFFFF"/>
+                </a:solidFill>
+              </a14:hiddenFill>
+            </a:ext>
+          </a:extLst>
+        </p:spPr>
+      </p:pic>
+      <p:pic>
+        <p:nvPicPr>
+          <p:cNvPr id="3" name="Picture 4" descr="Android Logo, symbol, meaning, history, PNG, brand">
+            <a:extLst>
+              <a:ext uri="{FF2B5EF4-FFF2-40B4-BE49-F238E27FC236}">
+                <a16:creationId xmlns:a16="http://schemas.microsoft.com/office/drawing/2014/main" id="{B04B5FA8-C3E2-CE4C-6EB1-93E529447865}"/>
+              </a:ext>
+            </a:extLst>
+          </p:cNvPr>
+          <p:cNvPicPr>
+            <a:picLocks noChangeAspect="1" noChangeArrowheads="1"/>
+          </p:cNvPicPr>
+          <p:nvPr/>
+        </p:nvPicPr>
+        <p:blipFill rotWithShape="1">
+          <a:blip r:embed="rId2">
+            <a:extLst>
+              <a:ext uri="{28A0092B-C50C-407E-A947-70E740481C1C}">
+                <a14:useLocalDpi xmlns:a14="http://schemas.microsoft.com/office/drawing/2010/main" val="0"/>
+              </a:ext>
+            </a:extLst>
+          </a:blip>
+          <a:srcRect l="26055" r="26120" b="67049"/>
+          <a:stretch/>
+        </p:blipFill>
+        <p:spPr bwMode="auto">
+          <a:xfrm>
+            <a:off x="1437886" y="1984690"/>
+            <a:ext cx="2232932" cy="865380"/>
+          </a:xfrm>
+          <a:prstGeom prst="rect">
+            <a:avLst/>
+          </a:prstGeom>
+          <a:noFill/>
+          <a:extLst>
+            <a:ext uri="{909E8E84-426E-40DD-AFC4-6F175D3DCCD1}">
+              <a14:hiddenFill xmlns:a14="http://schemas.microsoft.com/office/drawing/2010/main">
+                <a:solidFill>
+                  <a:srgbClr val="FFFFFF"/>
+                </a:solidFill>
+              </a14:hiddenFill>
+            </a:ext>
+          </a:extLst>
+        </p:spPr>
+      </p:pic>
+      <p:sp>
+        <p:nvSpPr>
+          <p:cNvPr id="15" name="Rectangle 14">
+            <a:extLst>
+              <a:ext uri="{FF2B5EF4-FFF2-40B4-BE49-F238E27FC236}">
+                <a16:creationId xmlns:a16="http://schemas.microsoft.com/office/drawing/2014/main" id="{F9B5ABA9-BC62-5A83-67F3-4C606563C746}"/>
+              </a:ext>
+            </a:extLst>
+          </p:cNvPr>
+          <p:cNvSpPr/>
+          <p:nvPr/>
+        </p:nvSpPr>
+        <p:spPr>
+          <a:xfrm>
+            <a:off x="1890170" y="2929704"/>
+            <a:ext cx="1343984" cy="276811"/>
+          </a:xfrm>
+          <a:prstGeom prst="rect">
+            <a:avLst/>
+          </a:prstGeom>
+          <a:solidFill>
+            <a:srgbClr val="78C257"/>
+          </a:solidFill>
+          <a:ln>
+            <a:noFill/>
+          </a:ln>
+        </p:spPr>
+        <p:style>
+          <a:lnRef idx="2">
+            <a:schemeClr val="accent1">
+              <a:shade val="15000"/>
+            </a:schemeClr>
+          </a:lnRef>
+          <a:fillRef idx="1">
+            <a:schemeClr val="accent1"/>
+          </a:fillRef>
+          <a:effectRef idx="0">
+            <a:schemeClr val="accent1"/>
+          </a:effectRef>
+          <a:fontRef idx="minor">
+            <a:schemeClr val="lt1"/>
+          </a:fontRef>
+        </p:style>
+        <p:txBody>
+          <a:bodyPr rtlCol="0" anchor="ctr"/>
+          <a:lstStyle/>
+          <a:p>
+            <a:pPr algn="ctr"/>
+            <a:endParaRPr lang="en-US"/>
+          </a:p>
+        </p:txBody>
+      </p:sp>
+      <p:sp>
+        <p:nvSpPr>
+          <p:cNvPr id="19" name="Rectangle 18">
+            <a:extLst>
+              <a:ext uri="{FF2B5EF4-FFF2-40B4-BE49-F238E27FC236}">
+                <a16:creationId xmlns:a16="http://schemas.microsoft.com/office/drawing/2014/main" id="{3BBCB3AA-E5F9-C67F-CD3B-B0BB30067264}"/>
+              </a:ext>
+            </a:extLst>
+          </p:cNvPr>
+          <p:cNvSpPr/>
+          <p:nvPr/>
+        </p:nvSpPr>
+        <p:spPr>
+          <a:xfrm>
+            <a:off x="1958813" y="3057110"/>
+            <a:ext cx="1216804" cy="276811"/>
+          </a:xfrm>
+          <a:prstGeom prst="rect">
+            <a:avLst/>
+          </a:prstGeom>
+          <a:solidFill>
+            <a:srgbClr val="78C257"/>
+          </a:solidFill>
+          <a:ln>
+            <a:noFill/>
+          </a:ln>
+        </p:spPr>
+        <p:style>
+          <a:lnRef idx="2">
+            <a:schemeClr val="accent1">
+              <a:shade val="15000"/>
+            </a:schemeClr>
+          </a:lnRef>
+          <a:fillRef idx="1">
+            <a:schemeClr val="accent1"/>
+          </a:fillRef>
+          <a:effectRef idx="0">
+            <a:schemeClr val="accent1"/>
+          </a:effectRef>
+          <a:fontRef idx="minor">
+            <a:schemeClr val="lt1"/>
+          </a:fontRef>
+        </p:style>
+        <p:txBody>
+          <a:bodyPr rtlCol="0" anchor="ctr"/>
+          <a:lstStyle/>
+          <a:p>
+            <a:pPr algn="ctr"/>
+            <a:endParaRPr lang="en-US"/>
+          </a:p>
+        </p:txBody>
+      </p:sp>
+      <p:sp>
+        <p:nvSpPr>
+          <p:cNvPr id="20" name="Rectangle 19">
+            <a:extLst>
+              <a:ext uri="{FF2B5EF4-FFF2-40B4-BE49-F238E27FC236}">
+                <a16:creationId xmlns:a16="http://schemas.microsoft.com/office/drawing/2014/main" id="{52EA25F3-E257-13EE-7BAB-4A4B7E1F5D66}"/>
+              </a:ext>
+            </a:extLst>
+          </p:cNvPr>
+          <p:cNvSpPr/>
+          <p:nvPr/>
+        </p:nvSpPr>
+        <p:spPr>
+          <a:xfrm>
+            <a:off x="2044939" y="3273989"/>
+            <a:ext cx="992833" cy="276811"/>
+          </a:xfrm>
+          <a:prstGeom prst="rect">
+            <a:avLst/>
+          </a:prstGeom>
+          <a:solidFill>
+            <a:srgbClr val="78C257"/>
+          </a:solidFill>
+          <a:ln>
+            <a:noFill/>
+          </a:ln>
+        </p:spPr>
+        <p:style>
+          <a:lnRef idx="2">
+            <a:schemeClr val="accent1">
+              <a:shade val="15000"/>
+            </a:schemeClr>
+          </a:lnRef>
+          <a:fillRef idx="1">
+            <a:schemeClr val="accent1"/>
+          </a:fillRef>
+          <a:effectRef idx="0">
+            <a:schemeClr val="accent1"/>
+          </a:effectRef>
+          <a:fontRef idx="minor">
+            <a:schemeClr val="lt1"/>
+          </a:fontRef>
+        </p:style>
+        <p:txBody>
+          <a:bodyPr rtlCol="0" anchor="ctr"/>
+          <a:lstStyle/>
+          <a:p>
+            <a:pPr algn="ctr"/>
+            <a:endParaRPr lang="en-US"/>
+          </a:p>
+        </p:txBody>
+      </p:sp>
+      <p:sp>
+        <p:nvSpPr>
+          <p:cNvPr id="22" name="Rectangle 21">
+            <a:extLst>
+              <a:ext uri="{FF2B5EF4-FFF2-40B4-BE49-F238E27FC236}">
+                <a16:creationId xmlns:a16="http://schemas.microsoft.com/office/drawing/2014/main" id="{BFD52913-D2E9-7AF0-F316-CAD902C034E9}"/>
+              </a:ext>
+            </a:extLst>
+          </p:cNvPr>
+          <p:cNvSpPr/>
+          <p:nvPr/>
+        </p:nvSpPr>
+        <p:spPr>
+          <a:xfrm>
+            <a:off x="2100004" y="3464007"/>
+            <a:ext cx="859336" cy="402757"/>
+          </a:xfrm>
+          <a:prstGeom prst="rect">
+            <a:avLst/>
+          </a:prstGeom>
+          <a:solidFill>
+            <a:srgbClr val="78C257"/>
+          </a:solidFill>
+          <a:ln>
+            <a:noFill/>
+          </a:ln>
+        </p:spPr>
+        <p:style>
+          <a:lnRef idx="2">
+            <a:schemeClr val="accent1">
+              <a:shade val="15000"/>
+            </a:schemeClr>
+          </a:lnRef>
+          <a:fillRef idx="1">
+            <a:schemeClr val="accent1"/>
+          </a:fillRef>
+          <a:effectRef idx="0">
+            <a:schemeClr val="accent1"/>
+          </a:effectRef>
+          <a:fontRef idx="minor">
+            <a:schemeClr val="lt1"/>
+          </a:fontRef>
+        </p:style>
+        <p:txBody>
+          <a:bodyPr rtlCol="0" anchor="ctr"/>
+          <a:lstStyle/>
+          <a:p>
+            <a:pPr algn="ctr"/>
+            <a:endParaRPr lang="en-US"/>
+          </a:p>
+        </p:txBody>
+      </p:sp>
+      <p:sp>
+        <p:nvSpPr>
+          <p:cNvPr id="23" name="Rectangle 22">
+            <a:extLst>
+              <a:ext uri="{FF2B5EF4-FFF2-40B4-BE49-F238E27FC236}">
+                <a16:creationId xmlns:a16="http://schemas.microsoft.com/office/drawing/2014/main" id="{841DF766-1DFD-21D4-CC5A-4F5F01381AF9}"/>
+              </a:ext>
+            </a:extLst>
+          </p:cNvPr>
+          <p:cNvSpPr/>
+          <p:nvPr/>
+        </p:nvSpPr>
+        <p:spPr>
+          <a:xfrm>
+            <a:off x="2086980" y="3790836"/>
+            <a:ext cx="950791" cy="402757"/>
+          </a:xfrm>
+          <a:prstGeom prst="rect">
+            <a:avLst/>
+          </a:prstGeom>
+          <a:solidFill>
+            <a:srgbClr val="78C257"/>
+          </a:solidFill>
+          <a:ln>
+            <a:noFill/>
+          </a:ln>
+        </p:spPr>
+        <p:style>
+          <a:lnRef idx="2">
+            <a:schemeClr val="accent1">
+              <a:shade val="15000"/>
+            </a:schemeClr>
+          </a:lnRef>
+          <a:fillRef idx="1">
+            <a:schemeClr val="accent1"/>
+          </a:fillRef>
+          <a:effectRef idx="0">
+            <a:schemeClr val="accent1"/>
+          </a:effectRef>
+          <a:fontRef idx="minor">
+            <a:schemeClr val="lt1"/>
+          </a:fontRef>
+        </p:style>
+        <p:txBody>
+          <a:bodyPr rtlCol="0" anchor="ctr"/>
+          <a:lstStyle/>
+          <a:p>
+            <a:pPr algn="ctr"/>
+            <a:endParaRPr lang="en-US"/>
+          </a:p>
+        </p:txBody>
+      </p:sp>
+      <p:pic>
+        <p:nvPicPr>
+          <p:cNvPr id="1030" name="Picture 6">
+            <a:extLst>
+              <a:ext uri="{FF2B5EF4-FFF2-40B4-BE49-F238E27FC236}">
+                <a16:creationId xmlns:a16="http://schemas.microsoft.com/office/drawing/2014/main" id="{DDC59845-C797-BB23-48ED-5675E34E9DF7}"/>
+              </a:ext>
+            </a:extLst>
+          </p:cNvPr>
+          <p:cNvPicPr>
+            <a:picLocks noChangeAspect="1" noChangeArrowheads="1"/>
+          </p:cNvPicPr>
+          <p:nvPr/>
+        </p:nvPicPr>
+        <p:blipFill>
+          <a:blip r:embed="rId3">
+            <a:extLst>
+              <a:ext uri="{28A0092B-C50C-407E-A947-70E740481C1C}">
+                <a14:useLocalDpi xmlns:a14="http://schemas.microsoft.com/office/drawing/2010/main" val="0"/>
+              </a:ext>
+            </a:extLst>
+          </a:blip>
+          <a:srcRect/>
+          <a:stretch>
+            <a:fillRect/>
+          </a:stretch>
+        </p:blipFill>
+        <p:spPr bwMode="auto">
+          <a:xfrm rot="2691390" flipH="1">
+            <a:off x="310420" y="778717"/>
+            <a:ext cx="4572000" cy="4572000"/>
+          </a:xfrm>
+          <a:prstGeom prst="rect">
+            <a:avLst/>
+          </a:prstGeom>
+          <a:noFill/>
+          <a:extLst>
+            <a:ext uri="{909E8E84-426E-40DD-AFC4-6F175D3DCCD1}">
+              <a14:hiddenFill xmlns:a14="http://schemas.microsoft.com/office/drawing/2010/main">
+                <a:solidFill>
+                  <a:srgbClr val="FFFFFF"/>
+                </a:solidFill>
+              </a14:hiddenFill>
+            </a:ext>
+          </a:extLst>
+        </p:spPr>
+      </p:pic>
+    </p:spTree>
+    <p:extLst>
+      <p:ext uri="{BB962C8B-B14F-4D97-AF65-F5344CB8AC3E}">
+        <p14:creationId xmlns:p14="http://schemas.microsoft.com/office/powerpoint/2010/main" val="2802977700"/>
+      </p:ext>
+    </p:extLst>
+  </p:cSld>
+  <p:clrMapOvr>
+    <a:masterClrMapping/>
+  </p:clrMapOvr>
+</p:sld>
+</file>
+
+<file path=ppt/slides/slide11.xml><?xml version="1.0" encoding="utf-8"?>
+<p:sld xmlns:a="http://schemas.openxmlformats.org/drawingml/2006/main" xmlns:r="http://schemas.openxmlformats.org/officeDocument/2006/relationships" xmlns:p="http://schemas.openxmlformats.org/presentationml/2006/main">
+  <p:cSld>
+    <p:spTree>
+      <p:nvGrpSpPr>
+        <p:cNvPr id="1" name=""/>
+        <p:cNvGrpSpPr/>
+        <p:nvPr/>
+      </p:nvGrpSpPr>
+      <p:grpSpPr>
+        <a:xfrm>
+          <a:off x="0" y="0"/>
+          <a:ext cx="0" cy="0"/>
+          <a:chOff x="0" y="0"/>
+          <a:chExt cx="0" cy="0"/>
+        </a:xfrm>
+      </p:grpSpPr>
+      <p:pic>
+        <p:nvPicPr>
+          <p:cNvPr id="3" name="Picture 4" descr="Android Logo, symbol, meaning, history, PNG, brand">
+            <a:extLst>
+              <a:ext uri="{FF2B5EF4-FFF2-40B4-BE49-F238E27FC236}">
+                <a16:creationId xmlns:a16="http://schemas.microsoft.com/office/drawing/2014/main" id="{B04B5FA8-C3E2-CE4C-6EB1-93E529447865}"/>
+              </a:ext>
+            </a:extLst>
+          </p:cNvPr>
+          <p:cNvPicPr>
+            <a:picLocks noChangeAspect="1" noChangeArrowheads="1"/>
+          </p:cNvPicPr>
+          <p:nvPr/>
+        </p:nvPicPr>
+        <p:blipFill rotWithShape="1">
+          <a:blip r:embed="rId2">
+            <a:extLst>
+              <a:ext uri="{28A0092B-C50C-407E-A947-70E740481C1C}">
+                <a14:useLocalDpi xmlns:a14="http://schemas.microsoft.com/office/drawing/2010/main" val="0"/>
+              </a:ext>
+            </a:extLst>
+          </a:blip>
+          <a:srcRect l="26055" r="26120" b="67049"/>
+          <a:stretch/>
+        </p:blipFill>
+        <p:spPr bwMode="auto">
+          <a:xfrm>
+            <a:off x="3256526" y="4026850"/>
+            <a:ext cx="2232932" cy="865380"/>
+          </a:xfrm>
+          <a:prstGeom prst="rect">
+            <a:avLst/>
+          </a:prstGeom>
+          <a:noFill/>
+          <a:extLst>
+            <a:ext uri="{909E8E84-426E-40DD-AFC4-6F175D3DCCD1}">
+              <a14:hiddenFill xmlns:a14="http://schemas.microsoft.com/office/drawing/2010/main">
+                <a:solidFill>
+                  <a:srgbClr val="FFFFFF"/>
+                </a:solidFill>
+              </a14:hiddenFill>
+            </a:ext>
+          </a:extLst>
+        </p:spPr>
+      </p:pic>
+      <p:pic>
+        <p:nvPicPr>
+          <p:cNvPr id="1030" name="Picture 6">
+            <a:extLst>
+              <a:ext uri="{FF2B5EF4-FFF2-40B4-BE49-F238E27FC236}">
+                <a16:creationId xmlns:a16="http://schemas.microsoft.com/office/drawing/2014/main" id="{DDC59845-C797-BB23-48ED-5675E34E9DF7}"/>
+              </a:ext>
+            </a:extLst>
+          </p:cNvPr>
+          <p:cNvPicPr>
+            <a:picLocks noChangeAspect="1" noChangeArrowheads="1"/>
+          </p:cNvPicPr>
+          <p:nvPr/>
+        </p:nvPicPr>
+        <p:blipFill rotWithShape="1">
+          <a:blip r:embed="rId3">
+            <a:extLst>
+              <a:ext uri="{28A0092B-C50C-407E-A947-70E740481C1C}">
+                <a14:useLocalDpi xmlns:a14="http://schemas.microsoft.com/office/drawing/2010/main" val="0"/>
+              </a:ext>
+            </a:extLst>
+          </a:blip>
+          <a:srcRect l="39218" b="38359"/>
+          <a:stretch/>
+        </p:blipFill>
+        <p:spPr bwMode="auto">
+          <a:xfrm rot="2691390" flipH="1">
+            <a:off x="3008564" y="2443816"/>
+            <a:ext cx="2778953" cy="2818204"/>
+          </a:xfrm>
+          <a:prstGeom prst="rect">
+            <a:avLst/>
+          </a:prstGeom>
+          <a:noFill/>
+          <a:extLst>
+            <a:ext uri="{909E8E84-426E-40DD-AFC4-6F175D3DCCD1}">
+              <a14:hiddenFill xmlns:a14="http://schemas.microsoft.com/office/drawing/2010/main">
+                <a:solidFill>
+                  <a:srgbClr val="FFFFFF"/>
+                </a:solidFill>
+              </a14:hiddenFill>
+            </a:ext>
+          </a:extLst>
+        </p:spPr>
+      </p:pic>
+      <p:sp>
+        <p:nvSpPr>
+          <p:cNvPr id="21" name="TextBox 20">
+            <a:extLst>
+              <a:ext uri="{FF2B5EF4-FFF2-40B4-BE49-F238E27FC236}">
+                <a16:creationId xmlns:a16="http://schemas.microsoft.com/office/drawing/2014/main" id="{AB2CA7B1-EFB1-FC4C-8EB2-160D1928B20D}"/>
+              </a:ext>
+            </a:extLst>
+          </p:cNvPr>
+          <p:cNvSpPr txBox="1"/>
+          <p:nvPr/>
+        </p:nvSpPr>
+        <p:spPr>
+          <a:xfrm>
+            <a:off x="2861339" y="4988264"/>
+            <a:ext cx="3124201" cy="965792"/>
+          </a:xfrm>
+          <a:prstGeom prst="rect">
+            <a:avLst/>
+          </a:prstGeom>
+          <a:solidFill>
+            <a:schemeClr val="bg1"/>
+          </a:solidFill>
+        </p:spPr>
+        <p:txBody>
+          <a:bodyPr wrap="square" lIns="0" tIns="0" rIns="0" bIns="0" rtlCol="0">
+            <a:noAutofit/>
+          </a:bodyPr>
+          <a:lstStyle/>
+          <a:p>
+            <a:r>
+              <a:rPr lang="en-US" sz="8000" dirty="0">
+                <a:latin typeface="Times New Roman" panose="02020603050405020304" pitchFamily="18" charset="0"/>
+                <a:cs typeface="Times New Roman" panose="02020603050405020304" pitchFamily="18" charset="0"/>
+              </a:rPr>
+              <a:t>V</a:t>
+            </a:r>
+            <a:r>
+              <a:rPr lang="en-US" sz="6000" dirty="0">
+                <a:latin typeface="Times New Roman" panose="02020603050405020304" pitchFamily="18" charset="0"/>
+                <a:cs typeface="Times New Roman" panose="02020603050405020304" pitchFamily="18" charset="0"/>
+              </a:rPr>
+              <a:t>IA</a:t>
+            </a:r>
+            <a:r>
+              <a:rPr lang="en-US" sz="8000" dirty="0">
+                <a:latin typeface="Times New Roman" panose="02020603050405020304" pitchFamily="18" charset="0"/>
+                <a:cs typeface="Times New Roman" panose="02020603050405020304" pitchFamily="18" charset="0"/>
+              </a:rPr>
+              <a:t>L</a:t>
+            </a:r>
+            <a:r>
+              <a:rPr lang="en-US" sz="6000" dirty="0">
+                <a:latin typeface="Times New Roman" panose="02020603050405020304" pitchFamily="18" charset="0"/>
+                <a:cs typeface="Times New Roman" panose="02020603050405020304" pitchFamily="18" charset="0"/>
+              </a:rPr>
+              <a:t>IN</a:t>
+            </a:r>
+          </a:p>
+        </p:txBody>
+      </p:sp>
+    </p:spTree>
+    <p:extLst>
+      <p:ext uri="{BB962C8B-B14F-4D97-AF65-F5344CB8AC3E}">
+        <p14:creationId xmlns:p14="http://schemas.microsoft.com/office/powerpoint/2010/main" val="1494192423"/>
+      </p:ext>
+    </p:extLst>
+  </p:cSld>
+  <p:clrMapOvr>
+    <a:masterClrMapping/>
+  </p:clrMapOvr>
+</p:sld>
+</file>
+
+<file path=ppt/slides/slide12.xml><?xml version="1.0" encoding="utf-8"?>
+<p:sld xmlns:a="http://schemas.openxmlformats.org/drawingml/2006/main" xmlns:r="http://schemas.openxmlformats.org/officeDocument/2006/relationships" xmlns:p="http://schemas.openxmlformats.org/presentationml/2006/main">
+  <p:cSld>
+    <p:spTree>
+      <p:nvGrpSpPr>
+        <p:cNvPr id="1" name=""/>
+        <p:cNvGrpSpPr/>
+        <p:nvPr/>
+      </p:nvGrpSpPr>
+      <p:grpSpPr>
+        <a:xfrm>
+          <a:off x="0" y="0"/>
+          <a:ext cx="0" cy="0"/>
+          <a:chOff x="0" y="0"/>
+          <a:chExt cx="0" cy="0"/>
+        </a:xfrm>
+      </p:grpSpPr>
+      <p:pic>
+        <p:nvPicPr>
+          <p:cNvPr id="3" name="Picture 4" descr="Android Logo, symbol, meaning, history, PNG, brand">
+            <a:extLst>
+              <a:ext uri="{FF2B5EF4-FFF2-40B4-BE49-F238E27FC236}">
+                <a16:creationId xmlns:a16="http://schemas.microsoft.com/office/drawing/2014/main" id="{B04B5FA8-C3E2-CE4C-6EB1-93E529447865}"/>
+              </a:ext>
+            </a:extLst>
+          </p:cNvPr>
+          <p:cNvPicPr>
+            <a:picLocks noChangeAspect="1" noChangeArrowheads="1"/>
+          </p:cNvPicPr>
+          <p:nvPr/>
+        </p:nvPicPr>
+        <p:blipFill rotWithShape="1">
+          <a:blip r:embed="rId2">
+            <a:extLst>
+              <a:ext uri="{28A0092B-C50C-407E-A947-70E740481C1C}">
+                <a14:useLocalDpi xmlns:a14="http://schemas.microsoft.com/office/drawing/2010/main" val="0"/>
+              </a:ext>
+            </a:extLst>
+          </a:blip>
+          <a:srcRect l="26055" r="26120" b="67049"/>
+          <a:stretch/>
+        </p:blipFill>
+        <p:spPr bwMode="auto">
+          <a:xfrm>
+            <a:off x="3520687" y="3051490"/>
+            <a:ext cx="2232932" cy="865380"/>
+          </a:xfrm>
+          <a:prstGeom prst="rect">
+            <a:avLst/>
+          </a:prstGeom>
+          <a:noFill/>
+          <a:extLst>
+            <a:ext uri="{909E8E84-426E-40DD-AFC4-6F175D3DCCD1}">
+              <a14:hiddenFill xmlns:a14="http://schemas.microsoft.com/office/drawing/2010/main">
+                <a:solidFill>
+                  <a:srgbClr val="FFFFFF"/>
+                </a:solidFill>
+              </a14:hiddenFill>
+            </a:ext>
+          </a:extLst>
+        </p:spPr>
+      </p:pic>
+      <p:sp>
+        <p:nvSpPr>
+          <p:cNvPr id="15" name="Rectangle 14">
+            <a:extLst>
+              <a:ext uri="{FF2B5EF4-FFF2-40B4-BE49-F238E27FC236}">
+                <a16:creationId xmlns:a16="http://schemas.microsoft.com/office/drawing/2014/main" id="{F9B5ABA9-BC62-5A83-67F3-4C606563C746}"/>
+              </a:ext>
+            </a:extLst>
+          </p:cNvPr>
+          <p:cNvSpPr/>
+          <p:nvPr/>
+        </p:nvSpPr>
+        <p:spPr>
+          <a:xfrm>
+            <a:off x="3972971" y="3996504"/>
+            <a:ext cx="1343984" cy="276811"/>
+          </a:xfrm>
+          <a:prstGeom prst="rect">
+            <a:avLst/>
+          </a:prstGeom>
+          <a:solidFill>
+            <a:srgbClr val="78C257"/>
+          </a:solidFill>
+          <a:ln>
+            <a:noFill/>
+          </a:ln>
+        </p:spPr>
+        <p:style>
+          <a:lnRef idx="2">
+            <a:schemeClr val="accent1">
+              <a:shade val="15000"/>
+            </a:schemeClr>
+          </a:lnRef>
+          <a:fillRef idx="1">
+            <a:schemeClr val="accent1"/>
+          </a:fillRef>
+          <a:effectRef idx="0">
+            <a:schemeClr val="accent1"/>
+          </a:effectRef>
+          <a:fontRef idx="minor">
+            <a:schemeClr val="lt1"/>
+          </a:fontRef>
+        </p:style>
+        <p:txBody>
+          <a:bodyPr rtlCol="0" anchor="ctr"/>
+          <a:lstStyle/>
+          <a:p>
+            <a:pPr algn="ctr"/>
+            <a:endParaRPr lang="en-US"/>
+          </a:p>
+        </p:txBody>
+      </p:sp>
+      <p:sp>
+        <p:nvSpPr>
+          <p:cNvPr id="19" name="Rectangle 18">
+            <a:extLst>
+              <a:ext uri="{FF2B5EF4-FFF2-40B4-BE49-F238E27FC236}">
+                <a16:creationId xmlns:a16="http://schemas.microsoft.com/office/drawing/2014/main" id="{3BBCB3AA-E5F9-C67F-CD3B-B0BB30067264}"/>
+              </a:ext>
+            </a:extLst>
+          </p:cNvPr>
+          <p:cNvSpPr/>
+          <p:nvPr/>
+        </p:nvSpPr>
+        <p:spPr>
+          <a:xfrm>
+            <a:off x="4041614" y="4123910"/>
+            <a:ext cx="1216804" cy="276811"/>
+          </a:xfrm>
+          <a:prstGeom prst="rect">
+            <a:avLst/>
+          </a:prstGeom>
+          <a:solidFill>
+            <a:srgbClr val="78C257"/>
+          </a:solidFill>
+          <a:ln>
+            <a:noFill/>
+          </a:ln>
+        </p:spPr>
+        <p:style>
+          <a:lnRef idx="2">
+            <a:schemeClr val="accent1">
+              <a:shade val="15000"/>
+            </a:schemeClr>
+          </a:lnRef>
+          <a:fillRef idx="1">
+            <a:schemeClr val="accent1"/>
+          </a:fillRef>
+          <a:effectRef idx="0">
+            <a:schemeClr val="accent1"/>
+          </a:effectRef>
+          <a:fontRef idx="minor">
+            <a:schemeClr val="lt1"/>
+          </a:fontRef>
+        </p:style>
+        <p:txBody>
+          <a:bodyPr rtlCol="0" anchor="ctr"/>
+          <a:lstStyle/>
+          <a:p>
+            <a:pPr algn="ctr"/>
+            <a:endParaRPr lang="en-US"/>
+          </a:p>
+        </p:txBody>
+      </p:sp>
+      <p:sp>
+        <p:nvSpPr>
+          <p:cNvPr id="20" name="Rectangle 19">
+            <a:extLst>
+              <a:ext uri="{FF2B5EF4-FFF2-40B4-BE49-F238E27FC236}">
+                <a16:creationId xmlns:a16="http://schemas.microsoft.com/office/drawing/2014/main" id="{52EA25F3-E257-13EE-7BAB-4A4B7E1F5D66}"/>
+              </a:ext>
+            </a:extLst>
+          </p:cNvPr>
+          <p:cNvSpPr/>
+          <p:nvPr/>
+        </p:nvSpPr>
+        <p:spPr>
+          <a:xfrm>
+            <a:off x="4127740" y="4340789"/>
+            <a:ext cx="992833" cy="276811"/>
+          </a:xfrm>
+          <a:prstGeom prst="rect">
+            <a:avLst/>
+          </a:prstGeom>
+          <a:solidFill>
+            <a:srgbClr val="78C257"/>
+          </a:solidFill>
+          <a:ln>
+            <a:noFill/>
+          </a:ln>
+        </p:spPr>
+        <p:style>
+          <a:lnRef idx="2">
+            <a:schemeClr val="accent1">
+              <a:shade val="15000"/>
+            </a:schemeClr>
+          </a:lnRef>
+          <a:fillRef idx="1">
+            <a:schemeClr val="accent1"/>
+          </a:fillRef>
+          <a:effectRef idx="0">
+            <a:schemeClr val="accent1"/>
+          </a:effectRef>
+          <a:fontRef idx="minor">
+            <a:schemeClr val="lt1"/>
+          </a:fontRef>
+        </p:style>
+        <p:txBody>
+          <a:bodyPr rtlCol="0" anchor="ctr"/>
+          <a:lstStyle/>
+          <a:p>
+            <a:pPr algn="ctr"/>
+            <a:endParaRPr lang="en-US"/>
+          </a:p>
+        </p:txBody>
+      </p:sp>
+      <p:sp>
+        <p:nvSpPr>
+          <p:cNvPr id="22" name="Rectangle 21">
+            <a:extLst>
+              <a:ext uri="{FF2B5EF4-FFF2-40B4-BE49-F238E27FC236}">
+                <a16:creationId xmlns:a16="http://schemas.microsoft.com/office/drawing/2014/main" id="{BFD52913-D2E9-7AF0-F316-CAD902C034E9}"/>
+              </a:ext>
+            </a:extLst>
+          </p:cNvPr>
+          <p:cNvSpPr/>
+          <p:nvPr/>
+        </p:nvSpPr>
+        <p:spPr>
+          <a:xfrm>
+            <a:off x="4182805" y="4530807"/>
+            <a:ext cx="859336" cy="402757"/>
+          </a:xfrm>
+          <a:prstGeom prst="rect">
+            <a:avLst/>
+          </a:prstGeom>
+          <a:solidFill>
+            <a:srgbClr val="78C257"/>
+          </a:solidFill>
+          <a:ln>
+            <a:noFill/>
+          </a:ln>
+        </p:spPr>
+        <p:style>
+          <a:lnRef idx="2">
+            <a:schemeClr val="accent1">
+              <a:shade val="15000"/>
+            </a:schemeClr>
+          </a:lnRef>
+          <a:fillRef idx="1">
+            <a:schemeClr val="accent1"/>
+          </a:fillRef>
+          <a:effectRef idx="0">
+            <a:schemeClr val="accent1"/>
+          </a:effectRef>
+          <a:fontRef idx="minor">
+            <a:schemeClr val="lt1"/>
+          </a:fontRef>
+        </p:style>
+        <p:txBody>
+          <a:bodyPr rtlCol="0" anchor="ctr"/>
+          <a:lstStyle/>
+          <a:p>
+            <a:pPr algn="ctr"/>
+            <a:endParaRPr lang="en-US"/>
+          </a:p>
+        </p:txBody>
+      </p:sp>
+      <p:sp>
+        <p:nvSpPr>
+          <p:cNvPr id="23" name="Rectangle 22">
+            <a:extLst>
+              <a:ext uri="{FF2B5EF4-FFF2-40B4-BE49-F238E27FC236}">
+                <a16:creationId xmlns:a16="http://schemas.microsoft.com/office/drawing/2014/main" id="{841DF766-1DFD-21D4-CC5A-4F5F01381AF9}"/>
+              </a:ext>
+            </a:extLst>
+          </p:cNvPr>
+          <p:cNvSpPr/>
+          <p:nvPr/>
+        </p:nvSpPr>
+        <p:spPr>
+          <a:xfrm>
+            <a:off x="4169781" y="4857636"/>
+            <a:ext cx="950791" cy="402757"/>
+          </a:xfrm>
+          <a:prstGeom prst="rect">
+            <a:avLst/>
+          </a:prstGeom>
+          <a:solidFill>
+            <a:srgbClr val="78C257"/>
+          </a:solidFill>
+          <a:ln>
+            <a:noFill/>
+          </a:ln>
+        </p:spPr>
+        <p:style>
+          <a:lnRef idx="2">
+            <a:schemeClr val="accent1">
+              <a:shade val="15000"/>
+            </a:schemeClr>
+          </a:lnRef>
+          <a:fillRef idx="1">
+            <a:schemeClr val="accent1"/>
+          </a:fillRef>
+          <a:effectRef idx="0">
+            <a:schemeClr val="accent1"/>
+          </a:effectRef>
+          <a:fontRef idx="minor">
+            <a:schemeClr val="lt1"/>
+          </a:fontRef>
+        </p:style>
+        <p:txBody>
+          <a:bodyPr rtlCol="0" anchor="ctr"/>
+          <a:lstStyle/>
+          <a:p>
+            <a:pPr algn="ctr"/>
+            <a:endParaRPr lang="en-US"/>
+          </a:p>
+        </p:txBody>
+      </p:sp>
+      <p:pic>
+        <p:nvPicPr>
+          <p:cNvPr id="1030" name="Picture 6">
+            <a:extLst>
+              <a:ext uri="{FF2B5EF4-FFF2-40B4-BE49-F238E27FC236}">
+                <a16:creationId xmlns:a16="http://schemas.microsoft.com/office/drawing/2014/main" id="{DDC59845-C797-BB23-48ED-5675E34E9DF7}"/>
+              </a:ext>
+            </a:extLst>
+          </p:cNvPr>
+          <p:cNvPicPr>
+            <a:picLocks noChangeAspect="1" noChangeArrowheads="1"/>
+          </p:cNvPicPr>
+          <p:nvPr/>
+        </p:nvPicPr>
+        <p:blipFill rotWithShape="1">
+          <a:blip r:embed="rId3">
+            <a:extLst>
+              <a:ext uri="{28A0092B-C50C-407E-A947-70E740481C1C}">
+                <a14:useLocalDpi xmlns:a14="http://schemas.microsoft.com/office/drawing/2010/main" val="0"/>
+              </a:ext>
+            </a:extLst>
+          </a:blip>
+          <a:srcRect l="32704" b="32379"/>
+          <a:stretch/>
+        </p:blipFill>
+        <p:spPr bwMode="auto">
+          <a:xfrm rot="2691390" flipH="1">
+            <a:off x="3132934" y="1533682"/>
+            <a:ext cx="3076775" cy="3091664"/>
+          </a:xfrm>
+          <a:prstGeom prst="rect">
+            <a:avLst/>
+          </a:prstGeom>
+          <a:noFill/>
+          <a:extLst>
+            <a:ext uri="{909E8E84-426E-40DD-AFC4-6F175D3DCCD1}">
+              <a14:hiddenFill xmlns:a14="http://schemas.microsoft.com/office/drawing/2010/main">
+                <a:solidFill>
+                  <a:srgbClr val="FFFFFF"/>
+                </a:solidFill>
+              </a14:hiddenFill>
+            </a:ext>
+          </a:extLst>
+        </p:spPr>
+      </p:pic>
+      <p:sp>
+        <p:nvSpPr>
+          <p:cNvPr id="21" name="TextBox 20">
+            <a:extLst>
+              <a:ext uri="{FF2B5EF4-FFF2-40B4-BE49-F238E27FC236}">
+                <a16:creationId xmlns:a16="http://schemas.microsoft.com/office/drawing/2014/main" id="{AB2CA7B1-EFB1-FC4C-8EB2-160D1928B20D}"/>
+              </a:ext>
+            </a:extLst>
+          </p:cNvPr>
+          <p:cNvSpPr txBox="1"/>
+          <p:nvPr/>
+        </p:nvSpPr>
+        <p:spPr>
+          <a:xfrm>
+            <a:off x="3109220" y="4495800"/>
+            <a:ext cx="3124201" cy="923330"/>
+          </a:xfrm>
+          <a:prstGeom prst="rect">
+            <a:avLst/>
+          </a:prstGeom>
+          <a:solidFill>
+            <a:schemeClr val="bg1"/>
+          </a:solidFill>
+        </p:spPr>
+        <p:txBody>
+          <a:bodyPr wrap="square" lIns="0" tIns="0" rIns="0" bIns="0" rtlCol="0">
+            <a:spAutoFit/>
+          </a:bodyPr>
+          <a:lstStyle/>
+          <a:p>
+            <a:endParaRPr lang="en-US" sz="6000" dirty="0">
+              <a:latin typeface="Times New Roman" panose="02020603050405020304" pitchFamily="18" charset="0"/>
+              <a:cs typeface="Times New Roman" panose="02020603050405020304" pitchFamily="18" charset="0"/>
+            </a:endParaRPr>
+          </a:p>
+        </p:txBody>
+      </p:sp>
+      <p:sp>
+        <p:nvSpPr>
+          <p:cNvPr id="5" name="TextBox 4">
+            <a:extLst>
+              <a:ext uri="{FF2B5EF4-FFF2-40B4-BE49-F238E27FC236}">
+                <a16:creationId xmlns:a16="http://schemas.microsoft.com/office/drawing/2014/main" id="{59E4E32C-7929-7F33-52E2-E85548E0A9DC}"/>
+              </a:ext>
+            </a:extLst>
+          </p:cNvPr>
+          <p:cNvSpPr txBox="1"/>
+          <p:nvPr/>
+        </p:nvSpPr>
+        <p:spPr>
+          <a:xfrm>
+            <a:off x="2964419" y="1987786"/>
+            <a:ext cx="3436381" cy="1231106"/>
+          </a:xfrm>
+          <a:prstGeom prst="rect">
+            <a:avLst/>
+          </a:prstGeom>
+          <a:noFill/>
+        </p:spPr>
+        <p:txBody>
+          <a:bodyPr wrap="square" lIns="0" tIns="0" rIns="0" bIns="0" rtlCol="0">
+            <a:spAutoFit/>
+          </a:bodyPr>
+          <a:lstStyle/>
+          <a:p>
+            <a:r>
+              <a:rPr lang="en-US" sz="8000" dirty="0">
+                <a:latin typeface="Times New Roman" panose="02020603050405020304" pitchFamily="18" charset="0"/>
+                <a:cs typeface="Times New Roman" panose="02020603050405020304" pitchFamily="18" charset="0"/>
+              </a:rPr>
+              <a:t>V</a:t>
+            </a:r>
+            <a:r>
+              <a:rPr lang="en-US" sz="6000" dirty="0">
+                <a:latin typeface="Times New Roman" panose="02020603050405020304" pitchFamily="18" charset="0"/>
+                <a:cs typeface="Times New Roman" panose="02020603050405020304" pitchFamily="18" charset="0"/>
+              </a:rPr>
+              <a:t>IA  </a:t>
+            </a:r>
+            <a:r>
+              <a:rPr lang="en-US" sz="8000" dirty="0">
+                <a:latin typeface="Times New Roman" panose="02020603050405020304" pitchFamily="18" charset="0"/>
+                <a:cs typeface="Times New Roman" panose="02020603050405020304" pitchFamily="18" charset="0"/>
+              </a:rPr>
+              <a:t>L</a:t>
+            </a:r>
+            <a:r>
+              <a:rPr lang="en-US" sz="6000" dirty="0">
+                <a:latin typeface="Times New Roman" panose="02020603050405020304" pitchFamily="18" charset="0"/>
+                <a:cs typeface="Times New Roman" panose="02020603050405020304" pitchFamily="18" charset="0"/>
+              </a:rPr>
+              <a:t>IN</a:t>
+            </a:r>
+          </a:p>
+        </p:txBody>
+      </p:sp>
+    </p:spTree>
+    <p:extLst>
+      <p:ext uri="{BB962C8B-B14F-4D97-AF65-F5344CB8AC3E}">
+        <p14:creationId xmlns:p14="http://schemas.microsoft.com/office/powerpoint/2010/main" val="172685352"/>
       </p:ext>
     </p:extLst>
   </p:cSld>
@@ -5571,116 +7370,12 @@
           <a:chExt cx="0" cy="0"/>
         </a:xfrm>
       </p:grpSpPr>
-      <p:sp>
-        <p:nvSpPr>
-          <p:cNvPr id="21" name="TextBox 20">
-            <a:extLst>
-              <a:ext uri="{FF2B5EF4-FFF2-40B4-BE49-F238E27FC236}">
-                <a16:creationId xmlns:a16="http://schemas.microsoft.com/office/drawing/2014/main" id="{AB2CA7B1-EFB1-FC4C-8EB2-160D1928B20D}"/>
-              </a:ext>
-            </a:extLst>
-          </p:cNvPr>
-          <p:cNvSpPr txBox="1"/>
-          <p:nvPr/>
-        </p:nvSpPr>
-        <p:spPr>
-          <a:xfrm>
-            <a:off x="4267202" y="5682183"/>
-            <a:ext cx="3124201" cy="965792"/>
-          </a:xfrm>
-          <a:prstGeom prst="rect">
-            <a:avLst/>
-          </a:prstGeom>
-          <a:noFill/>
-        </p:spPr>
-        <p:txBody>
-          <a:bodyPr wrap="square" lIns="0" tIns="0" rIns="0" bIns="0" rtlCol="0">
-            <a:noAutofit/>
-          </a:bodyPr>
-          <a:lstStyle/>
-          <a:p>
-            <a:r>
-              <a:rPr lang="en-US" sz="8000" dirty="0">
-                <a:latin typeface="Times New Roman" panose="02020603050405020304" pitchFamily="18" charset="0"/>
-                <a:cs typeface="Times New Roman" panose="02020603050405020304" pitchFamily="18" charset="0"/>
-              </a:rPr>
-              <a:t>V</a:t>
-            </a:r>
-            <a:r>
-              <a:rPr lang="en-US" sz="6000" dirty="0">
-                <a:latin typeface="Times New Roman" panose="02020603050405020304" pitchFamily="18" charset="0"/>
-                <a:cs typeface="Times New Roman" panose="02020603050405020304" pitchFamily="18" charset="0"/>
-              </a:rPr>
-              <a:t>IA</a:t>
-            </a:r>
-            <a:r>
-              <a:rPr lang="en-US" sz="8000" dirty="0">
-                <a:latin typeface="Times New Roman" panose="02020603050405020304" pitchFamily="18" charset="0"/>
-                <a:cs typeface="Times New Roman" panose="02020603050405020304" pitchFamily="18" charset="0"/>
-              </a:rPr>
-              <a:t>L</a:t>
-            </a:r>
-            <a:r>
-              <a:rPr lang="en-US" sz="6000" dirty="0">
-                <a:latin typeface="Times New Roman" panose="02020603050405020304" pitchFamily="18" charset="0"/>
-                <a:cs typeface="Times New Roman" panose="02020603050405020304" pitchFamily="18" charset="0"/>
-              </a:rPr>
-              <a:t>IN</a:t>
-            </a:r>
-          </a:p>
-        </p:txBody>
-      </p:sp>
-      <p:pic>
-        <p:nvPicPr>
-          <p:cNvPr id="1028" name="Picture 4" descr="Android Logo, symbol, meaning, history, PNG, brand">
-            <a:extLst>
-              <a:ext uri="{FF2B5EF4-FFF2-40B4-BE49-F238E27FC236}">
-                <a16:creationId xmlns:a16="http://schemas.microsoft.com/office/drawing/2014/main" id="{BE638C0D-5E86-8C85-7EFB-458421BB735B}"/>
-              </a:ext>
-            </a:extLst>
-          </p:cNvPr>
-          <p:cNvPicPr>
-            <a:picLocks noChangeAspect="1" noChangeArrowheads="1"/>
-          </p:cNvPicPr>
-          <p:nvPr/>
-        </p:nvPicPr>
-        <p:blipFill rotWithShape="1">
-          <a:blip r:embed="rId2">
-            <a:extLst>
-              <a:ext uri="{28A0092B-C50C-407E-A947-70E740481C1C}">
-                <a14:useLocalDpi xmlns:a14="http://schemas.microsoft.com/office/drawing/2010/main" val="0"/>
-              </a:ext>
-            </a:extLst>
-          </a:blip>
-          <a:srcRect l="26055" r="26120"/>
-          <a:stretch/>
-        </p:blipFill>
-        <p:spPr bwMode="auto">
-          <a:xfrm>
-            <a:off x="3296229" y="130589"/>
-            <a:ext cx="4815193" cy="5663441"/>
-          </a:xfrm>
-          <a:prstGeom prst="rect">
-            <a:avLst/>
-          </a:prstGeom>
-          <a:noFill/>
-          <a:extLst>
-            <a:ext uri="{909E8E84-426E-40DD-AFC4-6F175D3DCCD1}">
-              <a14:hiddenFill xmlns:a14="http://schemas.microsoft.com/office/drawing/2010/main">
-                <a:solidFill>
-                  <a:srgbClr val="FFFFFF"/>
-                </a:solidFill>
-              </a14:hiddenFill>
-            </a:ext>
-          </a:extLst>
-        </p:spPr>
-      </p:pic>
       <p:grpSp>
         <p:nvGrpSpPr>
-          <p:cNvPr id="25" name="Group 24">
-            <a:extLst>
-              <a:ext uri="{FF2B5EF4-FFF2-40B4-BE49-F238E27FC236}">
-                <a16:creationId xmlns:a16="http://schemas.microsoft.com/office/drawing/2014/main" id="{E9EEF330-5550-0E89-8AA1-DC9E672344C8}"/>
+          <p:cNvPr id="6" name="Group 5">
+            <a:extLst>
+              <a:ext uri="{FF2B5EF4-FFF2-40B4-BE49-F238E27FC236}">
+                <a16:creationId xmlns:a16="http://schemas.microsoft.com/office/drawing/2014/main" id="{B178F498-737F-2656-04DA-7B73F070D04D}"/>
               </a:ext>
             </a:extLst>
           </p:cNvPr>
@@ -5689,694 +7384,122 @@
         </p:nvGrpSpPr>
         <p:grpSpPr>
           <a:xfrm>
-            <a:off x="3797852" y="924031"/>
-            <a:ext cx="4572000" cy="4572000"/>
-            <a:chOff x="-2" y="805493"/>
-            <a:chExt cx="4572000" cy="4572000"/>
+            <a:off x="3062533" y="0"/>
+            <a:ext cx="5073623" cy="6517386"/>
+            <a:chOff x="3296229" y="130589"/>
+            <a:chExt cx="5073623" cy="6517386"/>
           </a:xfrm>
         </p:grpSpPr>
         <p:sp>
           <p:nvSpPr>
-            <p:cNvPr id="13" name="Oval 12">
+            <p:cNvPr id="10" name="TextBox 9">
               <a:extLst>
                 <a:ext uri="{FF2B5EF4-FFF2-40B4-BE49-F238E27FC236}">
-                  <a16:creationId xmlns:a16="http://schemas.microsoft.com/office/drawing/2014/main" id="{62BF7362-D1C2-7CA3-04A7-56CC76B33600}"/>
+                  <a16:creationId xmlns:a16="http://schemas.microsoft.com/office/drawing/2014/main" id="{F093B677-8CFF-8CF6-DD29-2B6F1899A080}"/>
                 </a:ext>
               </a:extLst>
             </p:cNvPr>
-            <p:cNvSpPr/>
+            <p:cNvSpPr txBox="1"/>
             <p:nvPr/>
           </p:nvSpPr>
           <p:spPr>
             <a:xfrm>
-              <a:off x="1687114" y="2549603"/>
-              <a:ext cx="1067727" cy="1067895"/>
+              <a:off x="4267202" y="5682183"/>
+              <a:ext cx="3124201" cy="965792"/>
             </a:xfrm>
-            <a:prstGeom prst="ellipse">
+            <a:prstGeom prst="rect">
               <a:avLst/>
             </a:prstGeom>
-            <a:solidFill>
-              <a:srgbClr val="FFC000"/>
-            </a:solidFill>
-            <a:ln>
-              <a:noFill/>
-            </a:ln>
+            <a:noFill/>
           </p:spPr>
-          <p:style>
-            <a:lnRef idx="2">
-              <a:schemeClr val="accent1">
-                <a:shade val="15000"/>
-              </a:schemeClr>
-            </a:lnRef>
-            <a:fillRef idx="1">
-              <a:schemeClr val="accent1"/>
-            </a:fillRef>
-            <a:effectRef idx="0">
-              <a:schemeClr val="accent1"/>
-            </a:effectRef>
-            <a:fontRef idx="minor">
-              <a:schemeClr val="lt1"/>
-            </a:fontRef>
-          </p:style>
           <p:txBody>
-            <a:bodyPr rtlCol="0" anchor="ctr"/>
+            <a:bodyPr wrap="square" lIns="0" tIns="0" rIns="0" bIns="0" rtlCol="0">
+              <a:noAutofit/>
+            </a:bodyPr>
             <a:lstStyle/>
             <a:p>
-              <a:pPr algn="ctr"/>
-              <a:endParaRPr lang="en-US"/>
+              <a:r>
+                <a:rPr lang="en-US" sz="8000" dirty="0">
+                  <a:latin typeface="Times New Roman" panose="02020603050405020304" pitchFamily="18" charset="0"/>
+                  <a:cs typeface="Times New Roman" panose="02020603050405020304" pitchFamily="18" charset="0"/>
+                </a:rPr>
+                <a:t>V</a:t>
+              </a:r>
+              <a:r>
+                <a:rPr lang="en-US" sz="6000" dirty="0">
+                  <a:latin typeface="Times New Roman" panose="02020603050405020304" pitchFamily="18" charset="0"/>
+                  <a:cs typeface="Times New Roman" panose="02020603050405020304" pitchFamily="18" charset="0"/>
+                </a:rPr>
+                <a:t>IA</a:t>
+              </a:r>
+              <a:r>
+                <a:rPr lang="en-US" sz="8000" dirty="0">
+                  <a:latin typeface="Times New Roman" panose="02020603050405020304" pitchFamily="18" charset="0"/>
+                  <a:cs typeface="Times New Roman" panose="02020603050405020304" pitchFamily="18" charset="0"/>
+                </a:rPr>
+                <a:t>L</a:t>
+              </a:r>
+              <a:r>
+                <a:rPr lang="en-US" sz="6000" dirty="0">
+                  <a:latin typeface="Times New Roman" panose="02020603050405020304" pitchFamily="18" charset="0"/>
+                  <a:cs typeface="Times New Roman" panose="02020603050405020304" pitchFamily="18" charset="0"/>
+                </a:rPr>
+                <a:t>IN</a:t>
+              </a:r>
             </a:p>
           </p:txBody>
         </p:sp>
-        <p:sp>
-          <p:nvSpPr>
-            <p:cNvPr id="11" name="Oval 10">
+        <p:pic>
+          <p:nvPicPr>
+            <p:cNvPr id="26" name="Picture 4" descr="Android Logo, symbol, meaning, history, PNG, brand">
               <a:extLst>
                 <a:ext uri="{FF2B5EF4-FFF2-40B4-BE49-F238E27FC236}">
-                  <a16:creationId xmlns:a16="http://schemas.microsoft.com/office/drawing/2014/main" id="{6B806B75-EA44-F687-BE9E-2D8ACD0D4176}"/>
+                  <a16:creationId xmlns:a16="http://schemas.microsoft.com/office/drawing/2014/main" id="{F54629F4-208A-9AC2-CFCD-467B8C61D7E8}"/>
                 </a:ext>
               </a:extLst>
             </p:cNvPr>
-            <p:cNvSpPr/>
+            <p:cNvPicPr>
+              <a:picLocks noChangeAspect="1" noChangeArrowheads="1"/>
+            </p:cNvPicPr>
             <p:nvPr/>
-          </p:nvSpPr>
-          <p:spPr>
+          </p:nvPicPr>
+          <p:blipFill rotWithShape="1">
+            <a:blip r:embed="rId2">
+              <a:extLst>
+                <a:ext uri="{28A0092B-C50C-407E-A947-70E740481C1C}">
+                  <a14:useLocalDpi xmlns:a14="http://schemas.microsoft.com/office/drawing/2010/main" val="0"/>
+                </a:ext>
+              </a:extLst>
+            </a:blip>
+            <a:srcRect l="26055" r="26120"/>
+            <a:stretch/>
+          </p:blipFill>
+          <p:spPr bwMode="auto">
             <a:xfrm>
-              <a:off x="1848190" y="2253594"/>
-              <a:ext cx="1067727" cy="1067895"/>
+              <a:off x="3296229" y="130589"/>
+              <a:ext cx="4815193" cy="5663441"/>
             </a:xfrm>
-            <a:prstGeom prst="ellipse">
+            <a:prstGeom prst="rect">
               <a:avLst/>
             </a:prstGeom>
-            <a:solidFill>
-              <a:srgbClr val="FFC000"/>
-            </a:solidFill>
-            <a:ln>
-              <a:noFill/>
-            </a:ln>
+            <a:noFill/>
+            <a:extLst>
+              <a:ext uri="{909E8E84-426E-40DD-AFC4-6F175D3DCCD1}">
+                <a14:hiddenFill xmlns:a14="http://schemas.microsoft.com/office/drawing/2010/main">
+                  <a:solidFill>
+                    <a:srgbClr val="FFFFFF"/>
+                  </a:solidFill>
+                </a14:hiddenFill>
+              </a:ext>
+            </a:extLst>
           </p:spPr>
-          <p:style>
-            <a:lnRef idx="2">
-              <a:schemeClr val="accent1">
-                <a:shade val="15000"/>
-              </a:schemeClr>
-            </a:lnRef>
-            <a:fillRef idx="1">
-              <a:schemeClr val="accent1"/>
-            </a:fillRef>
-            <a:effectRef idx="0">
-              <a:schemeClr val="accent1"/>
-            </a:effectRef>
-            <a:fontRef idx="minor">
-              <a:schemeClr val="lt1"/>
-            </a:fontRef>
-          </p:style>
-          <p:txBody>
-            <a:bodyPr rtlCol="0" anchor="ctr"/>
-            <a:lstStyle/>
-            <a:p>
-              <a:pPr algn="ctr"/>
-              <a:endParaRPr lang="en-US"/>
-            </a:p>
-          </p:txBody>
-        </p:sp>
-        <p:sp>
-          <p:nvSpPr>
-            <p:cNvPr id="12" name="Oval 11">
+        </p:pic>
+        <p:grpSp>
+          <p:nvGrpSpPr>
+            <p:cNvPr id="27" name="Group 26">
               <a:extLst>
                 <a:ext uri="{FF2B5EF4-FFF2-40B4-BE49-F238E27FC236}">
-                  <a16:creationId xmlns:a16="http://schemas.microsoft.com/office/drawing/2014/main" id="{BDF1D60F-2977-A235-F07C-467B992DC148}"/>
-                </a:ext>
-              </a:extLst>
-            </p:cNvPr>
-            <p:cNvSpPr/>
-            <p:nvPr/>
-          </p:nvSpPr>
-          <p:spPr>
-            <a:xfrm>
-              <a:off x="2142367" y="2476272"/>
-              <a:ext cx="1067727" cy="1067895"/>
-            </a:xfrm>
-            <a:prstGeom prst="ellipse">
-              <a:avLst/>
-            </a:prstGeom>
-            <a:solidFill>
-              <a:srgbClr val="FFC000"/>
-            </a:solidFill>
-            <a:ln>
-              <a:noFill/>
-            </a:ln>
-          </p:spPr>
-          <p:style>
-            <a:lnRef idx="2">
-              <a:schemeClr val="accent1">
-                <a:shade val="15000"/>
-              </a:schemeClr>
-            </a:lnRef>
-            <a:fillRef idx="1">
-              <a:schemeClr val="accent1"/>
-            </a:fillRef>
-            <a:effectRef idx="0">
-              <a:schemeClr val="accent1"/>
-            </a:effectRef>
-            <a:fontRef idx="minor">
-              <a:schemeClr val="lt1"/>
-            </a:fontRef>
-          </p:style>
-          <p:txBody>
-            <a:bodyPr rtlCol="0" anchor="ctr"/>
-            <a:lstStyle/>
-            <a:p>
-              <a:pPr algn="ctr"/>
-              <a:endParaRPr lang="en-US"/>
-            </a:p>
-          </p:txBody>
-        </p:sp>
-        <p:sp>
-          <p:nvSpPr>
-            <p:cNvPr id="14" name="Oval 13">
-              <a:extLst>
-                <a:ext uri="{FF2B5EF4-FFF2-40B4-BE49-F238E27FC236}">
-                  <a16:creationId xmlns:a16="http://schemas.microsoft.com/office/drawing/2014/main" id="{2DC1838C-267E-DDDB-C3B2-080D6CBD7354}"/>
-                </a:ext>
-              </a:extLst>
-            </p:cNvPr>
-            <p:cNvSpPr/>
-            <p:nvPr/>
-          </p:nvSpPr>
-          <p:spPr>
-            <a:xfrm>
-              <a:off x="1878843" y="2638921"/>
-              <a:ext cx="1067727" cy="1067895"/>
-            </a:xfrm>
-            <a:prstGeom prst="ellipse">
-              <a:avLst/>
-            </a:prstGeom>
-            <a:solidFill>
-              <a:srgbClr val="FFC000"/>
-            </a:solidFill>
-            <a:ln>
-              <a:noFill/>
-            </a:ln>
-          </p:spPr>
-          <p:style>
-            <a:lnRef idx="2">
-              <a:schemeClr val="accent1">
-                <a:shade val="15000"/>
-              </a:schemeClr>
-            </a:lnRef>
-            <a:fillRef idx="1">
-              <a:schemeClr val="accent1"/>
-            </a:fillRef>
-            <a:effectRef idx="0">
-              <a:schemeClr val="accent1"/>
-            </a:effectRef>
-            <a:fontRef idx="minor">
-              <a:schemeClr val="lt1"/>
-            </a:fontRef>
-          </p:style>
-          <p:txBody>
-            <a:bodyPr rtlCol="0" anchor="ctr"/>
-            <a:lstStyle/>
-            <a:p>
-              <a:pPr algn="ctr"/>
-              <a:endParaRPr lang="en-US"/>
-            </a:p>
-          </p:txBody>
-        </p:sp>
-        <p:sp>
-          <p:nvSpPr>
-            <p:cNvPr id="15" name="Oval 14">
-              <a:extLst>
-                <a:ext uri="{FF2B5EF4-FFF2-40B4-BE49-F238E27FC236}">
-                  <a16:creationId xmlns:a16="http://schemas.microsoft.com/office/drawing/2014/main" id="{7A81D0A6-D4F2-3FC0-9798-0B4590FBB6B4}"/>
-                </a:ext>
-              </a:extLst>
-            </p:cNvPr>
-            <p:cNvSpPr/>
-            <p:nvPr/>
-          </p:nvSpPr>
-          <p:spPr>
-            <a:xfrm>
-              <a:off x="1490626" y="2953656"/>
-              <a:ext cx="944476" cy="996523"/>
-            </a:xfrm>
-            <a:prstGeom prst="ellipse">
-              <a:avLst/>
-            </a:prstGeom>
-            <a:solidFill>
-              <a:srgbClr val="FFC000"/>
-            </a:solidFill>
-            <a:ln>
-              <a:noFill/>
-            </a:ln>
-          </p:spPr>
-          <p:style>
-            <a:lnRef idx="2">
-              <a:schemeClr val="accent1">
-                <a:shade val="15000"/>
-              </a:schemeClr>
-            </a:lnRef>
-            <a:fillRef idx="1">
-              <a:schemeClr val="accent1"/>
-            </a:fillRef>
-            <a:effectRef idx="0">
-              <a:schemeClr val="accent1"/>
-            </a:effectRef>
-            <a:fontRef idx="minor">
-              <a:schemeClr val="lt1"/>
-            </a:fontRef>
-          </p:style>
-          <p:txBody>
-            <a:bodyPr rtlCol="0" anchor="ctr"/>
-            <a:lstStyle/>
-            <a:p>
-              <a:pPr algn="ctr"/>
-              <a:endParaRPr lang="en-US"/>
-            </a:p>
-          </p:txBody>
-        </p:sp>
-        <p:sp>
-          <p:nvSpPr>
-            <p:cNvPr id="16" name="Oval 15">
-              <a:extLst>
-                <a:ext uri="{FF2B5EF4-FFF2-40B4-BE49-F238E27FC236}">
-                  <a16:creationId xmlns:a16="http://schemas.microsoft.com/office/drawing/2014/main" id="{0293BB0F-6215-AE1D-B40C-7FEF37AD72D7}"/>
-                </a:ext>
-              </a:extLst>
-            </p:cNvPr>
-            <p:cNvSpPr/>
-            <p:nvPr/>
-          </p:nvSpPr>
-          <p:spPr>
-            <a:xfrm>
-              <a:off x="1125498" y="3315025"/>
-              <a:ext cx="944476" cy="996523"/>
-            </a:xfrm>
-            <a:prstGeom prst="ellipse">
-              <a:avLst/>
-            </a:prstGeom>
-            <a:solidFill>
-              <a:srgbClr val="FFC000"/>
-            </a:solidFill>
-            <a:ln>
-              <a:noFill/>
-            </a:ln>
-          </p:spPr>
-          <p:style>
-            <a:lnRef idx="2">
-              <a:schemeClr val="accent1">
-                <a:shade val="15000"/>
-              </a:schemeClr>
-            </a:lnRef>
-            <a:fillRef idx="1">
-              <a:schemeClr val="accent1"/>
-            </a:fillRef>
-            <a:effectRef idx="0">
-              <a:schemeClr val="accent1"/>
-            </a:effectRef>
-            <a:fontRef idx="minor">
-              <a:schemeClr val="lt1"/>
-            </a:fontRef>
-          </p:style>
-          <p:txBody>
-            <a:bodyPr rtlCol="0" anchor="ctr"/>
-            <a:lstStyle/>
-            <a:p>
-              <a:pPr algn="ctr"/>
-              <a:endParaRPr lang="en-US"/>
-            </a:p>
-          </p:txBody>
-        </p:sp>
-        <p:sp>
-          <p:nvSpPr>
-            <p:cNvPr id="17" name="Oval 16">
-              <a:extLst>
-                <a:ext uri="{FF2B5EF4-FFF2-40B4-BE49-F238E27FC236}">
-                  <a16:creationId xmlns:a16="http://schemas.microsoft.com/office/drawing/2014/main" id="{21F04D9A-923A-BEF9-264B-8E54F97E4938}"/>
-                </a:ext>
-              </a:extLst>
-            </p:cNvPr>
-            <p:cNvSpPr/>
-            <p:nvPr/>
-          </p:nvSpPr>
-          <p:spPr>
-            <a:xfrm>
-              <a:off x="413558" y="3451917"/>
-              <a:ext cx="1067727" cy="1067895"/>
-            </a:xfrm>
-            <a:prstGeom prst="ellipse">
-              <a:avLst/>
-            </a:prstGeom>
-            <a:solidFill>
-              <a:srgbClr val="FFC000"/>
-            </a:solidFill>
-            <a:ln>
-              <a:noFill/>
-            </a:ln>
-          </p:spPr>
-          <p:style>
-            <a:lnRef idx="2">
-              <a:schemeClr val="accent1">
-                <a:shade val="15000"/>
-              </a:schemeClr>
-            </a:lnRef>
-            <a:fillRef idx="1">
-              <a:schemeClr val="accent1"/>
-            </a:fillRef>
-            <a:effectRef idx="0">
-              <a:schemeClr val="accent1"/>
-            </a:effectRef>
-            <a:fontRef idx="minor">
-              <a:schemeClr val="lt1"/>
-            </a:fontRef>
-          </p:style>
-          <p:txBody>
-            <a:bodyPr rtlCol="0" anchor="ctr"/>
-            <a:lstStyle/>
-            <a:p>
-              <a:pPr algn="ctr"/>
-              <a:endParaRPr lang="en-US"/>
-            </a:p>
-          </p:txBody>
-        </p:sp>
-        <p:sp>
-          <p:nvSpPr>
-            <p:cNvPr id="18" name="Oval 17">
-              <a:extLst>
-                <a:ext uri="{FF2B5EF4-FFF2-40B4-BE49-F238E27FC236}">
-                  <a16:creationId xmlns:a16="http://schemas.microsoft.com/office/drawing/2014/main" id="{BE8907FF-F7E4-2CDF-4C13-CCF5DF3AE414}"/>
-                </a:ext>
-              </a:extLst>
-            </p:cNvPr>
-            <p:cNvSpPr/>
-            <p:nvPr/>
-          </p:nvSpPr>
-          <p:spPr>
-            <a:xfrm>
-              <a:off x="182264" y="3599289"/>
-              <a:ext cx="1067727" cy="1067895"/>
-            </a:xfrm>
-            <a:prstGeom prst="ellipse">
-              <a:avLst/>
-            </a:prstGeom>
-            <a:solidFill>
-              <a:srgbClr val="FFC000"/>
-            </a:solidFill>
-            <a:ln>
-              <a:noFill/>
-            </a:ln>
-          </p:spPr>
-          <p:style>
-            <a:lnRef idx="2">
-              <a:schemeClr val="accent1">
-                <a:shade val="15000"/>
-              </a:schemeClr>
-            </a:lnRef>
-            <a:fillRef idx="1">
-              <a:schemeClr val="accent1"/>
-            </a:fillRef>
-            <a:effectRef idx="0">
-              <a:schemeClr val="accent1"/>
-            </a:effectRef>
-            <a:fontRef idx="minor">
-              <a:schemeClr val="lt1"/>
-            </a:fontRef>
-          </p:style>
-          <p:txBody>
-            <a:bodyPr rtlCol="0" anchor="ctr"/>
-            <a:lstStyle/>
-            <a:p>
-              <a:pPr algn="ctr"/>
-              <a:endParaRPr lang="en-US"/>
-            </a:p>
-          </p:txBody>
-        </p:sp>
-        <p:sp>
-          <p:nvSpPr>
-            <p:cNvPr id="19" name="Oval 18">
-              <a:extLst>
-                <a:ext uri="{FF2B5EF4-FFF2-40B4-BE49-F238E27FC236}">
-                  <a16:creationId xmlns:a16="http://schemas.microsoft.com/office/drawing/2014/main" id="{1B344A12-2831-18FD-6F26-D650D225C4BC}"/>
-                </a:ext>
-              </a:extLst>
-            </p:cNvPr>
-            <p:cNvSpPr/>
-            <p:nvPr/>
-          </p:nvSpPr>
-          <p:spPr>
-            <a:xfrm>
-              <a:off x="213973" y="3828874"/>
-              <a:ext cx="1067727" cy="1067895"/>
-            </a:xfrm>
-            <a:prstGeom prst="ellipse">
-              <a:avLst/>
-            </a:prstGeom>
-            <a:solidFill>
-              <a:srgbClr val="FFC000"/>
-            </a:solidFill>
-            <a:ln>
-              <a:noFill/>
-            </a:ln>
-          </p:spPr>
-          <p:style>
-            <a:lnRef idx="2">
-              <a:schemeClr val="accent1">
-                <a:shade val="15000"/>
-              </a:schemeClr>
-            </a:lnRef>
-            <a:fillRef idx="1">
-              <a:schemeClr val="accent1"/>
-            </a:fillRef>
-            <a:effectRef idx="0">
-              <a:schemeClr val="accent1"/>
-            </a:effectRef>
-            <a:fontRef idx="minor">
-              <a:schemeClr val="lt1"/>
-            </a:fontRef>
-          </p:style>
-          <p:txBody>
-            <a:bodyPr rtlCol="0" anchor="ctr"/>
-            <a:lstStyle/>
-            <a:p>
-              <a:pPr algn="ctr"/>
-              <a:endParaRPr lang="en-US"/>
-            </a:p>
-          </p:txBody>
-        </p:sp>
-        <p:sp>
-          <p:nvSpPr>
-            <p:cNvPr id="20" name="Oval 19">
-              <a:extLst>
-                <a:ext uri="{FF2B5EF4-FFF2-40B4-BE49-F238E27FC236}">
-                  <a16:creationId xmlns:a16="http://schemas.microsoft.com/office/drawing/2014/main" id="{4E51E7EC-29A5-0626-900A-60272F6441D4}"/>
-                </a:ext>
-              </a:extLst>
-            </p:cNvPr>
-            <p:cNvSpPr/>
-            <p:nvPr/>
-          </p:nvSpPr>
-          <p:spPr>
-            <a:xfrm>
-              <a:off x="476608" y="4099814"/>
-              <a:ext cx="1067727" cy="1067895"/>
-            </a:xfrm>
-            <a:prstGeom prst="ellipse">
-              <a:avLst/>
-            </a:prstGeom>
-            <a:solidFill>
-              <a:srgbClr val="FFC000"/>
-            </a:solidFill>
-            <a:ln>
-              <a:noFill/>
-            </a:ln>
-          </p:spPr>
-          <p:style>
-            <a:lnRef idx="2">
-              <a:schemeClr val="accent1">
-                <a:shade val="15000"/>
-              </a:schemeClr>
-            </a:lnRef>
-            <a:fillRef idx="1">
-              <a:schemeClr val="accent1"/>
-            </a:fillRef>
-            <a:effectRef idx="0">
-              <a:schemeClr val="accent1"/>
-            </a:effectRef>
-            <a:fontRef idx="minor">
-              <a:schemeClr val="lt1"/>
-            </a:fontRef>
-          </p:style>
-          <p:txBody>
-            <a:bodyPr rtlCol="0" anchor="ctr"/>
-            <a:lstStyle/>
-            <a:p>
-              <a:pPr algn="ctr"/>
-              <a:endParaRPr lang="en-US"/>
-            </a:p>
-          </p:txBody>
-        </p:sp>
-        <p:sp>
-          <p:nvSpPr>
-            <p:cNvPr id="22" name="Oval 21">
-              <a:extLst>
-                <a:ext uri="{FF2B5EF4-FFF2-40B4-BE49-F238E27FC236}">
-                  <a16:creationId xmlns:a16="http://schemas.microsoft.com/office/drawing/2014/main" id="{D1D9D935-D7E2-3FC4-568E-E84C81B2C031}"/>
-                </a:ext>
-              </a:extLst>
-            </p:cNvPr>
-            <p:cNvSpPr/>
-            <p:nvPr/>
-          </p:nvSpPr>
-          <p:spPr>
-            <a:xfrm>
-              <a:off x="731982" y="4205681"/>
-              <a:ext cx="1067727" cy="1067895"/>
-            </a:xfrm>
-            <a:prstGeom prst="ellipse">
-              <a:avLst/>
-            </a:prstGeom>
-            <a:solidFill>
-              <a:srgbClr val="FFC000"/>
-            </a:solidFill>
-            <a:ln>
-              <a:noFill/>
-            </a:ln>
-          </p:spPr>
-          <p:style>
-            <a:lnRef idx="2">
-              <a:schemeClr val="accent1">
-                <a:shade val="15000"/>
-              </a:schemeClr>
-            </a:lnRef>
-            <a:fillRef idx="1">
-              <a:schemeClr val="accent1"/>
-            </a:fillRef>
-            <a:effectRef idx="0">
-              <a:schemeClr val="accent1"/>
-            </a:effectRef>
-            <a:fontRef idx="minor">
-              <a:schemeClr val="lt1"/>
-            </a:fontRef>
-          </p:style>
-          <p:txBody>
-            <a:bodyPr rtlCol="0" anchor="ctr"/>
-            <a:lstStyle/>
-            <a:p>
-              <a:pPr algn="ctr"/>
-              <a:endParaRPr lang="en-US"/>
-            </a:p>
-          </p:txBody>
-        </p:sp>
-        <p:sp>
-          <p:nvSpPr>
-            <p:cNvPr id="23" name="Oval 22">
-              <a:extLst>
-                <a:ext uri="{FF2B5EF4-FFF2-40B4-BE49-F238E27FC236}">
-                  <a16:creationId xmlns:a16="http://schemas.microsoft.com/office/drawing/2014/main" id="{09352A47-8C11-3687-C0D4-F43AE3D9B633}"/>
-                </a:ext>
-              </a:extLst>
-            </p:cNvPr>
-            <p:cNvSpPr/>
-            <p:nvPr/>
-          </p:nvSpPr>
-          <p:spPr>
-            <a:xfrm>
-              <a:off x="905538" y="3954151"/>
-              <a:ext cx="1067727" cy="1067895"/>
-            </a:xfrm>
-            <a:prstGeom prst="ellipse">
-              <a:avLst/>
-            </a:prstGeom>
-            <a:solidFill>
-              <a:srgbClr val="FFC000"/>
-            </a:solidFill>
-            <a:ln>
-              <a:noFill/>
-            </a:ln>
-          </p:spPr>
-          <p:style>
-            <a:lnRef idx="2">
-              <a:schemeClr val="accent1">
-                <a:shade val="15000"/>
-              </a:schemeClr>
-            </a:lnRef>
-            <a:fillRef idx="1">
-              <a:schemeClr val="accent1"/>
-            </a:fillRef>
-            <a:effectRef idx="0">
-              <a:schemeClr val="accent1"/>
-            </a:effectRef>
-            <a:fontRef idx="minor">
-              <a:schemeClr val="lt1"/>
-            </a:fontRef>
-          </p:style>
-          <p:txBody>
-            <a:bodyPr rtlCol="0" anchor="ctr"/>
-            <a:lstStyle/>
-            <a:p>
-              <a:pPr algn="ctr"/>
-              <a:endParaRPr lang="en-US"/>
-            </a:p>
-          </p:txBody>
-        </p:sp>
-        <p:sp>
-          <p:nvSpPr>
-            <p:cNvPr id="24" name="Oval 23">
-              <a:extLst>
-                <a:ext uri="{FF2B5EF4-FFF2-40B4-BE49-F238E27FC236}">
-                  <a16:creationId xmlns:a16="http://schemas.microsoft.com/office/drawing/2014/main" id="{35A10B96-633C-5CC9-CDB9-2C16B7D09CA6}"/>
-                </a:ext>
-              </a:extLst>
-            </p:cNvPr>
-            <p:cNvSpPr/>
-            <p:nvPr/>
-          </p:nvSpPr>
-          <p:spPr>
-            <a:xfrm>
-              <a:off x="898957" y="3730806"/>
-              <a:ext cx="1067727" cy="1067895"/>
-            </a:xfrm>
-            <a:prstGeom prst="ellipse">
-              <a:avLst/>
-            </a:prstGeom>
-            <a:solidFill>
-              <a:srgbClr val="FFC000"/>
-            </a:solidFill>
-            <a:ln>
-              <a:noFill/>
-            </a:ln>
-          </p:spPr>
-          <p:style>
-            <a:lnRef idx="2">
-              <a:schemeClr val="accent1">
-                <a:shade val="15000"/>
-              </a:schemeClr>
-            </a:lnRef>
-            <a:fillRef idx="1">
-              <a:schemeClr val="accent1"/>
-            </a:fillRef>
-            <a:effectRef idx="0">
-              <a:schemeClr val="accent1"/>
-            </a:effectRef>
-            <a:fontRef idx="minor">
-              <a:schemeClr val="lt1"/>
-            </a:fontRef>
-          </p:style>
-          <p:txBody>
-            <a:bodyPr rtlCol="0" anchor="ctr"/>
-            <a:lstStyle/>
-            <a:p>
-              <a:pPr algn="ctr"/>
-              <a:endParaRPr lang="en-US"/>
-            </a:p>
-          </p:txBody>
-        </p:sp>
-        <p:grpSp>
-          <p:nvGrpSpPr>
-            <p:cNvPr id="9" name="Group 8">
-              <a:extLst>
-                <a:ext uri="{FF2B5EF4-FFF2-40B4-BE49-F238E27FC236}">
-                  <a16:creationId xmlns:a16="http://schemas.microsoft.com/office/drawing/2014/main" id="{CF1BF6D9-4190-9459-08B2-EA8CE6CD5D17}"/>
+                  <a16:creationId xmlns:a16="http://schemas.microsoft.com/office/drawing/2014/main" id="{51CAFF96-3A23-9582-40F6-F5DC80DF1320}"/>
                 </a:ext>
               </a:extLst>
             </p:cNvPr>
@@ -6385,65 +7508,18 @@
           </p:nvGrpSpPr>
           <p:grpSpPr>
             <a:xfrm>
-              <a:off x="-2" y="805493"/>
+              <a:off x="3797852" y="924031"/>
               <a:ext cx="4572000" cy="4572000"/>
-              <a:chOff x="0" y="805493"/>
+              <a:chOff x="-2" y="805493"/>
               <a:chExt cx="4572000" cy="4572000"/>
             </a:xfrm>
           </p:grpSpPr>
-          <p:pic>
-            <p:nvPicPr>
-              <p:cNvPr id="1030" name="Picture 6">
+          <p:sp>
+            <p:nvSpPr>
+              <p:cNvPr id="28" name="Oval 27">
                 <a:extLst>
                   <a:ext uri="{FF2B5EF4-FFF2-40B4-BE49-F238E27FC236}">
-                    <a16:creationId xmlns:a16="http://schemas.microsoft.com/office/drawing/2014/main" id="{DDC59845-C797-BB23-48ED-5675E34E9DF7}"/>
-                  </a:ext>
-                </a:extLst>
-              </p:cNvPr>
-              <p:cNvPicPr>
-                <a:picLocks noChangeAspect="1" noChangeArrowheads="1"/>
-              </p:cNvPicPr>
-              <p:nvPr/>
-            </p:nvPicPr>
-            <p:blipFill>
-              <a:blip r:embed="rId3">
-                <a:extLst>
-                  <a:ext uri="{28A0092B-C50C-407E-A947-70E740481C1C}">
-                    <a14:useLocalDpi xmlns:a14="http://schemas.microsoft.com/office/drawing/2010/main" val="0"/>
-                  </a:ext>
-                </a:extLst>
-              </a:blip>
-              <a:srcRect/>
-              <a:stretch>
-                <a:fillRect/>
-              </a:stretch>
-            </p:blipFill>
-            <p:spPr bwMode="auto">
-              <a:xfrm>
-                <a:off x="0" y="805493"/>
-                <a:ext cx="4572000" cy="4572000"/>
-              </a:xfrm>
-              <a:prstGeom prst="rect">
-                <a:avLst/>
-              </a:prstGeom>
-              <a:noFill/>
-              <a:extLst>
-                <a:ext uri="{909E8E84-426E-40DD-AFC4-6F175D3DCCD1}">
-                  <a14:hiddenFill xmlns:a14="http://schemas.microsoft.com/office/drawing/2010/main">
-                    <a:solidFill>
-                      <a:srgbClr val="FFFFFF"/>
-                    </a:solidFill>
-                  </a14:hiddenFill>
-                </a:ext>
-              </a:extLst>
-            </p:spPr>
-          </p:pic>
-          <p:sp>
-            <p:nvSpPr>
-              <p:cNvPr id="2" name="Rectangle 1">
-                <a:extLst>
-                  <a:ext uri="{FF2B5EF4-FFF2-40B4-BE49-F238E27FC236}">
-                    <a16:creationId xmlns:a16="http://schemas.microsoft.com/office/drawing/2014/main" id="{E550CB5D-2998-F0CD-CF78-52E7F517C2F4}"/>
+                    <a16:creationId xmlns:a16="http://schemas.microsoft.com/office/drawing/2014/main" id="{17C37E6F-F4ED-E4E1-94AF-C4CE013FAC80}"/>
                   </a:ext>
                 </a:extLst>
               </p:cNvPr>
@@ -6451,11 +7527,11 @@
               <p:nvPr/>
             </p:nvSpPr>
             <p:spPr>
-              <a:xfrm rot="2684933">
-                <a:off x="1726986" y="3091907"/>
-                <a:ext cx="457200" cy="870126"/>
+              <a:xfrm>
+                <a:off x="1687114" y="2549603"/>
+                <a:ext cx="1067727" cy="1067895"/>
               </a:xfrm>
-              <a:prstGeom prst="rect">
+              <a:prstGeom prst="ellipse">
                 <a:avLst/>
               </a:prstGeom>
               <a:solidFill>
@@ -6492,10 +7568,10 @@
           </p:sp>
           <p:sp>
             <p:nvSpPr>
-              <p:cNvPr id="4" name="Freeform 3">
+              <p:cNvPr id="29" name="Oval 28">
                 <a:extLst>
                   <a:ext uri="{FF2B5EF4-FFF2-40B4-BE49-F238E27FC236}">
-                    <a16:creationId xmlns:a16="http://schemas.microsoft.com/office/drawing/2014/main" id="{B107C9CF-4703-295D-98BF-3A761635A8E3}"/>
+                    <a16:creationId xmlns:a16="http://schemas.microsoft.com/office/drawing/2014/main" id="{56D9BAEF-5516-0AA5-8095-4DA80E8859FC}"/>
                   </a:ext>
                 </a:extLst>
               </p:cNvPr>
@@ -6504,67 +7580,17 @@
             </p:nvSpPr>
             <p:spPr>
               <a:xfrm>
-                <a:off x="1663553" y="3104351"/>
-                <a:ext cx="467935" cy="721942"/>
+                <a:off x="1848190" y="2253594"/>
+                <a:ext cx="1067727" cy="1067895"/>
               </a:xfrm>
-              <a:custGeom>
+              <a:prstGeom prst="ellipse">
                 <a:avLst/>
-                <a:gdLst>
-                  <a:gd name="connsiteX0" fmla="*/ 476410 w 476410"/>
-                  <a:gd name="connsiteY0" fmla="*/ 0 h 722299"/>
-                  <a:gd name="connsiteX1" fmla="*/ 230521 w 476410"/>
-                  <a:gd name="connsiteY1" fmla="*/ 245889 h 722299"/>
-                  <a:gd name="connsiteX2" fmla="*/ 368834 w 476410"/>
-                  <a:gd name="connsiteY2" fmla="*/ 468726 h 722299"/>
-                  <a:gd name="connsiteX3" fmla="*/ 0 w 476410"/>
-                  <a:gd name="connsiteY3" fmla="*/ 722299 h 722299"/>
-                </a:gdLst>
-                <a:ahLst/>
-                <a:cxnLst>
-                  <a:cxn ang="0">
-                    <a:pos x="connsiteX0" y="connsiteY0"/>
-                  </a:cxn>
-                  <a:cxn ang="0">
-                    <a:pos x="connsiteX1" y="connsiteY1"/>
-                  </a:cxn>
-                  <a:cxn ang="0">
-                    <a:pos x="connsiteX2" y="connsiteY2"/>
-                  </a:cxn>
-                  <a:cxn ang="0">
-                    <a:pos x="connsiteX3" y="connsiteY3"/>
-                  </a:cxn>
-                </a:cxnLst>
-                <a:rect l="l" t="t" r="r" b="b"/>
-                <a:pathLst>
-                  <a:path w="476410" h="722299">
-                    <a:moveTo>
-                      <a:pt x="476410" y="0"/>
-                    </a:moveTo>
-                    <a:cubicBezTo>
-                      <a:pt x="362430" y="83884"/>
-                      <a:pt x="248450" y="167768"/>
-                      <a:pt x="230521" y="245889"/>
-                    </a:cubicBezTo>
-                    <a:cubicBezTo>
-                      <a:pt x="212592" y="324010"/>
-                      <a:pt x="407254" y="389324"/>
-                      <a:pt x="368834" y="468726"/>
-                    </a:cubicBezTo>
-                    <a:cubicBezTo>
-                      <a:pt x="330414" y="548128"/>
-                      <a:pt x="165207" y="635213"/>
-                      <a:pt x="0" y="722299"/>
-                    </a:cubicBezTo>
-                  </a:path>
-                </a:pathLst>
-              </a:custGeom>
-              <a:noFill/>
-              <a:ln w="25400">
-                <a:solidFill>
-                  <a:srgbClr val="00B050"/>
-                </a:solidFill>
-                <a:headEnd type="oval"/>
-                <a:tailEnd type="oval"/>
+              </a:prstGeom>
+              <a:solidFill>
+                <a:srgbClr val="FFC000"/>
+              </a:solidFill>
+              <a:ln>
+                <a:noFill/>
               </a:ln>
             </p:spPr>
             <p:style>
@@ -6594,10 +7620,10 @@
           </p:sp>
           <p:sp>
             <p:nvSpPr>
-              <p:cNvPr id="5" name="Freeform 4">
+              <p:cNvPr id="30" name="Oval 29">
                 <a:extLst>
                   <a:ext uri="{FF2B5EF4-FFF2-40B4-BE49-F238E27FC236}">
-                    <a16:creationId xmlns:a16="http://schemas.microsoft.com/office/drawing/2014/main" id="{633C71A5-C14F-1AA9-5B93-99AD98BFA9AE}"/>
+                    <a16:creationId xmlns:a16="http://schemas.microsoft.com/office/drawing/2014/main" id="{2ABD916A-DE48-1BC7-0617-5C1C9F7552AC}"/>
                   </a:ext>
                 </a:extLst>
               </p:cNvPr>
@@ -6606,57 +7632,17 @@
             </p:nvSpPr>
             <p:spPr>
               <a:xfrm>
-                <a:off x="1535329" y="3163525"/>
-                <a:ext cx="656282" cy="535264"/>
+                <a:off x="2142367" y="2476272"/>
+                <a:ext cx="1067727" cy="1067895"/>
               </a:xfrm>
-              <a:custGeom>
+              <a:prstGeom prst="ellipse">
                 <a:avLst/>
-                <a:gdLst>
-                  <a:gd name="connsiteX0" fmla="*/ 622406 w 622406"/>
-                  <a:gd name="connsiteY0" fmla="*/ 0 h 537882"/>
-                  <a:gd name="connsiteX1" fmla="*/ 468726 w 622406"/>
-                  <a:gd name="connsiteY1" fmla="*/ 245889 h 537882"/>
-                  <a:gd name="connsiteX2" fmla="*/ 0 w 622406"/>
-                  <a:gd name="connsiteY2" fmla="*/ 537882 h 537882"/>
-                </a:gdLst>
-                <a:ahLst/>
-                <a:cxnLst>
-                  <a:cxn ang="0">
-                    <a:pos x="connsiteX0" y="connsiteY0"/>
-                  </a:cxn>
-                  <a:cxn ang="0">
-                    <a:pos x="connsiteX1" y="connsiteY1"/>
-                  </a:cxn>
-                  <a:cxn ang="0">
-                    <a:pos x="connsiteX2" y="connsiteY2"/>
-                  </a:cxn>
-                </a:cxnLst>
-                <a:rect l="l" t="t" r="r" b="b"/>
-                <a:pathLst>
-                  <a:path w="622406" h="537882">
-                    <a:moveTo>
-                      <a:pt x="622406" y="0"/>
-                    </a:moveTo>
-                    <a:cubicBezTo>
-                      <a:pt x="597433" y="78121"/>
-                      <a:pt x="572460" y="156242"/>
-                      <a:pt x="468726" y="245889"/>
-                    </a:cubicBezTo>
-                    <a:cubicBezTo>
-                      <a:pt x="364992" y="335536"/>
-                      <a:pt x="182496" y="436709"/>
-                      <a:pt x="0" y="537882"/>
-                    </a:cubicBezTo>
-                  </a:path>
-                </a:pathLst>
-              </a:custGeom>
-              <a:noFill/>
-              <a:ln w="25400">
-                <a:solidFill>
-                  <a:srgbClr val="7030A0"/>
-                </a:solidFill>
-                <a:headEnd type="oval"/>
-                <a:tailEnd type="oval"/>
+              </a:prstGeom>
+              <a:solidFill>
+                <a:srgbClr val="FFC000"/>
+              </a:solidFill>
+              <a:ln>
+                <a:noFill/>
               </a:ln>
             </p:spPr>
             <p:style>
@@ -6686,10 +7672,10 @@
           </p:sp>
           <p:sp>
             <p:nvSpPr>
-              <p:cNvPr id="7" name="Freeform 6">
+              <p:cNvPr id="31" name="Oval 30">
                 <a:extLst>
                   <a:ext uri="{FF2B5EF4-FFF2-40B4-BE49-F238E27FC236}">
-                    <a16:creationId xmlns:a16="http://schemas.microsoft.com/office/drawing/2014/main" id="{173CC44D-2DE0-7499-D93E-02DB1E0D54AB}"/>
+                    <a16:creationId xmlns:a16="http://schemas.microsoft.com/office/drawing/2014/main" id="{CF8AF4B7-BF66-66B4-CE10-10572367330B}"/>
                   </a:ext>
                 </a:extLst>
               </p:cNvPr>
@@ -6698,57 +7684,17 @@
             </p:nvSpPr>
             <p:spPr>
               <a:xfrm>
-                <a:off x="1605963" y="3288766"/>
-                <a:ext cx="699247" cy="476410"/>
+                <a:off x="1878843" y="2638921"/>
+                <a:ext cx="1067727" cy="1067895"/>
               </a:xfrm>
-              <a:custGeom>
+              <a:prstGeom prst="ellipse">
                 <a:avLst/>
-                <a:gdLst>
-                  <a:gd name="connsiteX0" fmla="*/ 699247 w 699247"/>
-                  <a:gd name="connsiteY0" fmla="*/ 0 h 476410"/>
-                  <a:gd name="connsiteX1" fmla="*/ 291993 w 699247"/>
-                  <a:gd name="connsiteY1" fmla="*/ 315046 h 476410"/>
-                  <a:gd name="connsiteX2" fmla="*/ 0 w 699247"/>
-                  <a:gd name="connsiteY2" fmla="*/ 476410 h 476410"/>
-                </a:gdLst>
-                <a:ahLst/>
-                <a:cxnLst>
-                  <a:cxn ang="0">
-                    <a:pos x="connsiteX0" y="connsiteY0"/>
-                  </a:cxn>
-                  <a:cxn ang="0">
-                    <a:pos x="connsiteX1" y="connsiteY1"/>
-                  </a:cxn>
-                  <a:cxn ang="0">
-                    <a:pos x="connsiteX2" y="connsiteY2"/>
-                  </a:cxn>
-                </a:cxnLst>
-                <a:rect l="l" t="t" r="r" b="b"/>
-                <a:pathLst>
-                  <a:path w="699247" h="476410">
-                    <a:moveTo>
-                      <a:pt x="699247" y="0"/>
-                    </a:moveTo>
-                    <a:cubicBezTo>
-                      <a:pt x="553890" y="117822"/>
-                      <a:pt x="408534" y="235644"/>
-                      <a:pt x="291993" y="315046"/>
-                    </a:cubicBezTo>
-                    <a:cubicBezTo>
-                      <a:pt x="175452" y="394448"/>
-                      <a:pt x="87726" y="435429"/>
-                      <a:pt x="0" y="476410"/>
-                    </a:cubicBezTo>
-                  </a:path>
-                </a:pathLst>
-              </a:custGeom>
-              <a:noFill/>
-              <a:ln w="25400">
-                <a:solidFill>
-                  <a:schemeClr val="accent1"/>
-                </a:solidFill>
-                <a:headEnd type="oval"/>
-                <a:tailEnd type="oval"/>
+              </a:prstGeom>
+              <a:solidFill>
+                <a:srgbClr val="FFC000"/>
+              </a:solidFill>
+              <a:ln>
+                <a:noFill/>
               </a:ln>
             </p:spPr>
             <p:style>
@@ -6778,10 +7724,10 @@
           </p:sp>
           <p:sp>
             <p:nvSpPr>
-              <p:cNvPr id="8" name="Freeform 7">
+              <p:cNvPr id="32" name="Oval 31">
                 <a:extLst>
                   <a:ext uri="{FF2B5EF4-FFF2-40B4-BE49-F238E27FC236}">
-                    <a16:creationId xmlns:a16="http://schemas.microsoft.com/office/drawing/2014/main" id="{3893DDC8-D71E-6885-5559-9A2B732FCC54}"/>
+                    <a16:creationId xmlns:a16="http://schemas.microsoft.com/office/drawing/2014/main" id="{DC58646F-579E-A8EB-C00E-2A79AE8016EE}"/>
                   </a:ext>
                 </a:extLst>
               </p:cNvPr>
@@ -6790,67 +7736,17 @@
             </p:nvSpPr>
             <p:spPr>
               <a:xfrm>
-                <a:off x="1718825" y="3230305"/>
-                <a:ext cx="521902" cy="645459"/>
+                <a:off x="1490626" y="2953656"/>
+                <a:ext cx="944476" cy="996523"/>
               </a:xfrm>
-              <a:custGeom>
+              <a:prstGeom prst="ellipse">
                 <a:avLst/>
-                <a:gdLst>
-                  <a:gd name="connsiteX0" fmla="*/ 521902 w 521902"/>
-                  <a:gd name="connsiteY0" fmla="*/ 0 h 645459"/>
-                  <a:gd name="connsiteX1" fmla="*/ 299065 w 521902"/>
-                  <a:gd name="connsiteY1" fmla="*/ 53788 h 645459"/>
-                  <a:gd name="connsiteX2" fmla="*/ 37808 w 521902"/>
-                  <a:gd name="connsiteY2" fmla="*/ 276625 h 645459"/>
-                  <a:gd name="connsiteX3" fmla="*/ 7071 w 521902"/>
-                  <a:gd name="connsiteY3" fmla="*/ 645459 h 645459"/>
-                </a:gdLst>
-                <a:ahLst/>
-                <a:cxnLst>
-                  <a:cxn ang="0">
-                    <a:pos x="connsiteX0" y="connsiteY0"/>
-                  </a:cxn>
-                  <a:cxn ang="0">
-                    <a:pos x="connsiteX1" y="connsiteY1"/>
-                  </a:cxn>
-                  <a:cxn ang="0">
-                    <a:pos x="connsiteX2" y="connsiteY2"/>
-                  </a:cxn>
-                  <a:cxn ang="0">
-                    <a:pos x="connsiteX3" y="connsiteY3"/>
-                  </a:cxn>
-                </a:cxnLst>
-                <a:rect l="l" t="t" r="r" b="b"/>
-                <a:pathLst>
-                  <a:path w="521902" h="645459">
-                    <a:moveTo>
-                      <a:pt x="521902" y="0"/>
-                    </a:moveTo>
-                    <a:cubicBezTo>
-                      <a:pt x="450824" y="3842"/>
-                      <a:pt x="379747" y="7684"/>
-                      <a:pt x="299065" y="53788"/>
-                    </a:cubicBezTo>
-                    <a:cubicBezTo>
-                      <a:pt x="218383" y="99892"/>
-                      <a:pt x="86474" y="178013"/>
-                      <a:pt x="37808" y="276625"/>
-                    </a:cubicBezTo>
-                    <a:cubicBezTo>
-                      <a:pt x="-10858" y="375237"/>
-                      <a:pt x="-1894" y="510348"/>
-                      <a:pt x="7071" y="645459"/>
-                    </a:cubicBezTo>
-                  </a:path>
-                </a:pathLst>
-              </a:custGeom>
-              <a:noFill/>
-              <a:ln w="25400">
-                <a:solidFill>
-                  <a:srgbClr val="FF0000"/>
-                </a:solidFill>
-                <a:headEnd type="oval"/>
-                <a:tailEnd type="oval"/>
+              </a:prstGeom>
+              <a:solidFill>
+                <a:srgbClr val="FFC000"/>
+              </a:solidFill>
+              <a:ln>
+                <a:noFill/>
               </a:ln>
             </p:spPr>
             <p:style>
@@ -6878,8 +7774,2518 @@
               </a:p>
             </p:txBody>
           </p:sp>
+          <p:sp>
+            <p:nvSpPr>
+              <p:cNvPr id="33" name="Oval 32">
+                <a:extLst>
+                  <a:ext uri="{FF2B5EF4-FFF2-40B4-BE49-F238E27FC236}">
+                    <a16:creationId xmlns:a16="http://schemas.microsoft.com/office/drawing/2014/main" id="{4DFD2088-F2A2-D758-F244-B36280576C21}"/>
+                  </a:ext>
+                </a:extLst>
+              </p:cNvPr>
+              <p:cNvSpPr/>
+              <p:nvPr/>
+            </p:nvSpPr>
+            <p:spPr>
+              <a:xfrm>
+                <a:off x="1125498" y="3315025"/>
+                <a:ext cx="944476" cy="996523"/>
+              </a:xfrm>
+              <a:prstGeom prst="ellipse">
+                <a:avLst/>
+              </a:prstGeom>
+              <a:solidFill>
+                <a:srgbClr val="FFC000"/>
+              </a:solidFill>
+              <a:ln>
+                <a:noFill/>
+              </a:ln>
+            </p:spPr>
+            <p:style>
+              <a:lnRef idx="2">
+                <a:schemeClr val="accent1">
+                  <a:shade val="15000"/>
+                </a:schemeClr>
+              </a:lnRef>
+              <a:fillRef idx="1">
+                <a:schemeClr val="accent1"/>
+              </a:fillRef>
+              <a:effectRef idx="0">
+                <a:schemeClr val="accent1"/>
+              </a:effectRef>
+              <a:fontRef idx="minor">
+                <a:schemeClr val="lt1"/>
+              </a:fontRef>
+            </p:style>
+            <p:txBody>
+              <a:bodyPr rtlCol="0" anchor="ctr"/>
+              <a:lstStyle/>
+              <a:p>
+                <a:pPr algn="ctr"/>
+                <a:endParaRPr lang="en-US"/>
+              </a:p>
+            </p:txBody>
+          </p:sp>
+          <p:sp>
+            <p:nvSpPr>
+              <p:cNvPr id="34" name="Oval 33">
+                <a:extLst>
+                  <a:ext uri="{FF2B5EF4-FFF2-40B4-BE49-F238E27FC236}">
+                    <a16:creationId xmlns:a16="http://schemas.microsoft.com/office/drawing/2014/main" id="{BE4FF22B-AA97-6E4A-B237-AC58C727A7B3}"/>
+                  </a:ext>
+                </a:extLst>
+              </p:cNvPr>
+              <p:cNvSpPr/>
+              <p:nvPr/>
+            </p:nvSpPr>
+            <p:spPr>
+              <a:xfrm>
+                <a:off x="413558" y="3451917"/>
+                <a:ext cx="1067727" cy="1067895"/>
+              </a:xfrm>
+              <a:prstGeom prst="ellipse">
+                <a:avLst/>
+              </a:prstGeom>
+              <a:solidFill>
+                <a:srgbClr val="FFC000"/>
+              </a:solidFill>
+              <a:ln>
+                <a:noFill/>
+              </a:ln>
+            </p:spPr>
+            <p:style>
+              <a:lnRef idx="2">
+                <a:schemeClr val="accent1">
+                  <a:shade val="15000"/>
+                </a:schemeClr>
+              </a:lnRef>
+              <a:fillRef idx="1">
+                <a:schemeClr val="accent1"/>
+              </a:fillRef>
+              <a:effectRef idx="0">
+                <a:schemeClr val="accent1"/>
+              </a:effectRef>
+              <a:fontRef idx="minor">
+                <a:schemeClr val="lt1"/>
+              </a:fontRef>
+            </p:style>
+            <p:txBody>
+              <a:bodyPr rtlCol="0" anchor="ctr"/>
+              <a:lstStyle/>
+              <a:p>
+                <a:pPr algn="ctr"/>
+                <a:endParaRPr lang="en-US"/>
+              </a:p>
+            </p:txBody>
+          </p:sp>
+          <p:sp>
+            <p:nvSpPr>
+              <p:cNvPr id="35" name="Oval 34">
+                <a:extLst>
+                  <a:ext uri="{FF2B5EF4-FFF2-40B4-BE49-F238E27FC236}">
+                    <a16:creationId xmlns:a16="http://schemas.microsoft.com/office/drawing/2014/main" id="{EB650449-063B-3F62-3EF1-A01C9A128612}"/>
+                  </a:ext>
+                </a:extLst>
+              </p:cNvPr>
+              <p:cNvSpPr/>
+              <p:nvPr/>
+            </p:nvSpPr>
+            <p:spPr>
+              <a:xfrm>
+                <a:off x="182264" y="3599289"/>
+                <a:ext cx="1067727" cy="1067895"/>
+              </a:xfrm>
+              <a:prstGeom prst="ellipse">
+                <a:avLst/>
+              </a:prstGeom>
+              <a:solidFill>
+                <a:srgbClr val="FFC000"/>
+              </a:solidFill>
+              <a:ln>
+                <a:noFill/>
+              </a:ln>
+            </p:spPr>
+            <p:style>
+              <a:lnRef idx="2">
+                <a:schemeClr val="accent1">
+                  <a:shade val="15000"/>
+                </a:schemeClr>
+              </a:lnRef>
+              <a:fillRef idx="1">
+                <a:schemeClr val="accent1"/>
+              </a:fillRef>
+              <a:effectRef idx="0">
+                <a:schemeClr val="accent1"/>
+              </a:effectRef>
+              <a:fontRef idx="minor">
+                <a:schemeClr val="lt1"/>
+              </a:fontRef>
+            </p:style>
+            <p:txBody>
+              <a:bodyPr rtlCol="0" anchor="ctr"/>
+              <a:lstStyle/>
+              <a:p>
+                <a:pPr algn="ctr"/>
+                <a:endParaRPr lang="en-US"/>
+              </a:p>
+            </p:txBody>
+          </p:sp>
+          <p:sp>
+            <p:nvSpPr>
+              <p:cNvPr id="36" name="Oval 35">
+                <a:extLst>
+                  <a:ext uri="{FF2B5EF4-FFF2-40B4-BE49-F238E27FC236}">
+                    <a16:creationId xmlns:a16="http://schemas.microsoft.com/office/drawing/2014/main" id="{97CBA8F0-DF18-3E59-421E-CB628E4E9737}"/>
+                  </a:ext>
+                </a:extLst>
+              </p:cNvPr>
+              <p:cNvSpPr/>
+              <p:nvPr/>
+            </p:nvSpPr>
+            <p:spPr>
+              <a:xfrm>
+                <a:off x="213973" y="3828874"/>
+                <a:ext cx="1067727" cy="1067895"/>
+              </a:xfrm>
+              <a:prstGeom prst="ellipse">
+                <a:avLst/>
+              </a:prstGeom>
+              <a:solidFill>
+                <a:srgbClr val="FFC000"/>
+              </a:solidFill>
+              <a:ln>
+                <a:noFill/>
+              </a:ln>
+            </p:spPr>
+            <p:style>
+              <a:lnRef idx="2">
+                <a:schemeClr val="accent1">
+                  <a:shade val="15000"/>
+                </a:schemeClr>
+              </a:lnRef>
+              <a:fillRef idx="1">
+                <a:schemeClr val="accent1"/>
+              </a:fillRef>
+              <a:effectRef idx="0">
+                <a:schemeClr val="accent1"/>
+              </a:effectRef>
+              <a:fontRef idx="minor">
+                <a:schemeClr val="lt1"/>
+              </a:fontRef>
+            </p:style>
+            <p:txBody>
+              <a:bodyPr rtlCol="0" anchor="ctr"/>
+              <a:lstStyle/>
+              <a:p>
+                <a:pPr algn="ctr"/>
+                <a:endParaRPr lang="en-US"/>
+              </a:p>
+            </p:txBody>
+          </p:sp>
+          <p:sp>
+            <p:nvSpPr>
+              <p:cNvPr id="37" name="Oval 36">
+                <a:extLst>
+                  <a:ext uri="{FF2B5EF4-FFF2-40B4-BE49-F238E27FC236}">
+                    <a16:creationId xmlns:a16="http://schemas.microsoft.com/office/drawing/2014/main" id="{3A11EFC1-287B-AF94-3F87-7856070F87D8}"/>
+                  </a:ext>
+                </a:extLst>
+              </p:cNvPr>
+              <p:cNvSpPr/>
+              <p:nvPr/>
+            </p:nvSpPr>
+            <p:spPr>
+              <a:xfrm>
+                <a:off x="476608" y="4099814"/>
+                <a:ext cx="1067727" cy="1067895"/>
+              </a:xfrm>
+              <a:prstGeom prst="ellipse">
+                <a:avLst/>
+              </a:prstGeom>
+              <a:solidFill>
+                <a:srgbClr val="FFC000"/>
+              </a:solidFill>
+              <a:ln>
+                <a:noFill/>
+              </a:ln>
+            </p:spPr>
+            <p:style>
+              <a:lnRef idx="2">
+                <a:schemeClr val="accent1">
+                  <a:shade val="15000"/>
+                </a:schemeClr>
+              </a:lnRef>
+              <a:fillRef idx="1">
+                <a:schemeClr val="accent1"/>
+              </a:fillRef>
+              <a:effectRef idx="0">
+                <a:schemeClr val="accent1"/>
+              </a:effectRef>
+              <a:fontRef idx="minor">
+                <a:schemeClr val="lt1"/>
+              </a:fontRef>
+            </p:style>
+            <p:txBody>
+              <a:bodyPr rtlCol="0" anchor="ctr"/>
+              <a:lstStyle/>
+              <a:p>
+                <a:pPr algn="ctr"/>
+                <a:endParaRPr lang="en-US"/>
+              </a:p>
+            </p:txBody>
+          </p:sp>
+          <p:sp>
+            <p:nvSpPr>
+              <p:cNvPr id="38" name="Oval 37">
+                <a:extLst>
+                  <a:ext uri="{FF2B5EF4-FFF2-40B4-BE49-F238E27FC236}">
+                    <a16:creationId xmlns:a16="http://schemas.microsoft.com/office/drawing/2014/main" id="{4566C291-2773-E28B-9825-09BA89B89AEE}"/>
+                  </a:ext>
+                </a:extLst>
+              </p:cNvPr>
+              <p:cNvSpPr/>
+              <p:nvPr/>
+            </p:nvSpPr>
+            <p:spPr>
+              <a:xfrm>
+                <a:off x="731982" y="4205681"/>
+                <a:ext cx="1067727" cy="1067895"/>
+              </a:xfrm>
+              <a:prstGeom prst="ellipse">
+                <a:avLst/>
+              </a:prstGeom>
+              <a:solidFill>
+                <a:srgbClr val="FFC000"/>
+              </a:solidFill>
+              <a:ln>
+                <a:noFill/>
+              </a:ln>
+            </p:spPr>
+            <p:style>
+              <a:lnRef idx="2">
+                <a:schemeClr val="accent1">
+                  <a:shade val="15000"/>
+                </a:schemeClr>
+              </a:lnRef>
+              <a:fillRef idx="1">
+                <a:schemeClr val="accent1"/>
+              </a:fillRef>
+              <a:effectRef idx="0">
+                <a:schemeClr val="accent1"/>
+              </a:effectRef>
+              <a:fontRef idx="minor">
+                <a:schemeClr val="lt1"/>
+              </a:fontRef>
+            </p:style>
+            <p:txBody>
+              <a:bodyPr rtlCol="0" anchor="ctr"/>
+              <a:lstStyle/>
+              <a:p>
+                <a:pPr algn="ctr"/>
+                <a:endParaRPr lang="en-US"/>
+              </a:p>
+            </p:txBody>
+          </p:sp>
+          <p:sp>
+            <p:nvSpPr>
+              <p:cNvPr id="39" name="Oval 38">
+                <a:extLst>
+                  <a:ext uri="{FF2B5EF4-FFF2-40B4-BE49-F238E27FC236}">
+                    <a16:creationId xmlns:a16="http://schemas.microsoft.com/office/drawing/2014/main" id="{B63FCCEA-598B-0F0D-A8C3-DAA9AA6594D3}"/>
+                  </a:ext>
+                </a:extLst>
+              </p:cNvPr>
+              <p:cNvSpPr/>
+              <p:nvPr/>
+            </p:nvSpPr>
+            <p:spPr>
+              <a:xfrm>
+                <a:off x="905538" y="3954151"/>
+                <a:ext cx="1067727" cy="1067895"/>
+              </a:xfrm>
+              <a:prstGeom prst="ellipse">
+                <a:avLst/>
+              </a:prstGeom>
+              <a:solidFill>
+                <a:srgbClr val="FFC000"/>
+              </a:solidFill>
+              <a:ln>
+                <a:noFill/>
+              </a:ln>
+            </p:spPr>
+            <p:style>
+              <a:lnRef idx="2">
+                <a:schemeClr val="accent1">
+                  <a:shade val="15000"/>
+                </a:schemeClr>
+              </a:lnRef>
+              <a:fillRef idx="1">
+                <a:schemeClr val="accent1"/>
+              </a:fillRef>
+              <a:effectRef idx="0">
+                <a:schemeClr val="accent1"/>
+              </a:effectRef>
+              <a:fontRef idx="minor">
+                <a:schemeClr val="lt1"/>
+              </a:fontRef>
+            </p:style>
+            <p:txBody>
+              <a:bodyPr rtlCol="0" anchor="ctr"/>
+              <a:lstStyle/>
+              <a:p>
+                <a:pPr algn="ctr"/>
+                <a:endParaRPr lang="en-US"/>
+              </a:p>
+            </p:txBody>
+          </p:sp>
+          <p:sp>
+            <p:nvSpPr>
+              <p:cNvPr id="40" name="Oval 39">
+                <a:extLst>
+                  <a:ext uri="{FF2B5EF4-FFF2-40B4-BE49-F238E27FC236}">
+                    <a16:creationId xmlns:a16="http://schemas.microsoft.com/office/drawing/2014/main" id="{3F15DCD5-AA4B-468D-8E9C-07A1A2911502}"/>
+                  </a:ext>
+                </a:extLst>
+              </p:cNvPr>
+              <p:cNvSpPr/>
+              <p:nvPr/>
+            </p:nvSpPr>
+            <p:spPr>
+              <a:xfrm>
+                <a:off x="898957" y="3730806"/>
+                <a:ext cx="1067727" cy="1067895"/>
+              </a:xfrm>
+              <a:prstGeom prst="ellipse">
+                <a:avLst/>
+              </a:prstGeom>
+              <a:solidFill>
+                <a:srgbClr val="FFC000"/>
+              </a:solidFill>
+              <a:ln>
+                <a:noFill/>
+              </a:ln>
+            </p:spPr>
+            <p:style>
+              <a:lnRef idx="2">
+                <a:schemeClr val="accent1">
+                  <a:shade val="15000"/>
+                </a:schemeClr>
+              </a:lnRef>
+              <a:fillRef idx="1">
+                <a:schemeClr val="accent1"/>
+              </a:fillRef>
+              <a:effectRef idx="0">
+                <a:schemeClr val="accent1"/>
+              </a:effectRef>
+              <a:fontRef idx="minor">
+                <a:schemeClr val="lt1"/>
+              </a:fontRef>
+            </p:style>
+            <p:txBody>
+              <a:bodyPr rtlCol="0" anchor="ctr"/>
+              <a:lstStyle/>
+              <a:p>
+                <a:pPr algn="ctr"/>
+                <a:endParaRPr lang="en-US"/>
+              </a:p>
+            </p:txBody>
+          </p:sp>
+          <p:grpSp>
+            <p:nvGrpSpPr>
+              <p:cNvPr id="41" name="Group 40">
+                <a:extLst>
+                  <a:ext uri="{FF2B5EF4-FFF2-40B4-BE49-F238E27FC236}">
+                    <a16:creationId xmlns:a16="http://schemas.microsoft.com/office/drawing/2014/main" id="{282BE318-A0E0-7A85-30CC-51DB6ECA77AE}"/>
+                  </a:ext>
+                </a:extLst>
+              </p:cNvPr>
+              <p:cNvGrpSpPr/>
+              <p:nvPr/>
+            </p:nvGrpSpPr>
+            <p:grpSpPr>
+              <a:xfrm>
+                <a:off x="-2" y="805493"/>
+                <a:ext cx="4572000" cy="4572000"/>
+                <a:chOff x="0" y="805493"/>
+                <a:chExt cx="4572000" cy="4572000"/>
+              </a:xfrm>
+            </p:grpSpPr>
+            <p:pic>
+              <p:nvPicPr>
+                <p:cNvPr id="42" name="Picture 6">
+                  <a:extLst>
+                    <a:ext uri="{FF2B5EF4-FFF2-40B4-BE49-F238E27FC236}">
+                      <a16:creationId xmlns:a16="http://schemas.microsoft.com/office/drawing/2014/main" id="{48663277-A701-18C1-FFE6-AE653252DDB5}"/>
+                    </a:ext>
+                  </a:extLst>
+                </p:cNvPr>
+                <p:cNvPicPr>
+                  <a:picLocks noChangeAspect="1" noChangeArrowheads="1"/>
+                </p:cNvPicPr>
+                <p:nvPr/>
+              </p:nvPicPr>
+              <p:blipFill>
+                <a:blip r:embed="rId3">
+                  <a:extLst>
+                    <a:ext uri="{28A0092B-C50C-407E-A947-70E740481C1C}">
+                      <a14:useLocalDpi xmlns:a14="http://schemas.microsoft.com/office/drawing/2010/main" val="0"/>
+                    </a:ext>
+                  </a:extLst>
+                </a:blip>
+                <a:srcRect/>
+                <a:stretch>
+                  <a:fillRect/>
+                </a:stretch>
+              </p:blipFill>
+              <p:spPr bwMode="auto">
+                <a:xfrm>
+                  <a:off x="0" y="805493"/>
+                  <a:ext cx="4572000" cy="4572000"/>
+                </a:xfrm>
+                <a:prstGeom prst="rect">
+                  <a:avLst/>
+                </a:prstGeom>
+                <a:noFill/>
+                <a:extLst>
+                  <a:ext uri="{909E8E84-426E-40DD-AFC4-6F175D3DCCD1}">
+                    <a14:hiddenFill xmlns:a14="http://schemas.microsoft.com/office/drawing/2010/main">
+                      <a:solidFill>
+                        <a:srgbClr val="FFFFFF"/>
+                      </a:solidFill>
+                    </a14:hiddenFill>
+                  </a:ext>
+                </a:extLst>
+              </p:spPr>
+            </p:pic>
+            <p:sp>
+              <p:nvSpPr>
+                <p:cNvPr id="43" name="Rectangle 42">
+                  <a:extLst>
+                    <a:ext uri="{FF2B5EF4-FFF2-40B4-BE49-F238E27FC236}">
+                      <a16:creationId xmlns:a16="http://schemas.microsoft.com/office/drawing/2014/main" id="{45C98EDF-42F6-BCB3-3D14-097198321BC8}"/>
+                    </a:ext>
+                  </a:extLst>
+                </p:cNvPr>
+                <p:cNvSpPr/>
+                <p:nvPr/>
+              </p:nvSpPr>
+              <p:spPr>
+                <a:xfrm rot="2684933">
+                  <a:off x="1726986" y="3091907"/>
+                  <a:ext cx="457200" cy="870126"/>
+                </a:xfrm>
+                <a:prstGeom prst="rect">
+                  <a:avLst/>
+                </a:prstGeom>
+                <a:solidFill>
+                  <a:srgbClr val="FFC000"/>
+                </a:solidFill>
+                <a:ln>
+                  <a:noFill/>
+                </a:ln>
+              </p:spPr>
+              <p:style>
+                <a:lnRef idx="2">
+                  <a:schemeClr val="accent1">
+                    <a:shade val="15000"/>
+                  </a:schemeClr>
+                </a:lnRef>
+                <a:fillRef idx="1">
+                  <a:schemeClr val="accent1"/>
+                </a:fillRef>
+                <a:effectRef idx="0">
+                  <a:schemeClr val="accent1"/>
+                </a:effectRef>
+                <a:fontRef idx="minor">
+                  <a:schemeClr val="lt1"/>
+                </a:fontRef>
+              </p:style>
+              <p:txBody>
+                <a:bodyPr rtlCol="0" anchor="ctr"/>
+                <a:lstStyle/>
+                <a:p>
+                  <a:pPr algn="ctr"/>
+                  <a:endParaRPr lang="en-US"/>
+                </a:p>
+              </p:txBody>
+            </p:sp>
+            <p:sp>
+              <p:nvSpPr>
+                <p:cNvPr id="44" name="Freeform 43">
+                  <a:extLst>
+                    <a:ext uri="{FF2B5EF4-FFF2-40B4-BE49-F238E27FC236}">
+                      <a16:creationId xmlns:a16="http://schemas.microsoft.com/office/drawing/2014/main" id="{B234F830-EA8E-7606-96AD-A5C68BC1F2C0}"/>
+                    </a:ext>
+                  </a:extLst>
+                </p:cNvPr>
+                <p:cNvSpPr/>
+                <p:nvPr/>
+              </p:nvSpPr>
+              <p:spPr>
+                <a:xfrm>
+                  <a:off x="1663553" y="3104351"/>
+                  <a:ext cx="467935" cy="721942"/>
+                </a:xfrm>
+                <a:custGeom>
+                  <a:avLst/>
+                  <a:gdLst>
+                    <a:gd name="connsiteX0" fmla="*/ 476410 w 476410"/>
+                    <a:gd name="connsiteY0" fmla="*/ 0 h 722299"/>
+                    <a:gd name="connsiteX1" fmla="*/ 230521 w 476410"/>
+                    <a:gd name="connsiteY1" fmla="*/ 245889 h 722299"/>
+                    <a:gd name="connsiteX2" fmla="*/ 368834 w 476410"/>
+                    <a:gd name="connsiteY2" fmla="*/ 468726 h 722299"/>
+                    <a:gd name="connsiteX3" fmla="*/ 0 w 476410"/>
+                    <a:gd name="connsiteY3" fmla="*/ 722299 h 722299"/>
+                  </a:gdLst>
+                  <a:ahLst/>
+                  <a:cxnLst>
+                    <a:cxn ang="0">
+                      <a:pos x="connsiteX0" y="connsiteY0"/>
+                    </a:cxn>
+                    <a:cxn ang="0">
+                      <a:pos x="connsiteX1" y="connsiteY1"/>
+                    </a:cxn>
+                    <a:cxn ang="0">
+                      <a:pos x="connsiteX2" y="connsiteY2"/>
+                    </a:cxn>
+                    <a:cxn ang="0">
+                      <a:pos x="connsiteX3" y="connsiteY3"/>
+                    </a:cxn>
+                  </a:cxnLst>
+                  <a:rect l="l" t="t" r="r" b="b"/>
+                  <a:pathLst>
+                    <a:path w="476410" h="722299">
+                      <a:moveTo>
+                        <a:pt x="476410" y="0"/>
+                      </a:moveTo>
+                      <a:cubicBezTo>
+                        <a:pt x="362430" y="83884"/>
+                        <a:pt x="248450" y="167768"/>
+                        <a:pt x="230521" y="245889"/>
+                      </a:cubicBezTo>
+                      <a:cubicBezTo>
+                        <a:pt x="212592" y="324010"/>
+                        <a:pt x="407254" y="389324"/>
+                        <a:pt x="368834" y="468726"/>
+                      </a:cubicBezTo>
+                      <a:cubicBezTo>
+                        <a:pt x="330414" y="548128"/>
+                        <a:pt x="165207" y="635213"/>
+                        <a:pt x="0" y="722299"/>
+                      </a:cubicBezTo>
+                    </a:path>
+                  </a:pathLst>
+                </a:custGeom>
+                <a:noFill/>
+                <a:ln w="25400">
+                  <a:solidFill>
+                    <a:srgbClr val="79C257"/>
+                  </a:solidFill>
+                  <a:headEnd type="oval"/>
+                  <a:tailEnd type="oval"/>
+                </a:ln>
+              </p:spPr>
+              <p:style>
+                <a:lnRef idx="2">
+                  <a:schemeClr val="accent1">
+                    <a:shade val="15000"/>
+                  </a:schemeClr>
+                </a:lnRef>
+                <a:fillRef idx="1">
+                  <a:schemeClr val="accent1"/>
+                </a:fillRef>
+                <a:effectRef idx="0">
+                  <a:schemeClr val="accent1"/>
+                </a:effectRef>
+                <a:fontRef idx="minor">
+                  <a:schemeClr val="lt1"/>
+                </a:fontRef>
+              </p:style>
+              <p:txBody>
+                <a:bodyPr rtlCol="0" anchor="ctr"/>
+                <a:lstStyle/>
+                <a:p>
+                  <a:pPr algn="ctr"/>
+                  <a:endParaRPr lang="en-US" dirty="0"/>
+                </a:p>
+              </p:txBody>
+            </p:sp>
+            <p:sp>
+              <p:nvSpPr>
+                <p:cNvPr id="45" name="Freeform 44">
+                  <a:extLst>
+                    <a:ext uri="{FF2B5EF4-FFF2-40B4-BE49-F238E27FC236}">
+                      <a16:creationId xmlns:a16="http://schemas.microsoft.com/office/drawing/2014/main" id="{40504025-38A9-3EB2-DA3B-78028AC59F4A}"/>
+                    </a:ext>
+                  </a:extLst>
+                </p:cNvPr>
+                <p:cNvSpPr/>
+                <p:nvPr/>
+              </p:nvSpPr>
+              <p:spPr>
+                <a:xfrm>
+                  <a:off x="1535329" y="3163525"/>
+                  <a:ext cx="656282" cy="535264"/>
+                </a:xfrm>
+                <a:custGeom>
+                  <a:avLst/>
+                  <a:gdLst>
+                    <a:gd name="connsiteX0" fmla="*/ 622406 w 622406"/>
+                    <a:gd name="connsiteY0" fmla="*/ 0 h 537882"/>
+                    <a:gd name="connsiteX1" fmla="*/ 468726 w 622406"/>
+                    <a:gd name="connsiteY1" fmla="*/ 245889 h 537882"/>
+                    <a:gd name="connsiteX2" fmla="*/ 0 w 622406"/>
+                    <a:gd name="connsiteY2" fmla="*/ 537882 h 537882"/>
+                  </a:gdLst>
+                  <a:ahLst/>
+                  <a:cxnLst>
+                    <a:cxn ang="0">
+                      <a:pos x="connsiteX0" y="connsiteY0"/>
+                    </a:cxn>
+                    <a:cxn ang="0">
+                      <a:pos x="connsiteX1" y="connsiteY1"/>
+                    </a:cxn>
+                    <a:cxn ang="0">
+                      <a:pos x="connsiteX2" y="connsiteY2"/>
+                    </a:cxn>
+                  </a:cxnLst>
+                  <a:rect l="l" t="t" r="r" b="b"/>
+                  <a:pathLst>
+                    <a:path w="622406" h="537882">
+                      <a:moveTo>
+                        <a:pt x="622406" y="0"/>
+                      </a:moveTo>
+                      <a:cubicBezTo>
+                        <a:pt x="597433" y="78121"/>
+                        <a:pt x="572460" y="156242"/>
+                        <a:pt x="468726" y="245889"/>
+                      </a:cubicBezTo>
+                      <a:cubicBezTo>
+                        <a:pt x="364992" y="335536"/>
+                        <a:pt x="182496" y="436709"/>
+                        <a:pt x="0" y="537882"/>
+                      </a:cubicBezTo>
+                    </a:path>
+                  </a:pathLst>
+                </a:custGeom>
+                <a:noFill/>
+                <a:ln w="25400">
+                  <a:solidFill>
+                    <a:srgbClr val="7030A0"/>
+                  </a:solidFill>
+                  <a:headEnd type="oval"/>
+                  <a:tailEnd type="oval"/>
+                </a:ln>
+              </p:spPr>
+              <p:style>
+                <a:lnRef idx="2">
+                  <a:schemeClr val="accent1">
+                    <a:shade val="15000"/>
+                  </a:schemeClr>
+                </a:lnRef>
+                <a:fillRef idx="1">
+                  <a:schemeClr val="accent1"/>
+                </a:fillRef>
+                <a:effectRef idx="0">
+                  <a:schemeClr val="accent1"/>
+                </a:effectRef>
+                <a:fontRef idx="minor">
+                  <a:schemeClr val="lt1"/>
+                </a:fontRef>
+              </p:style>
+              <p:txBody>
+                <a:bodyPr rtlCol="0" anchor="ctr"/>
+                <a:lstStyle/>
+                <a:p>
+                  <a:pPr algn="ctr"/>
+                  <a:endParaRPr lang="en-US"/>
+                </a:p>
+              </p:txBody>
+            </p:sp>
+            <p:sp>
+              <p:nvSpPr>
+                <p:cNvPr id="46" name="Freeform 45">
+                  <a:extLst>
+                    <a:ext uri="{FF2B5EF4-FFF2-40B4-BE49-F238E27FC236}">
+                      <a16:creationId xmlns:a16="http://schemas.microsoft.com/office/drawing/2014/main" id="{C08E2DF2-2BB8-4816-4AB4-E6D18CFFB108}"/>
+                    </a:ext>
+                  </a:extLst>
+                </p:cNvPr>
+                <p:cNvSpPr/>
+                <p:nvPr/>
+              </p:nvSpPr>
+              <p:spPr>
+                <a:xfrm>
+                  <a:off x="1605963" y="3288766"/>
+                  <a:ext cx="699247" cy="476410"/>
+                </a:xfrm>
+                <a:custGeom>
+                  <a:avLst/>
+                  <a:gdLst>
+                    <a:gd name="connsiteX0" fmla="*/ 699247 w 699247"/>
+                    <a:gd name="connsiteY0" fmla="*/ 0 h 476410"/>
+                    <a:gd name="connsiteX1" fmla="*/ 291993 w 699247"/>
+                    <a:gd name="connsiteY1" fmla="*/ 315046 h 476410"/>
+                    <a:gd name="connsiteX2" fmla="*/ 0 w 699247"/>
+                    <a:gd name="connsiteY2" fmla="*/ 476410 h 476410"/>
+                  </a:gdLst>
+                  <a:ahLst/>
+                  <a:cxnLst>
+                    <a:cxn ang="0">
+                      <a:pos x="connsiteX0" y="connsiteY0"/>
+                    </a:cxn>
+                    <a:cxn ang="0">
+                      <a:pos x="connsiteX1" y="connsiteY1"/>
+                    </a:cxn>
+                    <a:cxn ang="0">
+                      <a:pos x="connsiteX2" y="connsiteY2"/>
+                    </a:cxn>
+                  </a:cxnLst>
+                  <a:rect l="l" t="t" r="r" b="b"/>
+                  <a:pathLst>
+                    <a:path w="699247" h="476410">
+                      <a:moveTo>
+                        <a:pt x="699247" y="0"/>
+                      </a:moveTo>
+                      <a:cubicBezTo>
+                        <a:pt x="553890" y="117822"/>
+                        <a:pt x="408534" y="235644"/>
+                        <a:pt x="291993" y="315046"/>
+                      </a:cubicBezTo>
+                      <a:cubicBezTo>
+                        <a:pt x="175452" y="394448"/>
+                        <a:pt x="87726" y="435429"/>
+                        <a:pt x="0" y="476410"/>
+                      </a:cubicBezTo>
+                    </a:path>
+                  </a:pathLst>
+                </a:custGeom>
+                <a:noFill/>
+                <a:ln w="25400">
+                  <a:solidFill>
+                    <a:schemeClr val="accent1"/>
+                  </a:solidFill>
+                  <a:headEnd type="oval"/>
+                  <a:tailEnd type="oval"/>
+                </a:ln>
+              </p:spPr>
+              <p:style>
+                <a:lnRef idx="2">
+                  <a:schemeClr val="accent1">
+                    <a:shade val="15000"/>
+                  </a:schemeClr>
+                </a:lnRef>
+                <a:fillRef idx="1">
+                  <a:schemeClr val="accent1"/>
+                </a:fillRef>
+                <a:effectRef idx="0">
+                  <a:schemeClr val="accent1"/>
+                </a:effectRef>
+                <a:fontRef idx="minor">
+                  <a:schemeClr val="lt1"/>
+                </a:fontRef>
+              </p:style>
+              <p:txBody>
+                <a:bodyPr rtlCol="0" anchor="ctr"/>
+                <a:lstStyle/>
+                <a:p>
+                  <a:pPr algn="ctr"/>
+                  <a:endParaRPr lang="en-US"/>
+                </a:p>
+              </p:txBody>
+            </p:sp>
+            <p:sp>
+              <p:nvSpPr>
+                <p:cNvPr id="47" name="Freeform 46">
+                  <a:extLst>
+                    <a:ext uri="{FF2B5EF4-FFF2-40B4-BE49-F238E27FC236}">
+                      <a16:creationId xmlns:a16="http://schemas.microsoft.com/office/drawing/2014/main" id="{AE63AD25-1ACF-5E53-29BF-AD0D3ED75559}"/>
+                    </a:ext>
+                  </a:extLst>
+                </p:cNvPr>
+                <p:cNvSpPr/>
+                <p:nvPr/>
+              </p:nvSpPr>
+              <p:spPr>
+                <a:xfrm>
+                  <a:off x="1718825" y="3230305"/>
+                  <a:ext cx="521902" cy="645459"/>
+                </a:xfrm>
+                <a:custGeom>
+                  <a:avLst/>
+                  <a:gdLst>
+                    <a:gd name="connsiteX0" fmla="*/ 521902 w 521902"/>
+                    <a:gd name="connsiteY0" fmla="*/ 0 h 645459"/>
+                    <a:gd name="connsiteX1" fmla="*/ 299065 w 521902"/>
+                    <a:gd name="connsiteY1" fmla="*/ 53788 h 645459"/>
+                    <a:gd name="connsiteX2" fmla="*/ 37808 w 521902"/>
+                    <a:gd name="connsiteY2" fmla="*/ 276625 h 645459"/>
+                    <a:gd name="connsiteX3" fmla="*/ 7071 w 521902"/>
+                    <a:gd name="connsiteY3" fmla="*/ 645459 h 645459"/>
+                  </a:gdLst>
+                  <a:ahLst/>
+                  <a:cxnLst>
+                    <a:cxn ang="0">
+                      <a:pos x="connsiteX0" y="connsiteY0"/>
+                    </a:cxn>
+                    <a:cxn ang="0">
+                      <a:pos x="connsiteX1" y="connsiteY1"/>
+                    </a:cxn>
+                    <a:cxn ang="0">
+                      <a:pos x="connsiteX2" y="connsiteY2"/>
+                    </a:cxn>
+                    <a:cxn ang="0">
+                      <a:pos x="connsiteX3" y="connsiteY3"/>
+                    </a:cxn>
+                  </a:cxnLst>
+                  <a:rect l="l" t="t" r="r" b="b"/>
+                  <a:pathLst>
+                    <a:path w="521902" h="645459">
+                      <a:moveTo>
+                        <a:pt x="521902" y="0"/>
+                      </a:moveTo>
+                      <a:cubicBezTo>
+                        <a:pt x="450824" y="3842"/>
+                        <a:pt x="379747" y="7684"/>
+                        <a:pt x="299065" y="53788"/>
+                      </a:cubicBezTo>
+                      <a:cubicBezTo>
+                        <a:pt x="218383" y="99892"/>
+                        <a:pt x="86474" y="178013"/>
+                        <a:pt x="37808" y="276625"/>
+                      </a:cubicBezTo>
+                      <a:cubicBezTo>
+                        <a:pt x="-10858" y="375237"/>
+                        <a:pt x="-1894" y="510348"/>
+                        <a:pt x="7071" y="645459"/>
+                      </a:cubicBezTo>
+                    </a:path>
+                  </a:pathLst>
+                </a:custGeom>
+                <a:noFill/>
+                <a:ln w="25400">
+                  <a:solidFill>
+                    <a:srgbClr val="FF0000"/>
+                  </a:solidFill>
+                  <a:headEnd type="oval"/>
+                  <a:tailEnd type="oval"/>
+                </a:ln>
+              </p:spPr>
+              <p:style>
+                <a:lnRef idx="2">
+                  <a:schemeClr val="accent1">
+                    <a:shade val="15000"/>
+                  </a:schemeClr>
+                </a:lnRef>
+                <a:fillRef idx="1">
+                  <a:schemeClr val="accent1"/>
+                </a:fillRef>
+                <a:effectRef idx="0">
+                  <a:schemeClr val="accent1"/>
+                </a:effectRef>
+                <a:fontRef idx="minor">
+                  <a:schemeClr val="lt1"/>
+                </a:fontRef>
+              </p:style>
+              <p:txBody>
+                <a:bodyPr rtlCol="0" anchor="ctr"/>
+                <a:lstStyle/>
+                <a:p>
+                  <a:pPr algn="ctr"/>
+                  <a:endParaRPr lang="en-US"/>
+                </a:p>
+              </p:txBody>
+            </p:sp>
+          </p:grpSp>
         </p:grpSp>
       </p:grpSp>
+    </p:spTree>
+    <p:extLst>
+      <p:ext uri="{BB962C8B-B14F-4D97-AF65-F5344CB8AC3E}">
+        <p14:creationId xmlns:p14="http://schemas.microsoft.com/office/powerpoint/2010/main" val="1814425346"/>
+      </p:ext>
+    </p:extLst>
+  </p:cSld>
+  <p:clrMapOvr>
+    <a:masterClrMapping/>
+  </p:clrMapOvr>
+</p:sld>
+</file>
+
+<file path=ppt/slides/slide8.xml><?xml version="1.0" encoding="utf-8"?>
+<p:sld xmlns:a="http://schemas.openxmlformats.org/drawingml/2006/main" xmlns:r="http://schemas.openxmlformats.org/officeDocument/2006/relationships" xmlns:p="http://schemas.openxmlformats.org/presentationml/2006/main">
+  <p:cSld>
+    <p:spTree>
+      <p:nvGrpSpPr>
+        <p:cNvPr id="1" name=""/>
+        <p:cNvGrpSpPr/>
+        <p:nvPr/>
+      </p:nvGrpSpPr>
+      <p:grpSpPr>
+        <a:xfrm>
+          <a:off x="0" y="0"/>
+          <a:ext cx="0" cy="0"/>
+          <a:chOff x="0" y="0"/>
+          <a:chExt cx="0" cy="0"/>
+        </a:xfrm>
+      </p:grpSpPr>
+      <p:grpSp>
+        <p:nvGrpSpPr>
+          <p:cNvPr id="10" name="Group 9">
+            <a:extLst>
+              <a:ext uri="{FF2B5EF4-FFF2-40B4-BE49-F238E27FC236}">
+                <a16:creationId xmlns:a16="http://schemas.microsoft.com/office/drawing/2014/main" id="{4B9F3CCF-7F22-8B45-8E59-8AC134E20C89}"/>
+              </a:ext>
+            </a:extLst>
+          </p:cNvPr>
+          <p:cNvGrpSpPr/>
+          <p:nvPr/>
+        </p:nvGrpSpPr>
+        <p:grpSpPr>
+          <a:xfrm>
+            <a:off x="3296230" y="130589"/>
+            <a:ext cx="4888015" cy="6517386"/>
+            <a:chOff x="3296230" y="130589"/>
+            <a:chExt cx="4888015" cy="6517386"/>
+          </a:xfrm>
+        </p:grpSpPr>
+        <p:sp>
+          <p:nvSpPr>
+            <p:cNvPr id="21" name="TextBox 20">
+              <a:extLst>
+                <a:ext uri="{FF2B5EF4-FFF2-40B4-BE49-F238E27FC236}">
+                  <a16:creationId xmlns:a16="http://schemas.microsoft.com/office/drawing/2014/main" id="{AB2CA7B1-EFB1-FC4C-8EB2-160D1928B20D}"/>
+                </a:ext>
+              </a:extLst>
+            </p:cNvPr>
+            <p:cNvSpPr txBox="1"/>
+            <p:nvPr/>
+          </p:nvSpPr>
+          <p:spPr>
+            <a:xfrm>
+              <a:off x="4267202" y="5682183"/>
+              <a:ext cx="3124201" cy="965792"/>
+            </a:xfrm>
+            <a:prstGeom prst="rect">
+              <a:avLst/>
+            </a:prstGeom>
+            <a:noFill/>
+          </p:spPr>
+          <p:txBody>
+            <a:bodyPr wrap="square" lIns="0" tIns="0" rIns="0" bIns="0" rtlCol="0">
+              <a:noAutofit/>
+            </a:bodyPr>
+            <a:lstStyle/>
+            <a:p>
+              <a:r>
+                <a:rPr lang="en-US" sz="8000" dirty="0">
+                  <a:latin typeface="Times New Roman" panose="02020603050405020304" pitchFamily="18" charset="0"/>
+                  <a:cs typeface="Times New Roman" panose="02020603050405020304" pitchFamily="18" charset="0"/>
+                </a:rPr>
+                <a:t>V</a:t>
+              </a:r>
+              <a:r>
+                <a:rPr lang="en-US" sz="6000" dirty="0">
+                  <a:latin typeface="Times New Roman" panose="02020603050405020304" pitchFamily="18" charset="0"/>
+                  <a:cs typeface="Times New Roman" panose="02020603050405020304" pitchFamily="18" charset="0"/>
+                </a:rPr>
+                <a:t>IA</a:t>
+              </a:r>
+              <a:r>
+                <a:rPr lang="en-US" sz="8000" dirty="0">
+                  <a:latin typeface="Times New Roman" panose="02020603050405020304" pitchFamily="18" charset="0"/>
+                  <a:cs typeface="Times New Roman" panose="02020603050405020304" pitchFamily="18" charset="0"/>
+                </a:rPr>
+                <a:t>L</a:t>
+              </a:r>
+              <a:r>
+                <a:rPr lang="en-US" sz="6000" dirty="0">
+                  <a:latin typeface="Times New Roman" panose="02020603050405020304" pitchFamily="18" charset="0"/>
+                  <a:cs typeface="Times New Roman" panose="02020603050405020304" pitchFamily="18" charset="0"/>
+                </a:rPr>
+                <a:t>IN</a:t>
+              </a:r>
+            </a:p>
+          </p:txBody>
+        </p:sp>
+        <p:pic>
+          <p:nvPicPr>
+            <p:cNvPr id="1028" name="Picture 4" descr="Android Logo, symbol, meaning, history, PNG, brand">
+              <a:extLst>
+                <a:ext uri="{FF2B5EF4-FFF2-40B4-BE49-F238E27FC236}">
+                  <a16:creationId xmlns:a16="http://schemas.microsoft.com/office/drawing/2014/main" id="{BE638C0D-5E86-8C85-7EFB-458421BB735B}"/>
+                </a:ext>
+              </a:extLst>
+            </p:cNvPr>
+            <p:cNvPicPr>
+              <a:picLocks noChangeAspect="1" noChangeArrowheads="1"/>
+            </p:cNvPicPr>
+            <p:nvPr/>
+          </p:nvPicPr>
+          <p:blipFill rotWithShape="1">
+            <a:blip r:embed="rId2">
+              <a:extLst>
+                <a:ext uri="{28A0092B-C50C-407E-A947-70E740481C1C}">
+                  <a14:useLocalDpi xmlns:a14="http://schemas.microsoft.com/office/drawing/2010/main" val="0"/>
+                </a:ext>
+              </a:extLst>
+            </a:blip>
+            <a:srcRect l="26055" r="34356"/>
+            <a:stretch/>
+          </p:blipFill>
+          <p:spPr bwMode="auto">
+            <a:xfrm>
+              <a:off x="3296230" y="130589"/>
+              <a:ext cx="3985950" cy="5663441"/>
+            </a:xfrm>
+            <a:prstGeom prst="rect">
+              <a:avLst/>
+            </a:prstGeom>
+            <a:noFill/>
+            <a:extLst>
+              <a:ext uri="{909E8E84-426E-40DD-AFC4-6F175D3DCCD1}">
+                <a14:hiddenFill xmlns:a14="http://schemas.microsoft.com/office/drawing/2010/main">
+                  <a:solidFill>
+                    <a:srgbClr val="FFFFFF"/>
+                  </a:solidFill>
+                </a14:hiddenFill>
+              </a:ext>
+            </a:extLst>
+          </p:spPr>
+        </p:pic>
+        <p:pic>
+          <p:nvPicPr>
+            <p:cNvPr id="6" name="Picture 4" descr="Android Logo, symbol, meaning, history, PNG, brand">
+              <a:extLst>
+                <a:ext uri="{FF2B5EF4-FFF2-40B4-BE49-F238E27FC236}">
+                  <a16:creationId xmlns:a16="http://schemas.microsoft.com/office/drawing/2014/main" id="{BA0C5723-7065-8FE5-CDD0-16A8ABDAEC29}"/>
+                </a:ext>
+              </a:extLst>
+            </p:cNvPr>
+            <p:cNvPicPr>
+              <a:picLocks noChangeAspect="1" noChangeArrowheads="1"/>
+            </p:cNvPicPr>
+            <p:nvPr/>
+          </p:nvPicPr>
+          <p:blipFill rotWithShape="1">
+            <a:blip r:embed="rId2">
+              <a:extLst>
+                <a:ext uri="{28A0092B-C50C-407E-A947-70E740481C1C}">
+                  <a14:useLocalDpi xmlns:a14="http://schemas.microsoft.com/office/drawing/2010/main" val="0"/>
+                </a:ext>
+              </a:extLst>
+            </a:blip>
+            <a:srcRect l="65469" t="30385" r="26120" b="28549"/>
+            <a:stretch/>
+          </p:blipFill>
+          <p:spPr bwMode="auto">
+            <a:xfrm>
+              <a:off x="7337410" y="1816803"/>
+              <a:ext cx="846835" cy="2325757"/>
+            </a:xfrm>
+            <a:prstGeom prst="rect">
+              <a:avLst/>
+            </a:prstGeom>
+            <a:noFill/>
+            <a:extLst>
+              <a:ext uri="{909E8E84-426E-40DD-AFC4-6F175D3DCCD1}">
+                <a14:hiddenFill xmlns:a14="http://schemas.microsoft.com/office/drawing/2010/main">
+                  <a:solidFill>
+                    <a:srgbClr val="FFFFFF"/>
+                  </a:solidFill>
+                </a14:hiddenFill>
+              </a:ext>
+            </a:extLst>
+          </p:spPr>
+        </p:pic>
+        <p:grpSp>
+          <p:nvGrpSpPr>
+            <p:cNvPr id="25" name="Group 24">
+              <a:extLst>
+                <a:ext uri="{FF2B5EF4-FFF2-40B4-BE49-F238E27FC236}">
+                  <a16:creationId xmlns:a16="http://schemas.microsoft.com/office/drawing/2014/main" id="{E9EEF330-5550-0E89-8AA1-DC9E672344C8}"/>
+                </a:ext>
+              </a:extLst>
+            </p:cNvPr>
+            <p:cNvGrpSpPr/>
+            <p:nvPr/>
+          </p:nvGrpSpPr>
+          <p:grpSpPr>
+            <a:xfrm rot="12356945">
+              <a:off x="3726960" y="1395562"/>
+              <a:ext cx="4012468" cy="3893234"/>
+              <a:chOff x="-2" y="805493"/>
+              <a:chExt cx="4572000" cy="4572000"/>
+            </a:xfrm>
+          </p:grpSpPr>
+          <p:sp>
+            <p:nvSpPr>
+              <p:cNvPr id="13" name="Oval 12">
+                <a:extLst>
+                  <a:ext uri="{FF2B5EF4-FFF2-40B4-BE49-F238E27FC236}">
+                    <a16:creationId xmlns:a16="http://schemas.microsoft.com/office/drawing/2014/main" id="{62BF7362-D1C2-7CA3-04A7-56CC76B33600}"/>
+                  </a:ext>
+                </a:extLst>
+              </p:cNvPr>
+              <p:cNvSpPr/>
+              <p:nvPr/>
+            </p:nvSpPr>
+            <p:spPr>
+              <a:xfrm>
+                <a:off x="1687114" y="2549603"/>
+                <a:ext cx="1067727" cy="1067895"/>
+              </a:xfrm>
+              <a:prstGeom prst="ellipse">
+                <a:avLst/>
+              </a:prstGeom>
+              <a:solidFill>
+                <a:srgbClr val="FFC000"/>
+              </a:solidFill>
+              <a:ln>
+                <a:noFill/>
+              </a:ln>
+            </p:spPr>
+            <p:style>
+              <a:lnRef idx="2">
+                <a:schemeClr val="accent1">
+                  <a:shade val="15000"/>
+                </a:schemeClr>
+              </a:lnRef>
+              <a:fillRef idx="1">
+                <a:schemeClr val="accent1"/>
+              </a:fillRef>
+              <a:effectRef idx="0">
+                <a:schemeClr val="accent1"/>
+              </a:effectRef>
+              <a:fontRef idx="minor">
+                <a:schemeClr val="lt1"/>
+              </a:fontRef>
+            </p:style>
+            <p:txBody>
+              <a:bodyPr rtlCol="0" anchor="ctr"/>
+              <a:lstStyle/>
+              <a:p>
+                <a:pPr algn="ctr"/>
+                <a:endParaRPr lang="en-US"/>
+              </a:p>
+            </p:txBody>
+          </p:sp>
+          <p:sp>
+            <p:nvSpPr>
+              <p:cNvPr id="11" name="Oval 10">
+                <a:extLst>
+                  <a:ext uri="{FF2B5EF4-FFF2-40B4-BE49-F238E27FC236}">
+                    <a16:creationId xmlns:a16="http://schemas.microsoft.com/office/drawing/2014/main" id="{6B806B75-EA44-F687-BE9E-2D8ACD0D4176}"/>
+                  </a:ext>
+                </a:extLst>
+              </p:cNvPr>
+              <p:cNvSpPr/>
+              <p:nvPr/>
+            </p:nvSpPr>
+            <p:spPr>
+              <a:xfrm>
+                <a:off x="1848190" y="2253594"/>
+                <a:ext cx="1067727" cy="1067895"/>
+              </a:xfrm>
+              <a:prstGeom prst="ellipse">
+                <a:avLst/>
+              </a:prstGeom>
+              <a:solidFill>
+                <a:srgbClr val="FFC000"/>
+              </a:solidFill>
+              <a:ln>
+                <a:noFill/>
+              </a:ln>
+            </p:spPr>
+            <p:style>
+              <a:lnRef idx="2">
+                <a:schemeClr val="accent1">
+                  <a:shade val="15000"/>
+                </a:schemeClr>
+              </a:lnRef>
+              <a:fillRef idx="1">
+                <a:schemeClr val="accent1"/>
+              </a:fillRef>
+              <a:effectRef idx="0">
+                <a:schemeClr val="accent1"/>
+              </a:effectRef>
+              <a:fontRef idx="minor">
+                <a:schemeClr val="lt1"/>
+              </a:fontRef>
+            </p:style>
+            <p:txBody>
+              <a:bodyPr rtlCol="0" anchor="ctr"/>
+              <a:lstStyle/>
+              <a:p>
+                <a:pPr algn="ctr"/>
+                <a:endParaRPr lang="en-US"/>
+              </a:p>
+            </p:txBody>
+          </p:sp>
+          <p:sp>
+            <p:nvSpPr>
+              <p:cNvPr id="12" name="Oval 11">
+                <a:extLst>
+                  <a:ext uri="{FF2B5EF4-FFF2-40B4-BE49-F238E27FC236}">
+                    <a16:creationId xmlns:a16="http://schemas.microsoft.com/office/drawing/2014/main" id="{BDF1D60F-2977-A235-F07C-467B992DC148}"/>
+                  </a:ext>
+                </a:extLst>
+              </p:cNvPr>
+              <p:cNvSpPr/>
+              <p:nvPr/>
+            </p:nvSpPr>
+            <p:spPr>
+              <a:xfrm>
+                <a:off x="2142367" y="2476272"/>
+                <a:ext cx="1067727" cy="1067895"/>
+              </a:xfrm>
+              <a:prstGeom prst="ellipse">
+                <a:avLst/>
+              </a:prstGeom>
+              <a:solidFill>
+                <a:srgbClr val="FFC000"/>
+              </a:solidFill>
+              <a:ln>
+                <a:noFill/>
+              </a:ln>
+            </p:spPr>
+            <p:style>
+              <a:lnRef idx="2">
+                <a:schemeClr val="accent1">
+                  <a:shade val="15000"/>
+                </a:schemeClr>
+              </a:lnRef>
+              <a:fillRef idx="1">
+                <a:schemeClr val="accent1"/>
+              </a:fillRef>
+              <a:effectRef idx="0">
+                <a:schemeClr val="accent1"/>
+              </a:effectRef>
+              <a:fontRef idx="minor">
+                <a:schemeClr val="lt1"/>
+              </a:fontRef>
+            </p:style>
+            <p:txBody>
+              <a:bodyPr rtlCol="0" anchor="ctr"/>
+              <a:lstStyle/>
+              <a:p>
+                <a:pPr algn="ctr"/>
+                <a:endParaRPr lang="en-US"/>
+              </a:p>
+            </p:txBody>
+          </p:sp>
+          <p:sp>
+            <p:nvSpPr>
+              <p:cNvPr id="14" name="Oval 13">
+                <a:extLst>
+                  <a:ext uri="{FF2B5EF4-FFF2-40B4-BE49-F238E27FC236}">
+                    <a16:creationId xmlns:a16="http://schemas.microsoft.com/office/drawing/2014/main" id="{2DC1838C-267E-DDDB-C3B2-080D6CBD7354}"/>
+                  </a:ext>
+                </a:extLst>
+              </p:cNvPr>
+              <p:cNvSpPr/>
+              <p:nvPr/>
+            </p:nvSpPr>
+            <p:spPr>
+              <a:xfrm>
+                <a:off x="1878843" y="2638921"/>
+                <a:ext cx="1067727" cy="1067895"/>
+              </a:xfrm>
+              <a:prstGeom prst="ellipse">
+                <a:avLst/>
+              </a:prstGeom>
+              <a:solidFill>
+                <a:srgbClr val="FFC000"/>
+              </a:solidFill>
+              <a:ln>
+                <a:noFill/>
+              </a:ln>
+            </p:spPr>
+            <p:style>
+              <a:lnRef idx="2">
+                <a:schemeClr val="accent1">
+                  <a:shade val="15000"/>
+                </a:schemeClr>
+              </a:lnRef>
+              <a:fillRef idx="1">
+                <a:schemeClr val="accent1"/>
+              </a:fillRef>
+              <a:effectRef idx="0">
+                <a:schemeClr val="accent1"/>
+              </a:effectRef>
+              <a:fontRef idx="minor">
+                <a:schemeClr val="lt1"/>
+              </a:fontRef>
+            </p:style>
+            <p:txBody>
+              <a:bodyPr rtlCol="0" anchor="ctr"/>
+              <a:lstStyle/>
+              <a:p>
+                <a:pPr algn="ctr"/>
+                <a:endParaRPr lang="en-US"/>
+              </a:p>
+            </p:txBody>
+          </p:sp>
+          <p:sp>
+            <p:nvSpPr>
+              <p:cNvPr id="15" name="Oval 14">
+                <a:extLst>
+                  <a:ext uri="{FF2B5EF4-FFF2-40B4-BE49-F238E27FC236}">
+                    <a16:creationId xmlns:a16="http://schemas.microsoft.com/office/drawing/2014/main" id="{7A81D0A6-D4F2-3FC0-9798-0B4590FBB6B4}"/>
+                  </a:ext>
+                </a:extLst>
+              </p:cNvPr>
+              <p:cNvSpPr/>
+              <p:nvPr/>
+            </p:nvSpPr>
+            <p:spPr>
+              <a:xfrm>
+                <a:off x="1490626" y="2953656"/>
+                <a:ext cx="944476" cy="996523"/>
+              </a:xfrm>
+              <a:prstGeom prst="ellipse">
+                <a:avLst/>
+              </a:prstGeom>
+              <a:solidFill>
+                <a:srgbClr val="FFC000"/>
+              </a:solidFill>
+              <a:ln>
+                <a:noFill/>
+              </a:ln>
+            </p:spPr>
+            <p:style>
+              <a:lnRef idx="2">
+                <a:schemeClr val="accent1">
+                  <a:shade val="15000"/>
+                </a:schemeClr>
+              </a:lnRef>
+              <a:fillRef idx="1">
+                <a:schemeClr val="accent1"/>
+              </a:fillRef>
+              <a:effectRef idx="0">
+                <a:schemeClr val="accent1"/>
+              </a:effectRef>
+              <a:fontRef idx="minor">
+                <a:schemeClr val="lt1"/>
+              </a:fontRef>
+            </p:style>
+            <p:txBody>
+              <a:bodyPr rtlCol="0" anchor="ctr"/>
+              <a:lstStyle/>
+              <a:p>
+                <a:pPr algn="ctr"/>
+                <a:endParaRPr lang="en-US"/>
+              </a:p>
+            </p:txBody>
+          </p:sp>
+          <p:sp>
+            <p:nvSpPr>
+              <p:cNvPr id="16" name="Oval 15">
+                <a:extLst>
+                  <a:ext uri="{FF2B5EF4-FFF2-40B4-BE49-F238E27FC236}">
+                    <a16:creationId xmlns:a16="http://schemas.microsoft.com/office/drawing/2014/main" id="{0293BB0F-6215-AE1D-B40C-7FEF37AD72D7}"/>
+                  </a:ext>
+                </a:extLst>
+              </p:cNvPr>
+              <p:cNvSpPr/>
+              <p:nvPr/>
+            </p:nvSpPr>
+            <p:spPr>
+              <a:xfrm>
+                <a:off x="1125498" y="3315025"/>
+                <a:ext cx="944476" cy="996523"/>
+              </a:xfrm>
+              <a:prstGeom prst="ellipse">
+                <a:avLst/>
+              </a:prstGeom>
+              <a:solidFill>
+                <a:srgbClr val="FFC000"/>
+              </a:solidFill>
+              <a:ln>
+                <a:noFill/>
+              </a:ln>
+            </p:spPr>
+            <p:style>
+              <a:lnRef idx="2">
+                <a:schemeClr val="accent1">
+                  <a:shade val="15000"/>
+                </a:schemeClr>
+              </a:lnRef>
+              <a:fillRef idx="1">
+                <a:schemeClr val="accent1"/>
+              </a:fillRef>
+              <a:effectRef idx="0">
+                <a:schemeClr val="accent1"/>
+              </a:effectRef>
+              <a:fontRef idx="minor">
+                <a:schemeClr val="lt1"/>
+              </a:fontRef>
+            </p:style>
+            <p:txBody>
+              <a:bodyPr rtlCol="0" anchor="ctr"/>
+              <a:lstStyle/>
+              <a:p>
+                <a:pPr algn="ctr"/>
+                <a:endParaRPr lang="en-US"/>
+              </a:p>
+            </p:txBody>
+          </p:sp>
+          <p:sp>
+            <p:nvSpPr>
+              <p:cNvPr id="17" name="Oval 16">
+                <a:extLst>
+                  <a:ext uri="{FF2B5EF4-FFF2-40B4-BE49-F238E27FC236}">
+                    <a16:creationId xmlns:a16="http://schemas.microsoft.com/office/drawing/2014/main" id="{21F04D9A-923A-BEF9-264B-8E54F97E4938}"/>
+                  </a:ext>
+                </a:extLst>
+              </p:cNvPr>
+              <p:cNvSpPr/>
+              <p:nvPr/>
+            </p:nvSpPr>
+            <p:spPr>
+              <a:xfrm>
+                <a:off x="413558" y="3451917"/>
+                <a:ext cx="1067727" cy="1067895"/>
+              </a:xfrm>
+              <a:prstGeom prst="ellipse">
+                <a:avLst/>
+              </a:prstGeom>
+              <a:solidFill>
+                <a:srgbClr val="FFC000"/>
+              </a:solidFill>
+              <a:ln>
+                <a:noFill/>
+              </a:ln>
+            </p:spPr>
+            <p:style>
+              <a:lnRef idx="2">
+                <a:schemeClr val="accent1">
+                  <a:shade val="15000"/>
+                </a:schemeClr>
+              </a:lnRef>
+              <a:fillRef idx="1">
+                <a:schemeClr val="accent1"/>
+              </a:fillRef>
+              <a:effectRef idx="0">
+                <a:schemeClr val="accent1"/>
+              </a:effectRef>
+              <a:fontRef idx="minor">
+                <a:schemeClr val="lt1"/>
+              </a:fontRef>
+            </p:style>
+            <p:txBody>
+              <a:bodyPr rtlCol="0" anchor="ctr"/>
+              <a:lstStyle/>
+              <a:p>
+                <a:pPr algn="ctr"/>
+                <a:endParaRPr lang="en-US"/>
+              </a:p>
+            </p:txBody>
+          </p:sp>
+          <p:sp>
+            <p:nvSpPr>
+              <p:cNvPr id="18" name="Oval 17">
+                <a:extLst>
+                  <a:ext uri="{FF2B5EF4-FFF2-40B4-BE49-F238E27FC236}">
+                    <a16:creationId xmlns:a16="http://schemas.microsoft.com/office/drawing/2014/main" id="{BE8907FF-F7E4-2CDF-4C13-CCF5DF3AE414}"/>
+                  </a:ext>
+                </a:extLst>
+              </p:cNvPr>
+              <p:cNvSpPr/>
+              <p:nvPr/>
+            </p:nvSpPr>
+            <p:spPr>
+              <a:xfrm>
+                <a:off x="182264" y="3599289"/>
+                <a:ext cx="1067727" cy="1067895"/>
+              </a:xfrm>
+              <a:prstGeom prst="ellipse">
+                <a:avLst/>
+              </a:prstGeom>
+              <a:solidFill>
+                <a:srgbClr val="FFC000"/>
+              </a:solidFill>
+              <a:ln>
+                <a:noFill/>
+              </a:ln>
+            </p:spPr>
+            <p:style>
+              <a:lnRef idx="2">
+                <a:schemeClr val="accent1">
+                  <a:shade val="15000"/>
+                </a:schemeClr>
+              </a:lnRef>
+              <a:fillRef idx="1">
+                <a:schemeClr val="accent1"/>
+              </a:fillRef>
+              <a:effectRef idx="0">
+                <a:schemeClr val="accent1"/>
+              </a:effectRef>
+              <a:fontRef idx="minor">
+                <a:schemeClr val="lt1"/>
+              </a:fontRef>
+            </p:style>
+            <p:txBody>
+              <a:bodyPr rtlCol="0" anchor="ctr"/>
+              <a:lstStyle/>
+              <a:p>
+                <a:pPr algn="ctr"/>
+                <a:endParaRPr lang="en-US"/>
+              </a:p>
+            </p:txBody>
+          </p:sp>
+          <p:sp>
+            <p:nvSpPr>
+              <p:cNvPr id="19" name="Oval 18">
+                <a:extLst>
+                  <a:ext uri="{FF2B5EF4-FFF2-40B4-BE49-F238E27FC236}">
+                    <a16:creationId xmlns:a16="http://schemas.microsoft.com/office/drawing/2014/main" id="{1B344A12-2831-18FD-6F26-D650D225C4BC}"/>
+                  </a:ext>
+                </a:extLst>
+              </p:cNvPr>
+              <p:cNvSpPr/>
+              <p:nvPr/>
+            </p:nvSpPr>
+            <p:spPr>
+              <a:xfrm>
+                <a:off x="213973" y="3828874"/>
+                <a:ext cx="1067727" cy="1067895"/>
+              </a:xfrm>
+              <a:prstGeom prst="ellipse">
+                <a:avLst/>
+              </a:prstGeom>
+              <a:solidFill>
+                <a:srgbClr val="FFC000"/>
+              </a:solidFill>
+              <a:ln>
+                <a:noFill/>
+              </a:ln>
+            </p:spPr>
+            <p:style>
+              <a:lnRef idx="2">
+                <a:schemeClr val="accent1">
+                  <a:shade val="15000"/>
+                </a:schemeClr>
+              </a:lnRef>
+              <a:fillRef idx="1">
+                <a:schemeClr val="accent1"/>
+              </a:fillRef>
+              <a:effectRef idx="0">
+                <a:schemeClr val="accent1"/>
+              </a:effectRef>
+              <a:fontRef idx="minor">
+                <a:schemeClr val="lt1"/>
+              </a:fontRef>
+            </p:style>
+            <p:txBody>
+              <a:bodyPr rtlCol="0" anchor="ctr"/>
+              <a:lstStyle/>
+              <a:p>
+                <a:pPr algn="ctr"/>
+                <a:endParaRPr lang="en-US"/>
+              </a:p>
+            </p:txBody>
+          </p:sp>
+          <p:sp>
+            <p:nvSpPr>
+              <p:cNvPr id="20" name="Oval 19">
+                <a:extLst>
+                  <a:ext uri="{FF2B5EF4-FFF2-40B4-BE49-F238E27FC236}">
+                    <a16:creationId xmlns:a16="http://schemas.microsoft.com/office/drawing/2014/main" id="{4E51E7EC-29A5-0626-900A-60272F6441D4}"/>
+                  </a:ext>
+                </a:extLst>
+              </p:cNvPr>
+              <p:cNvSpPr/>
+              <p:nvPr/>
+            </p:nvSpPr>
+            <p:spPr>
+              <a:xfrm>
+                <a:off x="476608" y="4099814"/>
+                <a:ext cx="1067727" cy="1067895"/>
+              </a:xfrm>
+              <a:prstGeom prst="ellipse">
+                <a:avLst/>
+              </a:prstGeom>
+              <a:solidFill>
+                <a:srgbClr val="FFC000"/>
+              </a:solidFill>
+              <a:ln>
+                <a:noFill/>
+              </a:ln>
+            </p:spPr>
+            <p:style>
+              <a:lnRef idx="2">
+                <a:schemeClr val="accent1">
+                  <a:shade val="15000"/>
+                </a:schemeClr>
+              </a:lnRef>
+              <a:fillRef idx="1">
+                <a:schemeClr val="accent1"/>
+              </a:fillRef>
+              <a:effectRef idx="0">
+                <a:schemeClr val="accent1"/>
+              </a:effectRef>
+              <a:fontRef idx="minor">
+                <a:schemeClr val="lt1"/>
+              </a:fontRef>
+            </p:style>
+            <p:txBody>
+              <a:bodyPr rtlCol="0" anchor="ctr"/>
+              <a:lstStyle/>
+              <a:p>
+                <a:pPr algn="ctr"/>
+                <a:endParaRPr lang="en-US"/>
+              </a:p>
+            </p:txBody>
+          </p:sp>
+          <p:sp>
+            <p:nvSpPr>
+              <p:cNvPr id="22" name="Oval 21">
+                <a:extLst>
+                  <a:ext uri="{FF2B5EF4-FFF2-40B4-BE49-F238E27FC236}">
+                    <a16:creationId xmlns:a16="http://schemas.microsoft.com/office/drawing/2014/main" id="{D1D9D935-D7E2-3FC4-568E-E84C81B2C031}"/>
+                  </a:ext>
+                </a:extLst>
+              </p:cNvPr>
+              <p:cNvSpPr/>
+              <p:nvPr/>
+            </p:nvSpPr>
+            <p:spPr>
+              <a:xfrm>
+                <a:off x="731982" y="4205681"/>
+                <a:ext cx="1067727" cy="1067895"/>
+              </a:xfrm>
+              <a:prstGeom prst="ellipse">
+                <a:avLst/>
+              </a:prstGeom>
+              <a:solidFill>
+                <a:srgbClr val="FFC000"/>
+              </a:solidFill>
+              <a:ln>
+                <a:noFill/>
+              </a:ln>
+            </p:spPr>
+            <p:style>
+              <a:lnRef idx="2">
+                <a:schemeClr val="accent1">
+                  <a:shade val="15000"/>
+                </a:schemeClr>
+              </a:lnRef>
+              <a:fillRef idx="1">
+                <a:schemeClr val="accent1"/>
+              </a:fillRef>
+              <a:effectRef idx="0">
+                <a:schemeClr val="accent1"/>
+              </a:effectRef>
+              <a:fontRef idx="minor">
+                <a:schemeClr val="lt1"/>
+              </a:fontRef>
+            </p:style>
+            <p:txBody>
+              <a:bodyPr rtlCol="0" anchor="ctr"/>
+              <a:lstStyle/>
+              <a:p>
+                <a:pPr algn="ctr"/>
+                <a:endParaRPr lang="en-US"/>
+              </a:p>
+            </p:txBody>
+          </p:sp>
+          <p:sp>
+            <p:nvSpPr>
+              <p:cNvPr id="23" name="Oval 22">
+                <a:extLst>
+                  <a:ext uri="{FF2B5EF4-FFF2-40B4-BE49-F238E27FC236}">
+                    <a16:creationId xmlns:a16="http://schemas.microsoft.com/office/drawing/2014/main" id="{09352A47-8C11-3687-C0D4-F43AE3D9B633}"/>
+                  </a:ext>
+                </a:extLst>
+              </p:cNvPr>
+              <p:cNvSpPr/>
+              <p:nvPr/>
+            </p:nvSpPr>
+            <p:spPr>
+              <a:xfrm>
+                <a:off x="905538" y="3954151"/>
+                <a:ext cx="1067727" cy="1067895"/>
+              </a:xfrm>
+              <a:prstGeom prst="ellipse">
+                <a:avLst/>
+              </a:prstGeom>
+              <a:solidFill>
+                <a:srgbClr val="FFC000"/>
+              </a:solidFill>
+              <a:ln>
+                <a:noFill/>
+              </a:ln>
+            </p:spPr>
+            <p:style>
+              <a:lnRef idx="2">
+                <a:schemeClr val="accent1">
+                  <a:shade val="15000"/>
+                </a:schemeClr>
+              </a:lnRef>
+              <a:fillRef idx="1">
+                <a:schemeClr val="accent1"/>
+              </a:fillRef>
+              <a:effectRef idx="0">
+                <a:schemeClr val="accent1"/>
+              </a:effectRef>
+              <a:fontRef idx="minor">
+                <a:schemeClr val="lt1"/>
+              </a:fontRef>
+            </p:style>
+            <p:txBody>
+              <a:bodyPr rtlCol="0" anchor="ctr"/>
+              <a:lstStyle/>
+              <a:p>
+                <a:pPr algn="ctr"/>
+                <a:endParaRPr lang="en-US"/>
+              </a:p>
+            </p:txBody>
+          </p:sp>
+          <p:sp>
+            <p:nvSpPr>
+              <p:cNvPr id="24" name="Oval 23">
+                <a:extLst>
+                  <a:ext uri="{FF2B5EF4-FFF2-40B4-BE49-F238E27FC236}">
+                    <a16:creationId xmlns:a16="http://schemas.microsoft.com/office/drawing/2014/main" id="{35A10B96-633C-5CC9-CDB9-2C16B7D09CA6}"/>
+                  </a:ext>
+                </a:extLst>
+              </p:cNvPr>
+              <p:cNvSpPr/>
+              <p:nvPr/>
+            </p:nvSpPr>
+            <p:spPr>
+              <a:xfrm>
+                <a:off x="898957" y="3730806"/>
+                <a:ext cx="1067727" cy="1067895"/>
+              </a:xfrm>
+              <a:prstGeom prst="ellipse">
+                <a:avLst/>
+              </a:prstGeom>
+              <a:solidFill>
+                <a:srgbClr val="FFC000"/>
+              </a:solidFill>
+              <a:ln>
+                <a:noFill/>
+              </a:ln>
+            </p:spPr>
+            <p:style>
+              <a:lnRef idx="2">
+                <a:schemeClr val="accent1">
+                  <a:shade val="15000"/>
+                </a:schemeClr>
+              </a:lnRef>
+              <a:fillRef idx="1">
+                <a:schemeClr val="accent1"/>
+              </a:fillRef>
+              <a:effectRef idx="0">
+                <a:schemeClr val="accent1"/>
+              </a:effectRef>
+              <a:fontRef idx="minor">
+                <a:schemeClr val="lt1"/>
+              </a:fontRef>
+            </p:style>
+            <p:txBody>
+              <a:bodyPr rtlCol="0" anchor="ctr"/>
+              <a:lstStyle/>
+              <a:p>
+                <a:pPr algn="ctr"/>
+                <a:endParaRPr lang="en-US"/>
+              </a:p>
+            </p:txBody>
+          </p:sp>
+          <p:grpSp>
+            <p:nvGrpSpPr>
+              <p:cNvPr id="9" name="Group 8">
+                <a:extLst>
+                  <a:ext uri="{FF2B5EF4-FFF2-40B4-BE49-F238E27FC236}">
+                    <a16:creationId xmlns:a16="http://schemas.microsoft.com/office/drawing/2014/main" id="{CF1BF6D9-4190-9459-08B2-EA8CE6CD5D17}"/>
+                  </a:ext>
+                </a:extLst>
+              </p:cNvPr>
+              <p:cNvGrpSpPr/>
+              <p:nvPr/>
+            </p:nvGrpSpPr>
+            <p:grpSpPr>
+              <a:xfrm>
+                <a:off x="-2" y="805493"/>
+                <a:ext cx="4572000" cy="4572000"/>
+                <a:chOff x="0" y="805493"/>
+                <a:chExt cx="4572000" cy="4572000"/>
+              </a:xfrm>
+            </p:grpSpPr>
+            <p:pic>
+              <p:nvPicPr>
+                <p:cNvPr id="1030" name="Picture 6">
+                  <a:extLst>
+                    <a:ext uri="{FF2B5EF4-FFF2-40B4-BE49-F238E27FC236}">
+                      <a16:creationId xmlns:a16="http://schemas.microsoft.com/office/drawing/2014/main" id="{DDC59845-C797-BB23-48ED-5675E34E9DF7}"/>
+                    </a:ext>
+                  </a:extLst>
+                </p:cNvPr>
+                <p:cNvPicPr>
+                  <a:picLocks noChangeAspect="1" noChangeArrowheads="1"/>
+                </p:cNvPicPr>
+                <p:nvPr/>
+              </p:nvPicPr>
+              <p:blipFill>
+                <a:blip r:embed="rId3">
+                  <a:extLst>
+                    <a:ext uri="{28A0092B-C50C-407E-A947-70E740481C1C}">
+                      <a14:useLocalDpi xmlns:a14="http://schemas.microsoft.com/office/drawing/2010/main" val="0"/>
+                    </a:ext>
+                  </a:extLst>
+                </a:blip>
+                <a:srcRect/>
+                <a:stretch>
+                  <a:fillRect/>
+                </a:stretch>
+              </p:blipFill>
+              <p:spPr bwMode="auto">
+                <a:xfrm>
+                  <a:off x="0" y="805493"/>
+                  <a:ext cx="4572000" cy="4572000"/>
+                </a:xfrm>
+                <a:prstGeom prst="rect">
+                  <a:avLst/>
+                </a:prstGeom>
+                <a:noFill/>
+                <a:extLst>
+                  <a:ext uri="{909E8E84-426E-40DD-AFC4-6F175D3DCCD1}">
+                    <a14:hiddenFill xmlns:a14="http://schemas.microsoft.com/office/drawing/2010/main">
+                      <a:solidFill>
+                        <a:srgbClr val="FFFFFF"/>
+                      </a:solidFill>
+                    </a14:hiddenFill>
+                  </a:ext>
+                </a:extLst>
+              </p:spPr>
+            </p:pic>
+            <p:sp>
+              <p:nvSpPr>
+                <p:cNvPr id="2" name="Rectangle 1">
+                  <a:extLst>
+                    <a:ext uri="{FF2B5EF4-FFF2-40B4-BE49-F238E27FC236}">
+                      <a16:creationId xmlns:a16="http://schemas.microsoft.com/office/drawing/2014/main" id="{E550CB5D-2998-F0CD-CF78-52E7F517C2F4}"/>
+                    </a:ext>
+                  </a:extLst>
+                </p:cNvPr>
+                <p:cNvSpPr/>
+                <p:nvPr/>
+              </p:nvSpPr>
+              <p:spPr>
+                <a:xfrm rot="2684933">
+                  <a:off x="1726986" y="3091907"/>
+                  <a:ext cx="457200" cy="870126"/>
+                </a:xfrm>
+                <a:prstGeom prst="rect">
+                  <a:avLst/>
+                </a:prstGeom>
+                <a:solidFill>
+                  <a:srgbClr val="FFC000"/>
+                </a:solidFill>
+                <a:ln>
+                  <a:noFill/>
+                </a:ln>
+              </p:spPr>
+              <p:style>
+                <a:lnRef idx="2">
+                  <a:schemeClr val="accent1">
+                    <a:shade val="15000"/>
+                  </a:schemeClr>
+                </a:lnRef>
+                <a:fillRef idx="1">
+                  <a:schemeClr val="accent1"/>
+                </a:fillRef>
+                <a:effectRef idx="0">
+                  <a:schemeClr val="accent1"/>
+                </a:effectRef>
+                <a:fontRef idx="minor">
+                  <a:schemeClr val="lt1"/>
+                </a:fontRef>
+              </p:style>
+              <p:txBody>
+                <a:bodyPr rtlCol="0" anchor="ctr"/>
+                <a:lstStyle/>
+                <a:p>
+                  <a:pPr algn="ctr"/>
+                  <a:endParaRPr lang="en-US"/>
+                </a:p>
+              </p:txBody>
+            </p:sp>
+            <p:sp>
+              <p:nvSpPr>
+                <p:cNvPr id="4" name="Freeform 3">
+                  <a:extLst>
+                    <a:ext uri="{FF2B5EF4-FFF2-40B4-BE49-F238E27FC236}">
+                      <a16:creationId xmlns:a16="http://schemas.microsoft.com/office/drawing/2014/main" id="{B107C9CF-4703-295D-98BF-3A761635A8E3}"/>
+                    </a:ext>
+                  </a:extLst>
+                </p:cNvPr>
+                <p:cNvSpPr/>
+                <p:nvPr/>
+              </p:nvSpPr>
+              <p:spPr>
+                <a:xfrm>
+                  <a:off x="1663553" y="3104351"/>
+                  <a:ext cx="467935" cy="721942"/>
+                </a:xfrm>
+                <a:custGeom>
+                  <a:avLst/>
+                  <a:gdLst>
+                    <a:gd name="connsiteX0" fmla="*/ 476410 w 476410"/>
+                    <a:gd name="connsiteY0" fmla="*/ 0 h 722299"/>
+                    <a:gd name="connsiteX1" fmla="*/ 230521 w 476410"/>
+                    <a:gd name="connsiteY1" fmla="*/ 245889 h 722299"/>
+                    <a:gd name="connsiteX2" fmla="*/ 368834 w 476410"/>
+                    <a:gd name="connsiteY2" fmla="*/ 468726 h 722299"/>
+                    <a:gd name="connsiteX3" fmla="*/ 0 w 476410"/>
+                    <a:gd name="connsiteY3" fmla="*/ 722299 h 722299"/>
+                  </a:gdLst>
+                  <a:ahLst/>
+                  <a:cxnLst>
+                    <a:cxn ang="0">
+                      <a:pos x="connsiteX0" y="connsiteY0"/>
+                    </a:cxn>
+                    <a:cxn ang="0">
+                      <a:pos x="connsiteX1" y="connsiteY1"/>
+                    </a:cxn>
+                    <a:cxn ang="0">
+                      <a:pos x="connsiteX2" y="connsiteY2"/>
+                    </a:cxn>
+                    <a:cxn ang="0">
+                      <a:pos x="connsiteX3" y="connsiteY3"/>
+                    </a:cxn>
+                  </a:cxnLst>
+                  <a:rect l="l" t="t" r="r" b="b"/>
+                  <a:pathLst>
+                    <a:path w="476410" h="722299">
+                      <a:moveTo>
+                        <a:pt x="476410" y="0"/>
+                      </a:moveTo>
+                      <a:cubicBezTo>
+                        <a:pt x="362430" y="83884"/>
+                        <a:pt x="248450" y="167768"/>
+                        <a:pt x="230521" y="245889"/>
+                      </a:cubicBezTo>
+                      <a:cubicBezTo>
+                        <a:pt x="212592" y="324010"/>
+                        <a:pt x="407254" y="389324"/>
+                        <a:pt x="368834" y="468726"/>
+                      </a:cubicBezTo>
+                      <a:cubicBezTo>
+                        <a:pt x="330414" y="548128"/>
+                        <a:pt x="165207" y="635213"/>
+                        <a:pt x="0" y="722299"/>
+                      </a:cubicBezTo>
+                    </a:path>
+                  </a:pathLst>
+                </a:custGeom>
+                <a:noFill/>
+                <a:ln w="25400">
+                  <a:solidFill>
+                    <a:srgbClr val="79C257"/>
+                  </a:solidFill>
+                  <a:headEnd type="oval"/>
+                  <a:tailEnd type="oval"/>
+                </a:ln>
+              </p:spPr>
+              <p:style>
+                <a:lnRef idx="2">
+                  <a:schemeClr val="accent1">
+                    <a:shade val="15000"/>
+                  </a:schemeClr>
+                </a:lnRef>
+                <a:fillRef idx="1">
+                  <a:schemeClr val="accent1"/>
+                </a:fillRef>
+                <a:effectRef idx="0">
+                  <a:schemeClr val="accent1"/>
+                </a:effectRef>
+                <a:fontRef idx="minor">
+                  <a:schemeClr val="lt1"/>
+                </a:fontRef>
+              </p:style>
+              <p:txBody>
+                <a:bodyPr rtlCol="0" anchor="ctr"/>
+                <a:lstStyle/>
+                <a:p>
+                  <a:pPr algn="ctr"/>
+                  <a:endParaRPr lang="en-US" dirty="0"/>
+                </a:p>
+              </p:txBody>
+            </p:sp>
+            <p:sp>
+              <p:nvSpPr>
+                <p:cNvPr id="5" name="Freeform 4">
+                  <a:extLst>
+                    <a:ext uri="{FF2B5EF4-FFF2-40B4-BE49-F238E27FC236}">
+                      <a16:creationId xmlns:a16="http://schemas.microsoft.com/office/drawing/2014/main" id="{633C71A5-C14F-1AA9-5B93-99AD98BFA9AE}"/>
+                    </a:ext>
+                  </a:extLst>
+                </p:cNvPr>
+                <p:cNvSpPr/>
+                <p:nvPr/>
+              </p:nvSpPr>
+              <p:spPr>
+                <a:xfrm>
+                  <a:off x="1535329" y="3163525"/>
+                  <a:ext cx="656282" cy="535264"/>
+                </a:xfrm>
+                <a:custGeom>
+                  <a:avLst/>
+                  <a:gdLst>
+                    <a:gd name="connsiteX0" fmla="*/ 622406 w 622406"/>
+                    <a:gd name="connsiteY0" fmla="*/ 0 h 537882"/>
+                    <a:gd name="connsiteX1" fmla="*/ 468726 w 622406"/>
+                    <a:gd name="connsiteY1" fmla="*/ 245889 h 537882"/>
+                    <a:gd name="connsiteX2" fmla="*/ 0 w 622406"/>
+                    <a:gd name="connsiteY2" fmla="*/ 537882 h 537882"/>
+                  </a:gdLst>
+                  <a:ahLst/>
+                  <a:cxnLst>
+                    <a:cxn ang="0">
+                      <a:pos x="connsiteX0" y="connsiteY0"/>
+                    </a:cxn>
+                    <a:cxn ang="0">
+                      <a:pos x="connsiteX1" y="connsiteY1"/>
+                    </a:cxn>
+                    <a:cxn ang="0">
+                      <a:pos x="connsiteX2" y="connsiteY2"/>
+                    </a:cxn>
+                  </a:cxnLst>
+                  <a:rect l="l" t="t" r="r" b="b"/>
+                  <a:pathLst>
+                    <a:path w="622406" h="537882">
+                      <a:moveTo>
+                        <a:pt x="622406" y="0"/>
+                      </a:moveTo>
+                      <a:cubicBezTo>
+                        <a:pt x="597433" y="78121"/>
+                        <a:pt x="572460" y="156242"/>
+                        <a:pt x="468726" y="245889"/>
+                      </a:cubicBezTo>
+                      <a:cubicBezTo>
+                        <a:pt x="364992" y="335536"/>
+                        <a:pt x="182496" y="436709"/>
+                        <a:pt x="0" y="537882"/>
+                      </a:cubicBezTo>
+                    </a:path>
+                  </a:pathLst>
+                </a:custGeom>
+                <a:noFill/>
+                <a:ln w="25400">
+                  <a:solidFill>
+                    <a:srgbClr val="7030A0"/>
+                  </a:solidFill>
+                  <a:headEnd type="oval"/>
+                  <a:tailEnd type="oval"/>
+                </a:ln>
+              </p:spPr>
+              <p:style>
+                <a:lnRef idx="2">
+                  <a:schemeClr val="accent1">
+                    <a:shade val="15000"/>
+                  </a:schemeClr>
+                </a:lnRef>
+                <a:fillRef idx="1">
+                  <a:schemeClr val="accent1"/>
+                </a:fillRef>
+                <a:effectRef idx="0">
+                  <a:schemeClr val="accent1"/>
+                </a:effectRef>
+                <a:fontRef idx="minor">
+                  <a:schemeClr val="lt1"/>
+                </a:fontRef>
+              </p:style>
+              <p:txBody>
+                <a:bodyPr rtlCol="0" anchor="ctr"/>
+                <a:lstStyle/>
+                <a:p>
+                  <a:pPr algn="ctr"/>
+                  <a:endParaRPr lang="en-US"/>
+                </a:p>
+              </p:txBody>
+            </p:sp>
+            <p:sp>
+              <p:nvSpPr>
+                <p:cNvPr id="7" name="Freeform 6">
+                  <a:extLst>
+                    <a:ext uri="{FF2B5EF4-FFF2-40B4-BE49-F238E27FC236}">
+                      <a16:creationId xmlns:a16="http://schemas.microsoft.com/office/drawing/2014/main" id="{173CC44D-2DE0-7499-D93E-02DB1E0D54AB}"/>
+                    </a:ext>
+                  </a:extLst>
+                </p:cNvPr>
+                <p:cNvSpPr/>
+                <p:nvPr/>
+              </p:nvSpPr>
+              <p:spPr>
+                <a:xfrm>
+                  <a:off x="1605963" y="3288766"/>
+                  <a:ext cx="699247" cy="476410"/>
+                </a:xfrm>
+                <a:custGeom>
+                  <a:avLst/>
+                  <a:gdLst>
+                    <a:gd name="connsiteX0" fmla="*/ 699247 w 699247"/>
+                    <a:gd name="connsiteY0" fmla="*/ 0 h 476410"/>
+                    <a:gd name="connsiteX1" fmla="*/ 291993 w 699247"/>
+                    <a:gd name="connsiteY1" fmla="*/ 315046 h 476410"/>
+                    <a:gd name="connsiteX2" fmla="*/ 0 w 699247"/>
+                    <a:gd name="connsiteY2" fmla="*/ 476410 h 476410"/>
+                  </a:gdLst>
+                  <a:ahLst/>
+                  <a:cxnLst>
+                    <a:cxn ang="0">
+                      <a:pos x="connsiteX0" y="connsiteY0"/>
+                    </a:cxn>
+                    <a:cxn ang="0">
+                      <a:pos x="connsiteX1" y="connsiteY1"/>
+                    </a:cxn>
+                    <a:cxn ang="0">
+                      <a:pos x="connsiteX2" y="connsiteY2"/>
+                    </a:cxn>
+                  </a:cxnLst>
+                  <a:rect l="l" t="t" r="r" b="b"/>
+                  <a:pathLst>
+                    <a:path w="699247" h="476410">
+                      <a:moveTo>
+                        <a:pt x="699247" y="0"/>
+                      </a:moveTo>
+                      <a:cubicBezTo>
+                        <a:pt x="553890" y="117822"/>
+                        <a:pt x="408534" y="235644"/>
+                        <a:pt x="291993" y="315046"/>
+                      </a:cubicBezTo>
+                      <a:cubicBezTo>
+                        <a:pt x="175452" y="394448"/>
+                        <a:pt x="87726" y="435429"/>
+                        <a:pt x="0" y="476410"/>
+                      </a:cubicBezTo>
+                    </a:path>
+                  </a:pathLst>
+                </a:custGeom>
+                <a:noFill/>
+                <a:ln w="25400">
+                  <a:solidFill>
+                    <a:schemeClr val="accent1"/>
+                  </a:solidFill>
+                  <a:headEnd type="oval"/>
+                  <a:tailEnd type="oval"/>
+                </a:ln>
+              </p:spPr>
+              <p:style>
+                <a:lnRef idx="2">
+                  <a:schemeClr val="accent1">
+                    <a:shade val="15000"/>
+                  </a:schemeClr>
+                </a:lnRef>
+                <a:fillRef idx="1">
+                  <a:schemeClr val="accent1"/>
+                </a:fillRef>
+                <a:effectRef idx="0">
+                  <a:schemeClr val="accent1"/>
+                </a:effectRef>
+                <a:fontRef idx="minor">
+                  <a:schemeClr val="lt1"/>
+                </a:fontRef>
+              </p:style>
+              <p:txBody>
+                <a:bodyPr rtlCol="0" anchor="ctr"/>
+                <a:lstStyle/>
+                <a:p>
+                  <a:pPr algn="ctr"/>
+                  <a:endParaRPr lang="en-US"/>
+                </a:p>
+              </p:txBody>
+            </p:sp>
+            <p:sp>
+              <p:nvSpPr>
+                <p:cNvPr id="8" name="Freeform 7">
+                  <a:extLst>
+                    <a:ext uri="{FF2B5EF4-FFF2-40B4-BE49-F238E27FC236}">
+                      <a16:creationId xmlns:a16="http://schemas.microsoft.com/office/drawing/2014/main" id="{3893DDC8-D71E-6885-5559-9A2B732FCC54}"/>
+                    </a:ext>
+                  </a:extLst>
+                </p:cNvPr>
+                <p:cNvSpPr/>
+                <p:nvPr/>
+              </p:nvSpPr>
+              <p:spPr>
+                <a:xfrm>
+                  <a:off x="1718825" y="3230305"/>
+                  <a:ext cx="521902" cy="645459"/>
+                </a:xfrm>
+                <a:custGeom>
+                  <a:avLst/>
+                  <a:gdLst>
+                    <a:gd name="connsiteX0" fmla="*/ 521902 w 521902"/>
+                    <a:gd name="connsiteY0" fmla="*/ 0 h 645459"/>
+                    <a:gd name="connsiteX1" fmla="*/ 299065 w 521902"/>
+                    <a:gd name="connsiteY1" fmla="*/ 53788 h 645459"/>
+                    <a:gd name="connsiteX2" fmla="*/ 37808 w 521902"/>
+                    <a:gd name="connsiteY2" fmla="*/ 276625 h 645459"/>
+                    <a:gd name="connsiteX3" fmla="*/ 7071 w 521902"/>
+                    <a:gd name="connsiteY3" fmla="*/ 645459 h 645459"/>
+                  </a:gdLst>
+                  <a:ahLst/>
+                  <a:cxnLst>
+                    <a:cxn ang="0">
+                      <a:pos x="connsiteX0" y="connsiteY0"/>
+                    </a:cxn>
+                    <a:cxn ang="0">
+                      <a:pos x="connsiteX1" y="connsiteY1"/>
+                    </a:cxn>
+                    <a:cxn ang="0">
+                      <a:pos x="connsiteX2" y="connsiteY2"/>
+                    </a:cxn>
+                    <a:cxn ang="0">
+                      <a:pos x="connsiteX3" y="connsiteY3"/>
+                    </a:cxn>
+                  </a:cxnLst>
+                  <a:rect l="l" t="t" r="r" b="b"/>
+                  <a:pathLst>
+                    <a:path w="521902" h="645459">
+                      <a:moveTo>
+                        <a:pt x="521902" y="0"/>
+                      </a:moveTo>
+                      <a:cubicBezTo>
+                        <a:pt x="450824" y="3842"/>
+                        <a:pt x="379747" y="7684"/>
+                        <a:pt x="299065" y="53788"/>
+                      </a:cubicBezTo>
+                      <a:cubicBezTo>
+                        <a:pt x="218383" y="99892"/>
+                        <a:pt x="86474" y="178013"/>
+                        <a:pt x="37808" y="276625"/>
+                      </a:cubicBezTo>
+                      <a:cubicBezTo>
+                        <a:pt x="-10858" y="375237"/>
+                        <a:pt x="-1894" y="510348"/>
+                        <a:pt x="7071" y="645459"/>
+                      </a:cubicBezTo>
+                    </a:path>
+                  </a:pathLst>
+                </a:custGeom>
+                <a:noFill/>
+                <a:ln w="25400">
+                  <a:solidFill>
+                    <a:srgbClr val="FF0000"/>
+                  </a:solidFill>
+                  <a:headEnd type="oval"/>
+                  <a:tailEnd type="oval"/>
+                </a:ln>
+              </p:spPr>
+              <p:style>
+                <a:lnRef idx="2">
+                  <a:schemeClr val="accent1">
+                    <a:shade val="15000"/>
+                  </a:schemeClr>
+                </a:lnRef>
+                <a:fillRef idx="1">
+                  <a:schemeClr val="accent1"/>
+                </a:fillRef>
+                <a:effectRef idx="0">
+                  <a:schemeClr val="accent1"/>
+                </a:effectRef>
+                <a:fontRef idx="minor">
+                  <a:schemeClr val="lt1"/>
+                </a:fontRef>
+              </p:style>
+              <p:txBody>
+                <a:bodyPr rtlCol="0" anchor="ctr"/>
+                <a:lstStyle/>
+                <a:p>
+                  <a:pPr algn="ctr"/>
+                  <a:endParaRPr lang="en-US"/>
+                </a:p>
+              </p:txBody>
+            </p:sp>
+          </p:grpSp>
+        </p:grpSp>
+      </p:grpSp>
+    </p:spTree>
+    <p:extLst>
+      <p:ext uri="{BB962C8B-B14F-4D97-AF65-F5344CB8AC3E}">
+        <p14:creationId xmlns:p14="http://schemas.microsoft.com/office/powerpoint/2010/main" val="251780249"/>
+      </p:ext>
+    </p:extLst>
+  </p:cSld>
+  <p:clrMapOvr>
+    <a:masterClrMapping/>
+  </p:clrMapOvr>
+</p:sld>
+</file>
+
+<file path=ppt/slides/slide9.xml><?xml version="1.0" encoding="utf-8"?>
+<p:sld xmlns:a="http://schemas.openxmlformats.org/drawingml/2006/main" xmlns:r="http://schemas.openxmlformats.org/officeDocument/2006/relationships" xmlns:p="http://schemas.openxmlformats.org/presentationml/2006/main">
+  <p:cSld>
+    <p:spTree>
+      <p:nvGrpSpPr>
+        <p:cNvPr id="1" name=""/>
+        <p:cNvGrpSpPr/>
+        <p:nvPr/>
+      </p:nvGrpSpPr>
+      <p:grpSpPr>
+        <a:xfrm>
+          <a:off x="0" y="0"/>
+          <a:ext cx="0" cy="0"/>
+          <a:chOff x="0" y="0"/>
+          <a:chExt cx="0" cy="0"/>
+        </a:xfrm>
+      </p:grpSpPr>
+      <p:sp>
+        <p:nvSpPr>
+          <p:cNvPr id="21" name="TextBox 20">
+            <a:extLst>
+              <a:ext uri="{FF2B5EF4-FFF2-40B4-BE49-F238E27FC236}">
+                <a16:creationId xmlns:a16="http://schemas.microsoft.com/office/drawing/2014/main" id="{AB2CA7B1-EFB1-FC4C-8EB2-160D1928B20D}"/>
+              </a:ext>
+            </a:extLst>
+          </p:cNvPr>
+          <p:cNvSpPr txBox="1"/>
+          <p:nvPr/>
+        </p:nvSpPr>
+        <p:spPr>
+          <a:xfrm>
+            <a:off x="4267202" y="5682183"/>
+            <a:ext cx="3124201" cy="965792"/>
+          </a:xfrm>
+          <a:prstGeom prst="rect">
+            <a:avLst/>
+          </a:prstGeom>
+          <a:noFill/>
+        </p:spPr>
+        <p:txBody>
+          <a:bodyPr wrap="square" lIns="0" tIns="0" rIns="0" bIns="0" rtlCol="0">
+            <a:noAutofit/>
+          </a:bodyPr>
+          <a:lstStyle/>
+          <a:p>
+            <a:r>
+              <a:rPr lang="en-US" sz="8000" dirty="0">
+                <a:latin typeface="Times New Roman" panose="02020603050405020304" pitchFamily="18" charset="0"/>
+                <a:cs typeface="Times New Roman" panose="02020603050405020304" pitchFamily="18" charset="0"/>
+              </a:rPr>
+              <a:t>V</a:t>
+            </a:r>
+            <a:r>
+              <a:rPr lang="en-US" sz="6000" dirty="0">
+                <a:latin typeface="Times New Roman" panose="02020603050405020304" pitchFamily="18" charset="0"/>
+                <a:cs typeface="Times New Roman" panose="02020603050405020304" pitchFamily="18" charset="0"/>
+              </a:rPr>
+              <a:t>IA</a:t>
+            </a:r>
+            <a:r>
+              <a:rPr lang="en-US" sz="8000" dirty="0">
+                <a:latin typeface="Times New Roman" panose="02020603050405020304" pitchFamily="18" charset="0"/>
+                <a:cs typeface="Times New Roman" panose="02020603050405020304" pitchFamily="18" charset="0"/>
+              </a:rPr>
+              <a:t>L</a:t>
+            </a:r>
+            <a:r>
+              <a:rPr lang="en-US" sz="6000" dirty="0">
+                <a:latin typeface="Times New Roman" panose="02020603050405020304" pitchFamily="18" charset="0"/>
+                <a:cs typeface="Times New Roman" panose="02020603050405020304" pitchFamily="18" charset="0"/>
+              </a:rPr>
+              <a:t>IN</a:t>
+            </a:r>
+          </a:p>
+        </p:txBody>
+      </p:sp>
+      <p:pic>
+        <p:nvPicPr>
+          <p:cNvPr id="1028" name="Picture 4" descr="Android Logo, symbol, meaning, history, PNG, brand">
+            <a:extLst>
+              <a:ext uri="{FF2B5EF4-FFF2-40B4-BE49-F238E27FC236}">
+                <a16:creationId xmlns:a16="http://schemas.microsoft.com/office/drawing/2014/main" id="{BE638C0D-5E86-8C85-7EFB-458421BB735B}"/>
+              </a:ext>
+            </a:extLst>
+          </p:cNvPr>
+          <p:cNvPicPr>
+            <a:picLocks noChangeAspect="1" noChangeArrowheads="1"/>
+          </p:cNvPicPr>
+          <p:nvPr/>
+        </p:nvPicPr>
+        <p:blipFill rotWithShape="1">
+          <a:blip r:embed="rId2">
+            <a:extLst>
+              <a:ext uri="{28A0092B-C50C-407E-A947-70E740481C1C}">
+                <a14:useLocalDpi xmlns:a14="http://schemas.microsoft.com/office/drawing/2010/main" val="0"/>
+              </a:ext>
+            </a:extLst>
+          </a:blip>
+          <a:srcRect l="26055" r="26120"/>
+          <a:stretch/>
+        </p:blipFill>
+        <p:spPr bwMode="auto">
+          <a:xfrm>
+            <a:off x="4983806" y="-163468"/>
+            <a:ext cx="4815193" cy="5663441"/>
+          </a:xfrm>
+          <a:prstGeom prst="rect">
+            <a:avLst/>
+          </a:prstGeom>
+          <a:noFill/>
+          <a:extLst>
+            <a:ext uri="{909E8E84-426E-40DD-AFC4-6F175D3DCCD1}">
+              <a14:hiddenFill xmlns:a14="http://schemas.microsoft.com/office/drawing/2010/main">
+                <a:solidFill>
+                  <a:srgbClr val="FFFFFF"/>
+                </a:solidFill>
+              </a14:hiddenFill>
+            </a:ext>
+          </a:extLst>
+        </p:spPr>
+      </p:pic>
+      <p:pic>
+        <p:nvPicPr>
+          <p:cNvPr id="1030" name="Picture 6">
+            <a:extLst>
+              <a:ext uri="{FF2B5EF4-FFF2-40B4-BE49-F238E27FC236}">
+                <a16:creationId xmlns:a16="http://schemas.microsoft.com/office/drawing/2014/main" id="{DDC59845-C797-BB23-48ED-5675E34E9DF7}"/>
+              </a:ext>
+            </a:extLst>
+          </p:cNvPr>
+          <p:cNvPicPr>
+            <a:picLocks noChangeAspect="1" noChangeArrowheads="1"/>
+          </p:cNvPicPr>
+          <p:nvPr/>
+        </p:nvPicPr>
+        <p:blipFill>
+          <a:blip r:embed="rId3">
+            <a:extLst>
+              <a:ext uri="{28A0092B-C50C-407E-A947-70E740481C1C}">
+                <a14:useLocalDpi xmlns:a14="http://schemas.microsoft.com/office/drawing/2010/main" val="0"/>
+              </a:ext>
+            </a:extLst>
+          </a:blip>
+          <a:srcRect/>
+          <a:stretch>
+            <a:fillRect/>
+          </a:stretch>
+        </p:blipFill>
+        <p:spPr bwMode="auto">
+          <a:xfrm rot="2691390" flipH="1">
+            <a:off x="310420" y="783414"/>
+            <a:ext cx="4572000" cy="4572000"/>
+          </a:xfrm>
+          <a:prstGeom prst="rect">
+            <a:avLst/>
+          </a:prstGeom>
+          <a:noFill/>
+          <a:extLst>
+            <a:ext uri="{909E8E84-426E-40DD-AFC4-6F175D3DCCD1}">
+              <a14:hiddenFill xmlns:a14="http://schemas.microsoft.com/office/drawing/2010/main">
+                <a:solidFill>
+                  <a:srgbClr val="FFFFFF"/>
+                </a:solidFill>
+              </a14:hiddenFill>
+            </a:ext>
+          </a:extLst>
+        </p:spPr>
+      </p:pic>
       <p:sp>
         <p:nvSpPr>
           <p:cNvPr id="28" name="TextBox 27">
@@ -6924,7 +10330,7 @@
     </p:spTree>
     <p:extLst>
       <p:ext uri="{BB962C8B-B14F-4D97-AF65-F5344CB8AC3E}">
-        <p14:creationId xmlns:p14="http://schemas.microsoft.com/office/powerpoint/2010/main" val="1814425346"/>
+        <p14:creationId xmlns:p14="http://schemas.microsoft.com/office/powerpoint/2010/main" val="3938300480"/>
       </p:ext>
     </p:extLst>
   </p:cSld>
